--- a/パワーポイント/都知事杯オープンデータ・ハッカソン.pptx
+++ b/パワーポイント/都知事杯オープンデータ・ハッカソン.pptx
@@ -5,11 +5,12 @@
     <p:sldMasterId id="2147483648" r:id="rId1"/>
   </p:sldMasterIdLst>
   <p:notesMasterIdLst>
-    <p:notesMasterId r:id="rId4"/>
+    <p:notesMasterId r:id="rId5"/>
   </p:notesMasterIdLst>
   <p:sldIdLst>
-    <p:sldId id="306" r:id="rId2"/>
-    <p:sldId id="302" r:id="rId3"/>
+    <p:sldId id="307" r:id="rId2"/>
+    <p:sldId id="306" r:id="rId3"/>
+    <p:sldId id="302" r:id="rId4"/>
   </p:sldIdLst>
   <p:sldSz cx="12192000" cy="6858000"/>
   <p:notesSz cx="6858000" cy="9144000"/>
@@ -215,7 +216,7 @@
           <a:p>
             <a:fld id="{CA49738D-D75D-40B1-BF46-FC9ACBB15E75}" type="datetimeFigureOut">
               <a:rPr kumimoji="1" lang="ja-JP" altLang="en-US" smtClean="0"/>
-              <a:t>2024/8/8</a:t>
+              <a:t>2024/8/10</a:t>
             </a:fld>
             <a:endParaRPr kumimoji="1" lang="ja-JP" altLang="en-US"/>
           </a:p>
@@ -574,7 +575,7 @@
           <a:p>
             <a:fld id="{22E5198F-549A-4508-B579-8CA394E94788}" type="slidenum">
               <a:rPr kumimoji="1" lang="ja-JP" altLang="en-US" smtClean="0"/>
-              <a:t>1</a:t>
+              <a:t>2</a:t>
             </a:fld>
             <a:endParaRPr kumimoji="1" lang="ja-JP" altLang="en-US"/>
           </a:p>
@@ -706,7 +707,7 @@
           <a:p>
             <a:fld id="{22E5198F-549A-4508-B579-8CA394E94788}" type="slidenum">
               <a:rPr kumimoji="1" lang="ja-JP" altLang="en-US" smtClean="0"/>
-              <a:t>2</a:t>
+              <a:t>3</a:t>
             </a:fld>
             <a:endParaRPr kumimoji="1" lang="ja-JP" altLang="en-US"/>
           </a:p>
@@ -4022,6 +4023,92 @@
           <a:chExt cx="0" cy="0"/>
         </a:xfrm>
       </p:grpSpPr>
+      <p:sp>
+        <p:nvSpPr>
+          <p:cNvPr id="3" name="テキスト ボックス 2">
+            <a:extLst>
+              <a:ext uri="{FF2B5EF4-FFF2-40B4-BE49-F238E27FC236}">
+                <a16:creationId xmlns:a16="http://schemas.microsoft.com/office/drawing/2014/main" id="{F0C10767-10E3-91EA-4A9B-DFE40349E1A6}"/>
+              </a:ext>
+            </a:extLst>
+          </p:cNvPr>
+          <p:cNvSpPr txBox="1"/>
+          <p:nvPr/>
+        </p:nvSpPr>
+        <p:spPr>
+          <a:xfrm>
+            <a:off x="192991" y="188640"/>
+            <a:ext cx="12000656" cy="584775"/>
+          </a:xfrm>
+          <a:prstGeom prst="rect">
+            <a:avLst/>
+          </a:prstGeom>
+          <a:noFill/>
+        </p:spPr>
+        <p:txBody>
+          <a:bodyPr wrap="square" rtlCol="0">
+            <a:spAutoFit/>
+          </a:bodyPr>
+          <a:lstStyle/>
+          <a:p>
+            <a:pPr algn="ctr"/>
+            <a:r>
+              <a:rPr lang="ja-JP" altLang="en-US" sz="3200" b="1" i="0" u="none" strike="noStrike" dirty="0">
+                <a:solidFill>
+                  <a:srgbClr val="1F2328"/>
+                </a:solidFill>
+                <a:effectLst/>
+                <a:highlight>
+                  <a:srgbClr val="FFFFFF"/>
+                </a:highlight>
+                <a:latin typeface="-apple-system"/>
+                <a:hlinkClick r:id="rId2"/>
+              </a:rPr>
+              <a:t>東京都オープンデータカタログサイトビジュアライゼーション</a:t>
+            </a:r>
+            <a:endParaRPr lang="ja-JP" altLang="en-US" sz="3200" b="1" i="0" dirty="0">
+              <a:solidFill>
+                <a:srgbClr val="1F2328"/>
+              </a:solidFill>
+              <a:effectLst/>
+              <a:highlight>
+                <a:srgbClr val="FFFFFF"/>
+              </a:highlight>
+              <a:latin typeface="-apple-system"/>
+            </a:endParaRPr>
+          </a:p>
+        </p:txBody>
+      </p:sp>
+    </p:spTree>
+    <p:extLst>
+      <p:ext uri="{BB962C8B-B14F-4D97-AF65-F5344CB8AC3E}">
+        <p14:creationId xmlns:p14="http://schemas.microsoft.com/office/powerpoint/2010/main" val="4122858335"/>
+      </p:ext>
+    </p:extLst>
+  </p:cSld>
+  <p:clrMapOvr>
+    <a:masterClrMapping/>
+  </p:clrMapOvr>
+</p:sld>
+</file>
+
+<file path=ppt/slides/slide2.xml><?xml version="1.0" encoding="utf-8"?>
+<p:sld xmlns:a="http://schemas.openxmlformats.org/drawingml/2006/main" xmlns:r="http://schemas.openxmlformats.org/officeDocument/2006/relationships" xmlns:p="http://schemas.openxmlformats.org/presentationml/2006/main">
+  <p:cSld>
+    <p:spTree>
+      <p:nvGrpSpPr>
+        <p:cNvPr id="1" name=""/>
+        <p:cNvGrpSpPr/>
+        <p:nvPr/>
+      </p:nvGrpSpPr>
+      <p:grpSpPr>
+        <a:xfrm>
+          <a:off x="0" y="0"/>
+          <a:ext cx="0" cy="0"/>
+          <a:chOff x="0" y="0"/>
+          <a:chExt cx="0" cy="0"/>
+        </a:xfrm>
+      </p:grpSpPr>
       <p:pic>
         <p:nvPicPr>
           <p:cNvPr id="3" name="Picture 8" descr="QGISの画像"/>
@@ -4255,7 +4342,7 @@
         </p:nvSpPr>
         <p:spPr>
           <a:xfrm>
-            <a:off x="1120306" y="4388067"/>
+            <a:off x="1657367" y="4296494"/>
             <a:ext cx="4058405" cy="1298688"/>
           </a:xfrm>
           <a:prstGeom prst="roundRect">
@@ -5172,45 +5259,6 @@
                 <a:latin typeface="+mn-ea"/>
               </a:rPr>
               <a:t>　　汎用機能強化</a:t>
-            </a:r>
-          </a:p>
-        </p:txBody>
-      </p:sp>
-      <p:sp>
-        <p:nvSpPr>
-          <p:cNvPr id="1056" name="テキスト ボックス 1055"/>
-          <p:cNvSpPr txBox="1"/>
-          <p:nvPr/>
-        </p:nvSpPr>
-        <p:spPr>
-          <a:xfrm>
-            <a:off x="2294374" y="188658"/>
-            <a:ext cx="7738030" cy="695575"/>
-          </a:xfrm>
-          <a:prstGeom prst="rect">
-            <a:avLst/>
-          </a:prstGeom>
-          <a:noFill/>
-        </p:spPr>
-        <p:txBody>
-          <a:bodyPr wrap="square" rtlCol="0">
-            <a:spAutoFit/>
-          </a:bodyPr>
-          <a:lstStyle/>
-          <a:p>
-            <a:pPr algn="ctr">
-              <a:lnSpc>
-                <a:spcPct val="130000"/>
-              </a:lnSpc>
-              <a:spcAft>
-                <a:spcPts val="600"/>
-              </a:spcAft>
-            </a:pPr>
-            <a:r>
-              <a:rPr kumimoji="1" lang="ja-JP" altLang="en-US" sz="3200" b="1" dirty="0">
-                <a:latin typeface="+mn-ea"/>
-              </a:rPr>
-              <a:t>ＧＩＳのプロダクト全体概要</a:t>
             </a:r>
           </a:p>
         </p:txBody>
@@ -5826,7 +5874,7 @@
 </p:sld>
 </file>
 
-<file path=ppt/slides/slide2.xml><?xml version="1.0" encoding="utf-8"?>
+<file path=ppt/slides/slide3.xml><?xml version="1.0" encoding="utf-8"?>
 <p:sld xmlns:a="http://schemas.openxmlformats.org/drawingml/2006/main" xmlns:r="http://schemas.openxmlformats.org/officeDocument/2006/relationships" xmlns:p="http://schemas.openxmlformats.org/presentationml/2006/main">
   <p:cSld>
     <p:spTree>

--- a/パワーポイント/都知事杯オープンデータ・ハッカソン.pptx
+++ b/パワーポイント/都知事杯オープンデータ・ハッカソン.pptx
@@ -8,9 +8,9 @@
     <p:notesMasterId r:id="rId5"/>
   </p:notesMasterIdLst>
   <p:sldIdLst>
-    <p:sldId id="307" r:id="rId2"/>
-    <p:sldId id="306" r:id="rId3"/>
-    <p:sldId id="302" r:id="rId4"/>
+    <p:sldId id="312" r:id="rId2"/>
+    <p:sldId id="307" r:id="rId3"/>
+    <p:sldId id="311" r:id="rId4"/>
   </p:sldIdLst>
   <p:sldSz cx="12192000" cy="6858000"/>
   <p:notesSz cx="6858000" cy="9144000"/>
@@ -216,7 +216,7 @@
           <a:p>
             <a:fld id="{CA49738D-D75D-40B1-BF46-FC9ACBB15E75}" type="datetimeFigureOut">
               <a:rPr kumimoji="1" lang="ja-JP" altLang="en-US" smtClean="0"/>
-              <a:t>2024/8/10</a:t>
+              <a:t>2024/8/17</a:t>
             </a:fld>
             <a:endParaRPr kumimoji="1" lang="ja-JP" altLang="en-US"/>
           </a:p>
@@ -554,7 +554,7 @@
           <a:bodyPr/>
           <a:lstStyle/>
           <a:p>
-            <a:endParaRPr kumimoji="1" lang="ja-JP" altLang="en-US" dirty="0"/>
+            <a:endParaRPr kumimoji="1" lang="en-US" altLang="ja-JP" dirty="0"/>
           </a:p>
         </p:txBody>
       </p:sp>
@@ -575,13 +575,18 @@
           <a:p>
             <a:fld id="{22E5198F-549A-4508-B579-8CA394E94788}" type="slidenum">
               <a:rPr kumimoji="1" lang="ja-JP" altLang="en-US" smtClean="0"/>
-              <a:t>2</a:t>
+              <a:t>1</a:t>
             </a:fld>
             <a:endParaRPr kumimoji="1" lang="ja-JP" altLang="en-US"/>
           </a:p>
         </p:txBody>
       </p:sp>
     </p:spTree>
+    <p:extLst>
+      <p:ext uri="{BB962C8B-B14F-4D97-AF65-F5344CB8AC3E}">
+        <p14:creationId xmlns:p14="http://schemas.microsoft.com/office/powerpoint/2010/main" val="2430463206"/>
+      </p:ext>
+    </p:extLst>
   </p:cSld>
   <p:clrMapOvr>
     <a:masterClrMapping/>
@@ -633,60 +638,7 @@
           <a:bodyPr/>
           <a:lstStyle/>
           <a:p>
-            <a:r>
-              <a:rPr kumimoji="1" lang="ja-JP" altLang="en-US" dirty="0"/>
-              <a:t>官公庁の業務は、法令による情報、住民サービス、業者のニーズ、施設管理、災害情報などの多くの「情報」を取り扱う事でもあります。</a:t>
-            </a:r>
             <a:endParaRPr kumimoji="1" lang="en-US" altLang="ja-JP" dirty="0"/>
-          </a:p>
-          <a:p>
-            <a:r>
-              <a:rPr kumimoji="1" lang="ja-JP" altLang="en-US" dirty="0"/>
-              <a:t>これらの情報を、起案文章を初めとする、様々な業務において、アナログであれデジタルであれ、個別管理された情報を元に、手入力でエクセルなどに入力している場合には、多くの問題を潜在的に抱えることとなります。</a:t>
-            </a:r>
-            <a:endParaRPr kumimoji="1" lang="en-US" altLang="ja-JP" dirty="0"/>
-          </a:p>
-          <a:p>
-            <a:r>
-              <a:rPr kumimoji="1" lang="ja-JP" altLang="en-US" dirty="0"/>
-              <a:t>主な問題は、手入力することによる入力ミス、個別に管理された情報を取り扱うことにより、業務が、複雑な業務　となることによる、判断ミスや業務の遅延が挙げられます。</a:t>
-            </a:r>
-            <a:endParaRPr kumimoji="1" lang="en-US" altLang="ja-JP" dirty="0"/>
-          </a:p>
-          <a:p>
-            <a:r>
-              <a:rPr kumimoji="1" lang="ja-JP" altLang="en-US" dirty="0"/>
-              <a:t>これらの業務における課題を解決するためには、これらの業務を「不要な業務」とすることです。</a:t>
-            </a:r>
-            <a:endParaRPr kumimoji="1" lang="en-US" altLang="ja-JP" dirty="0"/>
-          </a:p>
-          <a:p>
-            <a:r>
-              <a:rPr kumimoji="1" lang="ja-JP" altLang="en-US" dirty="0"/>
-              <a:t>それを行うことが、「</a:t>
-            </a:r>
-            <a:r>
-              <a:rPr kumimoji="1" lang="en-US" altLang="ja-JP" dirty="0"/>
-              <a:t>DX</a:t>
-            </a:r>
-            <a:r>
-              <a:rPr kumimoji="1" lang="ja-JP" altLang="en-US" dirty="0"/>
-              <a:t>」であり、それらを可能とするシステムが、情報プラットフォームとして、地図情報システムである</a:t>
-            </a:r>
-            <a:r>
-              <a:rPr kumimoji="1" lang="en-US" altLang="ja-JP" dirty="0"/>
-              <a:t>GIS</a:t>
-            </a:r>
-            <a:r>
-              <a:rPr kumimoji="1" lang="ja-JP" altLang="en-US" dirty="0"/>
-              <a:t>です。</a:t>
-            </a:r>
-          </a:p>
-          <a:p>
-            <a:endParaRPr kumimoji="1" lang="en-US" altLang="ja-JP" dirty="0"/>
-          </a:p>
-          <a:p>
-            <a:endParaRPr kumimoji="1" lang="ja-JP" altLang="en-US" dirty="0"/>
           </a:p>
         </p:txBody>
       </p:sp>
@@ -707,6 +659,93 @@
           <a:p>
             <a:fld id="{22E5198F-549A-4508-B579-8CA394E94788}" type="slidenum">
               <a:rPr kumimoji="1" lang="ja-JP" altLang="en-US" smtClean="0"/>
+              <a:t>2</a:t>
+            </a:fld>
+            <a:endParaRPr kumimoji="1" lang="ja-JP" altLang="en-US"/>
+          </a:p>
+        </p:txBody>
+      </p:sp>
+    </p:spTree>
+    <p:extLst>
+      <p:ext uri="{BB962C8B-B14F-4D97-AF65-F5344CB8AC3E}">
+        <p14:creationId xmlns:p14="http://schemas.microsoft.com/office/powerpoint/2010/main" val="1969888461"/>
+      </p:ext>
+    </p:extLst>
+  </p:cSld>
+  <p:clrMapOvr>
+    <a:masterClrMapping/>
+  </p:clrMapOvr>
+</p:notes>
+</file>
+
+<file path=ppt/notesSlides/notesSlide3.xml><?xml version="1.0" encoding="utf-8"?>
+<p:notes xmlns:a="http://schemas.openxmlformats.org/drawingml/2006/main" xmlns:r="http://schemas.openxmlformats.org/officeDocument/2006/relationships" xmlns:p="http://schemas.openxmlformats.org/presentationml/2006/main">
+  <p:cSld>
+    <p:spTree>
+      <p:nvGrpSpPr>
+        <p:cNvPr id="1" name=""/>
+        <p:cNvGrpSpPr/>
+        <p:nvPr/>
+      </p:nvGrpSpPr>
+      <p:grpSpPr>
+        <a:xfrm>
+          <a:off x="0" y="0"/>
+          <a:ext cx="0" cy="0"/>
+          <a:chOff x="0" y="0"/>
+          <a:chExt cx="0" cy="0"/>
+        </a:xfrm>
+      </p:grpSpPr>
+      <p:sp>
+        <p:nvSpPr>
+          <p:cNvPr id="2" name="スライド イメージ プレースホルダー 1"/>
+          <p:cNvSpPr>
+            <a:spLocks noGrp="1" noRot="1" noChangeAspect="1"/>
+          </p:cNvSpPr>
+          <p:nvPr>
+            <p:ph type="sldImg"/>
+          </p:nvPr>
+        </p:nvSpPr>
+        <p:spPr/>
+      </p:sp>
+      <p:sp>
+        <p:nvSpPr>
+          <p:cNvPr id="3" name="ノート プレースホルダー 2"/>
+          <p:cNvSpPr>
+            <a:spLocks noGrp="1"/>
+          </p:cNvSpPr>
+          <p:nvPr>
+            <p:ph type="body" idx="1"/>
+          </p:nvPr>
+        </p:nvSpPr>
+        <p:spPr/>
+        <p:txBody>
+          <a:bodyPr/>
+          <a:lstStyle/>
+          <a:p>
+            <a:endParaRPr kumimoji="1" lang="en-US" altLang="ja-JP" dirty="0"/>
+          </a:p>
+          <a:p>
+            <a:endParaRPr kumimoji="1" lang="ja-JP" altLang="en-US" dirty="0"/>
+          </a:p>
+        </p:txBody>
+      </p:sp>
+      <p:sp>
+        <p:nvSpPr>
+          <p:cNvPr id="4" name="スライド番号プレースホルダー 3"/>
+          <p:cNvSpPr>
+            <a:spLocks noGrp="1"/>
+          </p:cNvSpPr>
+          <p:nvPr>
+            <p:ph type="sldNum" sz="quarter" idx="5"/>
+          </p:nvPr>
+        </p:nvSpPr>
+        <p:spPr/>
+        <p:txBody>
+          <a:bodyPr/>
+          <a:lstStyle/>
+          <a:p>
+            <a:fld id="{22E5198F-549A-4508-B579-8CA394E94788}" type="slidenum">
+              <a:rPr kumimoji="1" lang="ja-JP" altLang="en-US" smtClean="0"/>
               <a:t>3</a:t>
             </a:fld>
             <a:endParaRPr kumimoji="1" lang="ja-JP" altLang="en-US"/>
@@ -714,6 +753,11 @@
         </p:txBody>
       </p:sp>
     </p:spTree>
+    <p:extLst>
+      <p:ext uri="{BB962C8B-B14F-4D97-AF65-F5344CB8AC3E}">
+        <p14:creationId xmlns:p14="http://schemas.microsoft.com/office/powerpoint/2010/main" val="2054352037"/>
+      </p:ext>
+    </p:extLst>
   </p:cSld>
   <p:clrMapOvr>
     <a:masterClrMapping/>
@@ -4062,7 +4106,7 @@
                   <a:srgbClr val="FFFFFF"/>
                 </a:highlight>
                 <a:latin typeface="-apple-system"/>
-                <a:hlinkClick r:id="rId2"/>
+                <a:hlinkClick r:id="rId3"/>
               </a:rPr>
               <a:t>東京都オープンデータカタログサイトビジュアライゼーション</a:t>
             </a:r>
@@ -4079,10 +4123,450 @@
           </a:p>
         </p:txBody>
       </p:sp>
+      <p:pic>
+        <p:nvPicPr>
+          <p:cNvPr id="4" name="図 3">
+            <a:hlinkClick r:id="rId4"/>
+            <a:extLst>
+              <a:ext uri="{FF2B5EF4-FFF2-40B4-BE49-F238E27FC236}">
+                <a16:creationId xmlns:a16="http://schemas.microsoft.com/office/drawing/2014/main" id="{CA260F5E-FB98-3CF3-472A-6B845EA2E8B6}"/>
+              </a:ext>
+            </a:extLst>
+          </p:cNvPr>
+          <p:cNvPicPr>
+            <a:picLocks noChangeAspect="1"/>
+          </p:cNvPicPr>
+          <p:nvPr/>
+        </p:nvPicPr>
+        <p:blipFill>
+          <a:blip r:embed="rId5"/>
+          <a:stretch>
+            <a:fillRect/>
+          </a:stretch>
+        </p:blipFill>
+        <p:spPr>
+          <a:xfrm>
+            <a:off x="450480" y="1011066"/>
+            <a:ext cx="2426662" cy="1271109"/>
+          </a:xfrm>
+          <a:prstGeom prst="rect">
+            <a:avLst/>
+          </a:prstGeom>
+        </p:spPr>
+      </p:pic>
+      <p:sp>
+        <p:nvSpPr>
+          <p:cNvPr id="1129" name="四角形: 角を丸くする 1128">
+            <a:extLst>
+              <a:ext uri="{FF2B5EF4-FFF2-40B4-BE49-F238E27FC236}">
+                <a16:creationId xmlns:a16="http://schemas.microsoft.com/office/drawing/2014/main" id="{F10F7A1B-43C4-A3E1-BF5C-C76EE6785D87}"/>
+              </a:ext>
+            </a:extLst>
+          </p:cNvPr>
+          <p:cNvSpPr/>
+          <p:nvPr/>
+        </p:nvSpPr>
+        <p:spPr>
+          <a:xfrm>
+            <a:off x="3071664" y="1011066"/>
+            <a:ext cx="8640960" cy="1193798"/>
+          </a:xfrm>
+          <a:prstGeom prst="roundRect">
+            <a:avLst>
+              <a:gd name="adj" fmla="val 19858"/>
+            </a:avLst>
+          </a:prstGeom>
+          <a:noFill/>
+          <a:ln>
+            <a:solidFill>
+              <a:schemeClr val="tx1"/>
+            </a:solidFill>
+          </a:ln>
+          <a:effectLst>
+            <a:outerShdw blurRad="50800" dist="38100" dir="2700000" algn="tl" rotWithShape="0">
+              <a:prstClr val="black">
+                <a:alpha val="40000"/>
+              </a:prstClr>
+            </a:outerShdw>
+          </a:effectLst>
+        </p:spPr>
+        <p:style>
+          <a:lnRef idx="2">
+            <a:schemeClr val="accent3"/>
+          </a:lnRef>
+          <a:fillRef idx="1">
+            <a:schemeClr val="lt1"/>
+          </a:fillRef>
+          <a:effectRef idx="0">
+            <a:schemeClr val="accent3"/>
+          </a:effectRef>
+          <a:fontRef idx="minor">
+            <a:schemeClr val="dk1"/>
+          </a:fontRef>
+        </p:style>
+        <p:txBody>
+          <a:bodyPr rtlCol="0" anchor="ctr"/>
+          <a:lstStyle/>
+          <a:p>
+            <a:pPr>
+              <a:lnSpc>
+                <a:spcPct val="130000"/>
+              </a:lnSpc>
+              <a:spcAft>
+                <a:spcPts val="600"/>
+              </a:spcAft>
+            </a:pPr>
+            <a:r>
+              <a:rPr kumimoji="1" lang="ja-JP" altLang="en-US" sz="2000" dirty="0">
+                <a:solidFill>
+                  <a:schemeClr val="tx1"/>
+                </a:solidFill>
+                <a:latin typeface="+mn-ea"/>
+              </a:rPr>
+              <a:t>特徴：多様なデータ形式に対して、データの集約と提供に優れている。</a:t>
+            </a:r>
+            <a:endParaRPr kumimoji="1" lang="en-US" altLang="ja-JP" sz="2000" dirty="0">
+              <a:solidFill>
+                <a:schemeClr val="tx1"/>
+              </a:solidFill>
+              <a:latin typeface="+mn-ea"/>
+            </a:endParaRPr>
+          </a:p>
+          <a:p>
+            <a:pPr>
+              <a:lnSpc>
+                <a:spcPct val="130000"/>
+              </a:lnSpc>
+              <a:spcAft>
+                <a:spcPts val="600"/>
+              </a:spcAft>
+            </a:pPr>
+            <a:r>
+              <a:rPr kumimoji="1" lang="ja-JP" altLang="en-US" sz="2000" dirty="0">
+                <a:solidFill>
+                  <a:srgbClr val="FF0000"/>
+                </a:solidFill>
+                <a:latin typeface="+mn-ea"/>
+              </a:rPr>
+              <a:t>課題：データ更新・削除等が反映されず信頼性が低下する危険性。</a:t>
+            </a:r>
+            <a:endParaRPr kumimoji="1" lang="en-US" altLang="ja-JP" sz="1600" dirty="0">
+              <a:solidFill>
+                <a:schemeClr val="tx1"/>
+              </a:solidFill>
+              <a:latin typeface="+mn-ea"/>
+            </a:endParaRPr>
+          </a:p>
+        </p:txBody>
+      </p:sp>
+      <p:sp>
+        <p:nvSpPr>
+          <p:cNvPr id="2" name="矢印: 下 1">
+            <a:extLst>
+              <a:ext uri="{FF2B5EF4-FFF2-40B4-BE49-F238E27FC236}">
+                <a16:creationId xmlns:a16="http://schemas.microsoft.com/office/drawing/2014/main" id="{FF9A73DE-2210-AB2A-99EC-76FC2924E0EF}"/>
+              </a:ext>
+            </a:extLst>
+          </p:cNvPr>
+          <p:cNvSpPr/>
+          <p:nvPr/>
+        </p:nvSpPr>
+        <p:spPr>
+          <a:xfrm>
+            <a:off x="6186155" y="2346597"/>
+            <a:ext cx="2399613" cy="847278"/>
+          </a:xfrm>
+          <a:prstGeom prst="downArrow">
+            <a:avLst/>
+          </a:prstGeom>
+          <a:noFill/>
+          <a:effectLst>
+            <a:outerShdw blurRad="50800" dist="38100" dir="2700000" algn="tl" rotWithShape="0">
+              <a:prstClr val="black">
+                <a:alpha val="40000"/>
+              </a:prstClr>
+            </a:outerShdw>
+          </a:effectLst>
+        </p:spPr>
+        <p:style>
+          <a:lnRef idx="2">
+            <a:schemeClr val="accent3"/>
+          </a:lnRef>
+          <a:fillRef idx="1">
+            <a:schemeClr val="lt1"/>
+          </a:fillRef>
+          <a:effectRef idx="0">
+            <a:schemeClr val="accent3"/>
+          </a:effectRef>
+          <a:fontRef idx="minor">
+            <a:schemeClr val="dk1"/>
+          </a:fontRef>
+        </p:style>
+        <p:txBody>
+          <a:bodyPr rtlCol="0" anchor="ctr"/>
+          <a:lstStyle/>
+          <a:p>
+            <a:pPr algn="ctr">
+              <a:lnSpc>
+                <a:spcPct val="130000"/>
+              </a:lnSpc>
+              <a:spcAft>
+                <a:spcPts val="600"/>
+              </a:spcAft>
+            </a:pPr>
+            <a:r>
+              <a:rPr kumimoji="1" lang="ja-JP" altLang="en-US" sz="6000" dirty="0">
+                <a:solidFill>
+                  <a:srgbClr val="FF0000"/>
+                </a:solidFill>
+                <a:latin typeface="+mn-ea"/>
+              </a:rPr>
+              <a:t>？</a:t>
+            </a:r>
+          </a:p>
+        </p:txBody>
+      </p:sp>
+      <p:sp>
+        <p:nvSpPr>
+          <p:cNvPr id="8" name="四角形: 角を丸くする 7">
+            <a:extLst>
+              <a:ext uri="{FF2B5EF4-FFF2-40B4-BE49-F238E27FC236}">
+                <a16:creationId xmlns:a16="http://schemas.microsoft.com/office/drawing/2014/main" id="{E3EA4647-29E1-059B-90C0-48F03CA9CB77}"/>
+              </a:ext>
+            </a:extLst>
+          </p:cNvPr>
+          <p:cNvSpPr/>
+          <p:nvPr/>
+        </p:nvSpPr>
+        <p:spPr>
+          <a:xfrm>
+            <a:off x="4547828" y="3373224"/>
+            <a:ext cx="5688632" cy="1193798"/>
+          </a:xfrm>
+          <a:prstGeom prst="roundRect">
+            <a:avLst>
+              <a:gd name="adj" fmla="val 19858"/>
+            </a:avLst>
+          </a:prstGeom>
+          <a:noFill/>
+          <a:ln w="63500">
+            <a:solidFill>
+              <a:srgbClr val="FF0000"/>
+            </a:solidFill>
+          </a:ln>
+          <a:effectLst>
+            <a:outerShdw blurRad="50800" dist="38100" dir="2700000" algn="tl" rotWithShape="0">
+              <a:prstClr val="black">
+                <a:alpha val="40000"/>
+              </a:prstClr>
+            </a:outerShdw>
+          </a:effectLst>
+        </p:spPr>
+        <p:style>
+          <a:lnRef idx="2">
+            <a:schemeClr val="accent3"/>
+          </a:lnRef>
+          <a:fillRef idx="1">
+            <a:schemeClr val="lt1"/>
+          </a:fillRef>
+          <a:effectRef idx="0">
+            <a:schemeClr val="accent3"/>
+          </a:effectRef>
+          <a:fontRef idx="minor">
+            <a:schemeClr val="dk1"/>
+          </a:fontRef>
+        </p:style>
+        <p:txBody>
+          <a:bodyPr rtlCol="0" anchor="ctr"/>
+          <a:lstStyle/>
+          <a:p>
+            <a:pPr algn="ctr">
+              <a:lnSpc>
+                <a:spcPct val="130000"/>
+              </a:lnSpc>
+              <a:spcAft>
+                <a:spcPts val="600"/>
+              </a:spcAft>
+            </a:pPr>
+            <a:r>
+              <a:rPr kumimoji="1" lang="ja-JP" altLang="en-US" sz="2400" dirty="0">
+                <a:solidFill>
+                  <a:srgbClr val="FF0000"/>
+                </a:solidFill>
+                <a:latin typeface="+mn-ea"/>
+              </a:rPr>
+              <a:t>そもそもオープンデータってなんだ？</a:t>
+            </a:r>
+            <a:endParaRPr kumimoji="1" lang="en-US" altLang="ja-JP" sz="2400" dirty="0">
+              <a:solidFill>
+                <a:srgbClr val="FF0000"/>
+              </a:solidFill>
+              <a:latin typeface="+mn-ea"/>
+            </a:endParaRPr>
+          </a:p>
+        </p:txBody>
+      </p:sp>
+      <p:sp>
+        <p:nvSpPr>
+          <p:cNvPr id="9" name="スクロール: 横 8">
+            <a:extLst>
+              <a:ext uri="{FF2B5EF4-FFF2-40B4-BE49-F238E27FC236}">
+                <a16:creationId xmlns:a16="http://schemas.microsoft.com/office/drawing/2014/main" id="{04F7E17A-9D79-C288-777F-75C3FB4F6E8F}"/>
+              </a:ext>
+            </a:extLst>
+          </p:cNvPr>
+          <p:cNvSpPr/>
+          <p:nvPr/>
+        </p:nvSpPr>
+        <p:spPr>
+          <a:xfrm>
+            <a:off x="767408" y="4653137"/>
+            <a:ext cx="10945216" cy="1800199"/>
+          </a:xfrm>
+          <a:prstGeom prst="horizontalScroll">
+            <a:avLst/>
+          </a:prstGeom>
+          <a:noFill/>
+          <a:ln w="63500">
+            <a:solidFill>
+              <a:schemeClr val="tx1"/>
+            </a:solidFill>
+          </a:ln>
+          <a:effectLst>
+            <a:outerShdw blurRad="50800" dist="38100" dir="2700000" algn="tl" rotWithShape="0">
+              <a:prstClr val="black">
+                <a:alpha val="40000"/>
+              </a:prstClr>
+            </a:outerShdw>
+          </a:effectLst>
+        </p:spPr>
+        <p:style>
+          <a:lnRef idx="2">
+            <a:schemeClr val="accent3"/>
+          </a:lnRef>
+          <a:fillRef idx="1">
+            <a:schemeClr val="lt1"/>
+          </a:fillRef>
+          <a:effectRef idx="0">
+            <a:schemeClr val="accent3"/>
+          </a:effectRef>
+          <a:fontRef idx="minor">
+            <a:schemeClr val="dk1"/>
+          </a:fontRef>
+        </p:style>
+        <p:txBody>
+          <a:bodyPr rtlCol="0" anchor="ctr"/>
+          <a:lstStyle/>
+          <a:p>
+            <a:pPr algn="ctr">
+              <a:lnSpc>
+                <a:spcPct val="130000"/>
+              </a:lnSpc>
+              <a:spcAft>
+                <a:spcPts val="600"/>
+              </a:spcAft>
+            </a:pPr>
+            <a:r>
+              <a:rPr kumimoji="1" lang="ja-JP" altLang="en-US" sz="2400" dirty="0">
+                <a:solidFill>
+                  <a:schemeClr val="tx1"/>
+                </a:solidFill>
+                <a:latin typeface="+mn-ea"/>
+              </a:rPr>
+              <a:t>原課（データを本当に管理している各担当部署）に問い合わせのある内容</a:t>
+            </a:r>
+          </a:p>
+        </p:txBody>
+      </p:sp>
+      <p:pic>
+        <p:nvPicPr>
+          <p:cNvPr id="1026" name="Picture 2">
+            <a:hlinkClick r:id="rId6"/>
+            <a:extLst>
+              <a:ext uri="{FF2B5EF4-FFF2-40B4-BE49-F238E27FC236}">
+                <a16:creationId xmlns:a16="http://schemas.microsoft.com/office/drawing/2014/main" id="{4A4FC20C-24CC-F3AE-1182-4418CAA1DB6A}"/>
+              </a:ext>
+            </a:extLst>
+          </p:cNvPr>
+          <p:cNvPicPr>
+            <a:picLocks noChangeAspect="1" noChangeArrowheads="1"/>
+          </p:cNvPicPr>
+          <p:nvPr/>
+        </p:nvPicPr>
+        <p:blipFill>
+          <a:blip r:embed="rId7">
+            <a:extLst>
+              <a:ext uri="{28A0092B-C50C-407E-A947-70E740481C1C}">
+                <a14:useLocalDpi xmlns:a14="http://schemas.microsoft.com/office/drawing/2010/main" val="0"/>
+              </a:ext>
+            </a:extLst>
+          </a:blip>
+          <a:srcRect/>
+          <a:stretch>
+            <a:fillRect/>
+          </a:stretch>
+        </p:blipFill>
+        <p:spPr bwMode="auto">
+          <a:xfrm>
+            <a:off x="1955540" y="2387101"/>
+            <a:ext cx="2399613" cy="2399613"/>
+          </a:xfrm>
+          <a:prstGeom prst="rect">
+            <a:avLst/>
+          </a:prstGeom>
+          <a:noFill/>
+          <a:extLst>
+            <a:ext uri="{909E8E84-426E-40DD-AFC4-6F175D3DCCD1}">
+              <a14:hiddenFill xmlns:a14="http://schemas.microsoft.com/office/drawing/2010/main">
+                <a:solidFill>
+                  <a:srgbClr val="FFFFFF"/>
+                </a:solidFill>
+              </a14:hiddenFill>
+            </a:ext>
+          </a:extLst>
+        </p:spPr>
+      </p:pic>
+      <p:pic>
+        <p:nvPicPr>
+          <p:cNvPr id="12" name="図 11">
+            <a:hlinkClick r:id="rId8"/>
+            <a:extLst>
+              <a:ext uri="{FF2B5EF4-FFF2-40B4-BE49-F238E27FC236}">
+                <a16:creationId xmlns:a16="http://schemas.microsoft.com/office/drawing/2014/main" id="{DA4A77B7-A0C1-50FC-E8D8-56D5F6BA33B9}"/>
+              </a:ext>
+            </a:extLst>
+          </p:cNvPr>
+          <p:cNvPicPr>
+            <a:picLocks noChangeAspect="1"/>
+          </p:cNvPicPr>
+          <p:nvPr/>
+        </p:nvPicPr>
+        <p:blipFill>
+          <a:blip r:embed="rId9" cstate="print">
+            <a:extLst>
+              <a:ext uri="{28A0092B-C50C-407E-A947-70E740481C1C}">
+                <a14:useLocalDpi xmlns:a14="http://schemas.microsoft.com/office/drawing/2010/main" val="0"/>
+              </a:ext>
+            </a:extLst>
+          </a:blip>
+          <a:stretch>
+            <a:fillRect/>
+          </a:stretch>
+        </p:blipFill>
+        <p:spPr>
+          <a:xfrm>
+            <a:off x="767408" y="3021921"/>
+            <a:ext cx="1058889" cy="1058889"/>
+          </a:xfrm>
+          <a:prstGeom prst="rect">
+            <a:avLst/>
+          </a:prstGeom>
+        </p:spPr>
+      </p:pic>
     </p:spTree>
     <p:extLst>
       <p:ext uri="{BB962C8B-B14F-4D97-AF65-F5344CB8AC3E}">
-        <p14:creationId xmlns:p14="http://schemas.microsoft.com/office/powerpoint/2010/main" val="4122858335"/>
+        <p14:creationId xmlns:p14="http://schemas.microsoft.com/office/powerpoint/2010/main" val="399938598"/>
       </p:ext>
     </p:extLst>
   </p:cSld>
@@ -4109,85 +4593,809 @@
           <a:chExt cx="0" cy="0"/>
         </a:xfrm>
       </p:grpSpPr>
-      <p:pic>
-        <p:nvPicPr>
-          <p:cNvPr id="3" name="Picture 8" descr="QGISの画像"/>
-          <p:cNvPicPr>
-            <a:picLocks noChangeAspect="1" noChangeArrowheads="1"/>
-          </p:cNvPicPr>
-          <p:nvPr/>
-        </p:nvPicPr>
-        <p:blipFill>
-          <a:blip r:embed="rId3">
+      <p:sp>
+        <p:nvSpPr>
+          <p:cNvPr id="3" name="テキスト ボックス 2">
             <a:extLst>
-              <a:ext uri="{28A0092B-C50C-407E-A947-70E740481C1C}">
-                <a14:useLocalDpi xmlns:a14="http://schemas.microsoft.com/office/drawing/2010/main" val="0"/>
+              <a:ext uri="{FF2B5EF4-FFF2-40B4-BE49-F238E27FC236}">
+                <a16:creationId xmlns:a16="http://schemas.microsoft.com/office/drawing/2014/main" id="{F0C10767-10E3-91EA-4A9B-DFE40349E1A6}"/>
               </a:ext>
             </a:extLst>
-          </a:blip>
-          <a:srcRect/>
-          <a:stretch>
-            <a:fillRect/>
-          </a:stretch>
-        </p:blipFill>
-        <p:spPr bwMode="auto">
+          </p:cNvPr>
+          <p:cNvSpPr txBox="1"/>
+          <p:nvPr/>
+        </p:nvSpPr>
+        <p:spPr>
           <a:xfrm>
-            <a:off x="6373597" y="1356689"/>
-            <a:ext cx="2496362" cy="1185772"/>
+            <a:off x="192991" y="188640"/>
+            <a:ext cx="12000656" cy="584775"/>
           </a:xfrm>
           <a:prstGeom prst="rect">
             <a:avLst/>
           </a:prstGeom>
           <a:noFill/>
-          <a:extLst>
-            <a:ext uri="{909E8E84-426E-40DD-AFC4-6F175D3DCCD1}">
-              <a14:hiddenFill xmlns:a14="http://schemas.microsoft.com/office/drawing/2010/main">
-                <a:solidFill>
+        </p:spPr>
+        <p:txBody>
+          <a:bodyPr wrap="square" rtlCol="0">
+            <a:spAutoFit/>
+          </a:bodyPr>
+          <a:lstStyle/>
+          <a:p>
+            <a:pPr algn="ctr"/>
+            <a:r>
+              <a:rPr lang="ja-JP" altLang="en-US" sz="3200" b="1" u="sng" dirty="0">
+                <a:solidFill>
+                  <a:srgbClr val="00B0F0"/>
+                </a:solidFill>
+                <a:highlight>
                   <a:srgbClr val="FFFFFF"/>
-                </a:solidFill>
-              </a14:hiddenFill>
-            </a:ext>
-          </a:extLst>
+                </a:highlight>
+                <a:latin typeface="-apple-system"/>
+                <a:hlinkClick r:id="rId3"/>
+              </a:rPr>
+              <a:t>原課にやる気を出してもらう！</a:t>
+            </a:r>
+            <a:endParaRPr lang="ja-JP" altLang="en-US" sz="3200" b="1" i="0" u="sng" dirty="0">
+              <a:solidFill>
+                <a:srgbClr val="00B0F0"/>
+              </a:solidFill>
+              <a:effectLst/>
+              <a:highlight>
+                <a:srgbClr val="FFFFFF"/>
+              </a:highlight>
+              <a:latin typeface="-apple-system"/>
+            </a:endParaRPr>
+          </a:p>
+        </p:txBody>
+      </p:sp>
+      <p:sp>
+        <p:nvSpPr>
+          <p:cNvPr id="6" name="四角形: 角を丸くする 5">
+            <a:extLst>
+              <a:ext uri="{FF2B5EF4-FFF2-40B4-BE49-F238E27FC236}">
+                <a16:creationId xmlns:a16="http://schemas.microsoft.com/office/drawing/2014/main" id="{A8DAC3C1-D7A6-F25A-E33C-3B54BD0D4CDD}"/>
+              </a:ext>
+            </a:extLst>
+          </p:cNvPr>
+          <p:cNvSpPr/>
+          <p:nvPr/>
+        </p:nvSpPr>
+        <p:spPr>
+          <a:xfrm>
+            <a:off x="479376" y="824413"/>
+            <a:ext cx="7602134" cy="720080"/>
+          </a:xfrm>
+          <a:prstGeom prst="roundRect">
+            <a:avLst>
+              <a:gd name="adj" fmla="val 19858"/>
+            </a:avLst>
+          </a:prstGeom>
+          <a:noFill/>
+          <a:effectLst>
+            <a:outerShdw blurRad="50800" dist="38100" dir="2700000" algn="tl" rotWithShape="0">
+              <a:prstClr val="black">
+                <a:alpha val="40000"/>
+              </a:prstClr>
+            </a:outerShdw>
+          </a:effectLst>
+        </p:spPr>
+        <p:style>
+          <a:lnRef idx="2">
+            <a:schemeClr val="accent3"/>
+          </a:lnRef>
+          <a:fillRef idx="1">
+            <a:schemeClr val="lt1"/>
+          </a:fillRef>
+          <a:effectRef idx="0">
+            <a:schemeClr val="accent3"/>
+          </a:effectRef>
+          <a:fontRef idx="minor">
+            <a:schemeClr val="dk1"/>
+          </a:fontRef>
+        </p:style>
+        <p:txBody>
+          <a:bodyPr rtlCol="0" anchor="ctr"/>
+          <a:lstStyle/>
+          <a:p>
+            <a:pPr algn="ctr">
+              <a:lnSpc>
+                <a:spcPct val="130000"/>
+              </a:lnSpc>
+              <a:spcAft>
+                <a:spcPts val="600"/>
+              </a:spcAft>
+            </a:pPr>
+            <a:r>
+              <a:rPr kumimoji="1" lang="ja-JP" altLang="en-US" sz="2800" b="1" dirty="0">
+                <a:solidFill>
+                  <a:srgbClr val="FF0000"/>
+                </a:solidFill>
+                <a:latin typeface="+mn-ea"/>
+              </a:rPr>
+              <a:t>原課のやる気</a:t>
+            </a:r>
+            <a:r>
+              <a:rPr kumimoji="1" lang="ja-JP" altLang="en-US" sz="2000" dirty="0">
+                <a:solidFill>
+                  <a:srgbClr val="FF0000"/>
+                </a:solidFill>
+                <a:latin typeface="+mn-ea"/>
+              </a:rPr>
+              <a:t>　　</a:t>
+            </a:r>
+            <a:r>
+              <a:rPr kumimoji="1" lang="ja-JP" altLang="en-US" sz="2800" b="1" dirty="0">
+                <a:solidFill>
+                  <a:srgbClr val="FF0000"/>
+                </a:solidFill>
+                <a:latin typeface="+mn-ea"/>
+              </a:rPr>
+              <a:t>→　問い合わせの削減</a:t>
+            </a:r>
+            <a:endParaRPr kumimoji="1" lang="en-US" altLang="ja-JP" sz="1600" dirty="0">
+              <a:solidFill>
+                <a:schemeClr val="tx1"/>
+              </a:solidFill>
+              <a:latin typeface="+mn-ea"/>
+            </a:endParaRPr>
+          </a:p>
+        </p:txBody>
+      </p:sp>
+      <p:sp>
+        <p:nvSpPr>
+          <p:cNvPr id="5" name="四角形: 角を丸くする 4">
+            <a:extLst>
+              <a:ext uri="{FF2B5EF4-FFF2-40B4-BE49-F238E27FC236}">
+                <a16:creationId xmlns:a16="http://schemas.microsoft.com/office/drawing/2014/main" id="{25984A04-5534-AA8A-A36B-5CC56A1B81F2}"/>
+              </a:ext>
+            </a:extLst>
+          </p:cNvPr>
+          <p:cNvSpPr/>
+          <p:nvPr/>
+        </p:nvSpPr>
+        <p:spPr>
+          <a:xfrm>
+            <a:off x="515381" y="2389821"/>
+            <a:ext cx="7530125" cy="1008112"/>
+          </a:xfrm>
+          <a:prstGeom prst="roundRect">
+            <a:avLst>
+              <a:gd name="adj" fmla="val 19858"/>
+            </a:avLst>
+          </a:prstGeom>
+          <a:noFill/>
+          <a:ln>
+            <a:solidFill>
+              <a:schemeClr val="tx1"/>
+            </a:solidFill>
+          </a:ln>
+          <a:effectLst>
+            <a:outerShdw blurRad="50800" dist="38100" dir="2700000" algn="tl" rotWithShape="0">
+              <a:prstClr val="black">
+                <a:alpha val="40000"/>
+              </a:prstClr>
+            </a:outerShdw>
+          </a:effectLst>
+        </p:spPr>
+        <p:style>
+          <a:lnRef idx="2">
+            <a:schemeClr val="accent3"/>
+          </a:lnRef>
+          <a:fillRef idx="1">
+            <a:schemeClr val="lt1"/>
+          </a:fillRef>
+          <a:effectRef idx="0">
+            <a:schemeClr val="accent3"/>
+          </a:effectRef>
+          <a:fontRef idx="minor">
+            <a:schemeClr val="dk1"/>
+          </a:fontRef>
+        </p:style>
+        <p:txBody>
+          <a:bodyPr rtlCol="0" anchor="ctr"/>
+          <a:lstStyle/>
+          <a:p>
+            <a:pPr algn="ctr">
+              <a:lnSpc>
+                <a:spcPct val="130000"/>
+              </a:lnSpc>
+              <a:spcAft>
+                <a:spcPts val="600"/>
+              </a:spcAft>
+            </a:pPr>
+            <a:r>
+              <a:rPr kumimoji="1" lang="ja-JP" altLang="en-US" sz="2800" b="1" dirty="0">
+                <a:solidFill>
+                  <a:schemeClr val="tx1"/>
+                </a:solidFill>
+                <a:latin typeface="+mn-ea"/>
+              </a:rPr>
+              <a:t>みんなが見てくれるオープンデータ化</a:t>
+            </a:r>
+            <a:endParaRPr kumimoji="1" lang="en-US" altLang="ja-JP" sz="1600" dirty="0">
+              <a:solidFill>
+                <a:schemeClr val="tx1"/>
+              </a:solidFill>
+              <a:latin typeface="+mn-ea"/>
+            </a:endParaRPr>
+          </a:p>
+        </p:txBody>
+      </p:sp>
+      <p:sp>
+        <p:nvSpPr>
+          <p:cNvPr id="7" name="矢印: 下 6">
+            <a:extLst>
+              <a:ext uri="{FF2B5EF4-FFF2-40B4-BE49-F238E27FC236}">
+                <a16:creationId xmlns:a16="http://schemas.microsoft.com/office/drawing/2014/main" id="{2143089A-4862-C6AF-AFAD-8406E436C295}"/>
+              </a:ext>
+            </a:extLst>
+          </p:cNvPr>
+          <p:cNvSpPr/>
+          <p:nvPr/>
+        </p:nvSpPr>
+        <p:spPr>
+          <a:xfrm>
+            <a:off x="2987264" y="1734275"/>
+            <a:ext cx="2399613" cy="488957"/>
+          </a:xfrm>
+          <a:prstGeom prst="downArrow">
+            <a:avLst/>
+          </a:prstGeom>
+          <a:noFill/>
+          <a:effectLst>
+            <a:outerShdw blurRad="50800" dist="38100" dir="2700000" algn="tl" rotWithShape="0">
+              <a:prstClr val="black">
+                <a:alpha val="40000"/>
+              </a:prstClr>
+            </a:outerShdw>
+          </a:effectLst>
+        </p:spPr>
+        <p:style>
+          <a:lnRef idx="2">
+            <a:schemeClr val="accent3"/>
+          </a:lnRef>
+          <a:fillRef idx="1">
+            <a:schemeClr val="lt1"/>
+          </a:fillRef>
+          <a:effectRef idx="0">
+            <a:schemeClr val="accent3"/>
+          </a:effectRef>
+          <a:fontRef idx="minor">
+            <a:schemeClr val="dk1"/>
+          </a:fontRef>
+        </p:style>
+        <p:txBody>
+          <a:bodyPr rtlCol="0" anchor="ctr"/>
+          <a:lstStyle/>
+          <a:p>
+            <a:pPr algn="ctr">
+              <a:lnSpc>
+                <a:spcPct val="130000"/>
+              </a:lnSpc>
+              <a:spcAft>
+                <a:spcPts val="600"/>
+              </a:spcAft>
+            </a:pPr>
+            <a:endParaRPr kumimoji="1" lang="ja-JP" altLang="en-US" sz="6000" dirty="0">
+              <a:solidFill>
+                <a:srgbClr val="FF0000"/>
+              </a:solidFill>
+              <a:latin typeface="+mn-ea"/>
+            </a:endParaRPr>
+          </a:p>
+        </p:txBody>
+      </p:sp>
+      <p:pic>
+        <p:nvPicPr>
+          <p:cNvPr id="11" name="図 10">
+            <a:extLst>
+              <a:ext uri="{FF2B5EF4-FFF2-40B4-BE49-F238E27FC236}">
+                <a16:creationId xmlns:a16="http://schemas.microsoft.com/office/drawing/2014/main" id="{72C3F771-CCAD-C387-C7E9-9D57AEBD5944}"/>
+              </a:ext>
+            </a:extLst>
+          </p:cNvPr>
+          <p:cNvPicPr>
+            <a:picLocks noChangeAspect="1"/>
+          </p:cNvPicPr>
+          <p:nvPr/>
+        </p:nvPicPr>
+        <p:blipFill rotWithShape="1">
+          <a:blip r:embed="rId4"/>
+          <a:srcRect t="11150" b="4851"/>
+          <a:stretch/>
+        </p:blipFill>
+        <p:spPr>
+          <a:xfrm>
+            <a:off x="644934" y="4668111"/>
+            <a:ext cx="3810976" cy="1873144"/>
+          </a:xfrm>
+          <a:prstGeom prst="rect">
+            <a:avLst/>
+          </a:prstGeom>
+          <a:noFill/>
+          <a:effectLst>
+            <a:outerShdw blurRad="50800" dist="38100" dir="2700000" algn="tl" rotWithShape="0">
+              <a:prstClr val="black">
+                <a:alpha val="40000"/>
+              </a:prstClr>
+            </a:outerShdw>
+          </a:effectLst>
         </p:spPr>
       </p:pic>
+      <p:pic>
+        <p:nvPicPr>
+          <p:cNvPr id="12" name="図 11">
+            <a:extLst>
+              <a:ext uri="{FF2B5EF4-FFF2-40B4-BE49-F238E27FC236}">
+                <a16:creationId xmlns:a16="http://schemas.microsoft.com/office/drawing/2014/main" id="{04499B71-C96C-B2EA-A55E-D3F7CF65FFBF}"/>
+              </a:ext>
+            </a:extLst>
+          </p:cNvPr>
+          <p:cNvPicPr>
+            <a:picLocks noChangeAspect="1"/>
+          </p:cNvPicPr>
+          <p:nvPr/>
+        </p:nvPicPr>
+        <p:blipFill rotWithShape="1">
+          <a:blip r:embed="rId4"/>
+          <a:srcRect l="47246" t="30653" r="15057" b="4852"/>
+          <a:stretch/>
+        </p:blipFill>
+        <p:spPr>
+          <a:xfrm>
+            <a:off x="4809719" y="4630752"/>
+            <a:ext cx="1950323" cy="1952484"/>
+          </a:xfrm>
+          <a:prstGeom prst="rect">
+            <a:avLst/>
+          </a:prstGeom>
+          <a:noFill/>
+          <a:effectLst>
+            <a:outerShdw blurRad="50800" dist="38100" dir="2700000" algn="tl" rotWithShape="0">
+              <a:prstClr val="black">
+                <a:alpha val="40000"/>
+              </a:prstClr>
+            </a:outerShdw>
+          </a:effectLst>
+        </p:spPr>
+      </p:pic>
+      <p:sp>
+        <p:nvSpPr>
+          <p:cNvPr id="13" name="テキスト ボックス 12">
+            <a:extLst>
+              <a:ext uri="{FF2B5EF4-FFF2-40B4-BE49-F238E27FC236}">
+                <a16:creationId xmlns:a16="http://schemas.microsoft.com/office/drawing/2014/main" id="{818DB6DA-8757-76F5-8376-61CFD1EFA83F}"/>
+              </a:ext>
+            </a:extLst>
+          </p:cNvPr>
+          <p:cNvSpPr txBox="1"/>
+          <p:nvPr/>
+        </p:nvSpPr>
+        <p:spPr>
+          <a:xfrm>
+            <a:off x="5286581" y="6142999"/>
+            <a:ext cx="1084273" cy="528314"/>
+          </a:xfrm>
+          <a:prstGeom prst="rect">
+            <a:avLst/>
+          </a:prstGeom>
+          <a:solidFill>
+            <a:schemeClr val="bg1"/>
+          </a:solidFill>
+          <a:effectLst>
+            <a:outerShdw blurRad="50800" dist="38100" dir="2700000" algn="tl" rotWithShape="0">
+              <a:prstClr val="black">
+                <a:alpha val="40000"/>
+              </a:prstClr>
+            </a:outerShdw>
+          </a:effectLst>
+        </p:spPr>
+        <p:style>
+          <a:lnRef idx="2">
+            <a:schemeClr val="accent3"/>
+          </a:lnRef>
+          <a:fillRef idx="1">
+            <a:schemeClr val="lt1"/>
+          </a:fillRef>
+          <a:effectRef idx="0">
+            <a:schemeClr val="accent3"/>
+          </a:effectRef>
+          <a:fontRef idx="minor">
+            <a:schemeClr val="dk1"/>
+          </a:fontRef>
+        </p:style>
+        <p:txBody>
+          <a:bodyPr rtlCol="0" anchor="ctr"/>
+          <a:lstStyle>
+            <a:defPPr>
+              <a:defRPr lang="en-US"/>
+            </a:defPPr>
+            <a:lvl1pPr algn="ctr">
+              <a:defRPr kumimoji="1" sz="2000">
+                <a:latin typeface="+mn-ea"/>
+              </a:defRPr>
+            </a:lvl1pPr>
+            <a:lvl2pPr>
+              <a:defRPr>
+                <a:solidFill>
+                  <a:schemeClr val="dk1"/>
+                </a:solidFill>
+              </a:defRPr>
+            </a:lvl2pPr>
+            <a:lvl3pPr>
+              <a:defRPr>
+                <a:solidFill>
+                  <a:schemeClr val="dk1"/>
+                </a:solidFill>
+              </a:defRPr>
+            </a:lvl3pPr>
+            <a:lvl4pPr>
+              <a:defRPr>
+                <a:solidFill>
+                  <a:schemeClr val="dk1"/>
+                </a:solidFill>
+              </a:defRPr>
+            </a:lvl4pPr>
+            <a:lvl5pPr>
+              <a:defRPr>
+                <a:solidFill>
+                  <a:schemeClr val="dk1"/>
+                </a:solidFill>
+              </a:defRPr>
+            </a:lvl5pPr>
+            <a:lvl6pPr>
+              <a:defRPr>
+                <a:solidFill>
+                  <a:schemeClr val="dk1"/>
+                </a:solidFill>
+              </a:defRPr>
+            </a:lvl6pPr>
+            <a:lvl7pPr>
+              <a:defRPr>
+                <a:solidFill>
+                  <a:schemeClr val="dk1"/>
+                </a:solidFill>
+              </a:defRPr>
+            </a:lvl7pPr>
+            <a:lvl8pPr>
+              <a:defRPr>
+                <a:solidFill>
+                  <a:schemeClr val="dk1"/>
+                </a:solidFill>
+              </a:defRPr>
+            </a:lvl8pPr>
+            <a:lvl9pPr>
+              <a:defRPr>
+                <a:solidFill>
+                  <a:schemeClr val="dk1"/>
+                </a:solidFill>
+              </a:defRPr>
+            </a:lvl9pPr>
+          </a:lstStyle>
+          <a:p>
+            <a:r>
+              <a:rPr lang="en-US" altLang="ja-JP" dirty="0" err="1"/>
+              <a:t>iframe</a:t>
+            </a:r>
+            <a:endParaRPr lang="ja-JP" altLang="en-US" dirty="0"/>
+          </a:p>
+        </p:txBody>
+      </p:sp>
+      <p:sp>
+        <p:nvSpPr>
+          <p:cNvPr id="14" name="テキスト ボックス 13">
+            <a:extLst>
+              <a:ext uri="{FF2B5EF4-FFF2-40B4-BE49-F238E27FC236}">
+                <a16:creationId xmlns:a16="http://schemas.microsoft.com/office/drawing/2014/main" id="{8D3B00B0-57D4-426C-A175-BDA4C528B141}"/>
+              </a:ext>
+            </a:extLst>
+          </p:cNvPr>
+          <p:cNvSpPr txBox="1"/>
+          <p:nvPr/>
+        </p:nvSpPr>
+        <p:spPr>
+          <a:xfrm>
+            <a:off x="1779917" y="6100091"/>
+            <a:ext cx="1359284" cy="528314"/>
+          </a:xfrm>
+          <a:prstGeom prst="rect">
+            <a:avLst/>
+          </a:prstGeom>
+          <a:solidFill>
+            <a:schemeClr val="bg1"/>
+          </a:solidFill>
+          <a:effectLst>
+            <a:outerShdw blurRad="50800" dist="38100" dir="2700000" algn="tl" rotWithShape="0">
+              <a:prstClr val="black">
+                <a:alpha val="40000"/>
+              </a:prstClr>
+            </a:outerShdw>
+          </a:effectLst>
+        </p:spPr>
+        <p:style>
+          <a:lnRef idx="2">
+            <a:schemeClr val="accent3"/>
+          </a:lnRef>
+          <a:fillRef idx="1">
+            <a:schemeClr val="lt1"/>
+          </a:fillRef>
+          <a:effectRef idx="0">
+            <a:schemeClr val="accent3"/>
+          </a:effectRef>
+          <a:fontRef idx="minor">
+            <a:schemeClr val="dk1"/>
+          </a:fontRef>
+        </p:style>
+        <p:txBody>
+          <a:bodyPr rtlCol="0" anchor="ctr"/>
+          <a:lstStyle>
+            <a:defPPr>
+              <a:defRPr lang="en-US"/>
+            </a:defPPr>
+            <a:lvl1pPr algn="ctr">
+              <a:defRPr kumimoji="1" sz="2000">
+                <a:latin typeface="+mn-ea"/>
+              </a:defRPr>
+            </a:lvl1pPr>
+            <a:lvl2pPr>
+              <a:defRPr>
+                <a:solidFill>
+                  <a:schemeClr val="dk1"/>
+                </a:solidFill>
+              </a:defRPr>
+            </a:lvl2pPr>
+            <a:lvl3pPr>
+              <a:defRPr>
+                <a:solidFill>
+                  <a:schemeClr val="dk1"/>
+                </a:solidFill>
+              </a:defRPr>
+            </a:lvl3pPr>
+            <a:lvl4pPr>
+              <a:defRPr>
+                <a:solidFill>
+                  <a:schemeClr val="dk1"/>
+                </a:solidFill>
+              </a:defRPr>
+            </a:lvl4pPr>
+            <a:lvl5pPr>
+              <a:defRPr>
+                <a:solidFill>
+                  <a:schemeClr val="dk1"/>
+                </a:solidFill>
+              </a:defRPr>
+            </a:lvl5pPr>
+            <a:lvl6pPr>
+              <a:defRPr>
+                <a:solidFill>
+                  <a:schemeClr val="dk1"/>
+                </a:solidFill>
+              </a:defRPr>
+            </a:lvl6pPr>
+            <a:lvl7pPr>
+              <a:defRPr>
+                <a:solidFill>
+                  <a:schemeClr val="dk1"/>
+                </a:solidFill>
+              </a:defRPr>
+            </a:lvl7pPr>
+            <a:lvl8pPr>
+              <a:defRPr>
+                <a:solidFill>
+                  <a:schemeClr val="dk1"/>
+                </a:solidFill>
+              </a:defRPr>
+            </a:lvl8pPr>
+            <a:lvl9pPr>
+              <a:defRPr>
+                <a:solidFill>
+                  <a:schemeClr val="dk1"/>
+                </a:solidFill>
+              </a:defRPr>
+            </a:lvl9pPr>
+          </a:lstStyle>
+          <a:p>
+            <a:r>
+              <a:rPr lang="ja-JP" altLang="en-US" dirty="0"/>
+              <a:t>ブラウザ</a:t>
+            </a:r>
+          </a:p>
+        </p:txBody>
+      </p:sp>
+      <p:sp>
+        <p:nvSpPr>
+          <p:cNvPr id="19" name="テキスト ボックス 18">
+            <a:extLst>
+              <a:ext uri="{FF2B5EF4-FFF2-40B4-BE49-F238E27FC236}">
+                <a16:creationId xmlns:a16="http://schemas.microsoft.com/office/drawing/2014/main" id="{9F3BD11D-CD5E-2E06-C669-B02C3D85792D}"/>
+              </a:ext>
+            </a:extLst>
+          </p:cNvPr>
+          <p:cNvSpPr txBox="1"/>
+          <p:nvPr/>
+        </p:nvSpPr>
+        <p:spPr>
+          <a:xfrm>
+            <a:off x="3779389" y="3397933"/>
+            <a:ext cx="5182929" cy="769441"/>
+          </a:xfrm>
+          <a:prstGeom prst="rect">
+            <a:avLst/>
+          </a:prstGeom>
+          <a:noFill/>
+          <a:ln>
+            <a:noFill/>
+          </a:ln>
+        </p:spPr>
+        <p:txBody>
+          <a:bodyPr wrap="square" rtlCol="0">
+            <a:spAutoFit/>
+          </a:bodyPr>
+          <a:lstStyle/>
+          <a:p>
+            <a:pPr algn="ctr">
+              <a:lnSpc>
+                <a:spcPct val="150000"/>
+              </a:lnSpc>
+            </a:pPr>
+            <a:r>
+              <a:rPr lang="ja-JP" altLang="en-US" sz="3200" b="1" i="0" u="sng" strike="noStrike" dirty="0">
+                <a:solidFill>
+                  <a:srgbClr val="00B0F0"/>
+                </a:solidFill>
+                <a:effectLst/>
+                <a:highlight>
+                  <a:srgbClr val="FFFFFF"/>
+                </a:highlight>
+                <a:latin typeface="-apple-system"/>
+                <a:hlinkClick r:id="rId3"/>
+              </a:rPr>
+              <a:t>ビジュアライゼーション</a:t>
+            </a:r>
+            <a:endParaRPr lang="ja-JP" altLang="en-US" sz="3200" b="1" i="0" u="sng" dirty="0">
+              <a:solidFill>
+                <a:srgbClr val="00B0F0"/>
+              </a:solidFill>
+              <a:effectLst/>
+              <a:highlight>
+                <a:srgbClr val="FFFFFF"/>
+              </a:highlight>
+              <a:latin typeface="-apple-system"/>
+            </a:endParaRPr>
+          </a:p>
+        </p:txBody>
+      </p:sp>
+      <p:sp>
+        <p:nvSpPr>
+          <p:cNvPr id="20" name="四角形: 角を丸くする 19">
+            <a:extLst>
+              <a:ext uri="{FF2B5EF4-FFF2-40B4-BE49-F238E27FC236}">
+                <a16:creationId xmlns:a16="http://schemas.microsoft.com/office/drawing/2014/main" id="{889F259E-2D27-4584-BEB9-65042FF154F7}"/>
+              </a:ext>
+            </a:extLst>
+          </p:cNvPr>
+          <p:cNvSpPr/>
+          <p:nvPr/>
+        </p:nvSpPr>
+        <p:spPr>
+          <a:xfrm>
+            <a:off x="578187" y="4196491"/>
+            <a:ext cx="6265963" cy="711224"/>
+          </a:xfrm>
+          <a:prstGeom prst="roundRect">
+            <a:avLst>
+              <a:gd name="adj" fmla="val 19858"/>
+            </a:avLst>
+          </a:prstGeom>
+          <a:solidFill>
+            <a:schemeClr val="bg1"/>
+          </a:solidFill>
+          <a:effectLst>
+            <a:outerShdw blurRad="50800" dist="38100" dir="2700000" algn="tl" rotWithShape="0">
+              <a:prstClr val="black">
+                <a:alpha val="40000"/>
+              </a:prstClr>
+            </a:outerShdw>
+          </a:effectLst>
+        </p:spPr>
+        <p:style>
+          <a:lnRef idx="2">
+            <a:schemeClr val="accent3"/>
+          </a:lnRef>
+          <a:fillRef idx="1">
+            <a:schemeClr val="lt1"/>
+          </a:fillRef>
+          <a:effectRef idx="0">
+            <a:schemeClr val="accent3"/>
+          </a:effectRef>
+          <a:fontRef idx="minor">
+            <a:schemeClr val="dk1"/>
+          </a:fontRef>
+        </p:style>
+        <p:txBody>
+          <a:bodyPr rtlCol="0" anchor="ctr"/>
+          <a:lstStyle/>
+          <a:p>
+            <a:pPr algn="ctr"/>
+            <a:r>
+              <a:rPr kumimoji="1" lang="ja-JP" altLang="en-US" sz="2000" dirty="0">
+                <a:solidFill>
+                  <a:schemeClr val="tx1"/>
+                </a:solidFill>
+                <a:latin typeface="+mn-ea"/>
+              </a:rPr>
+              <a:t>ブラウザによる閲覧、</a:t>
+            </a:r>
+            <a:r>
+              <a:rPr kumimoji="1" lang="en-US" altLang="ja-JP" sz="2000" dirty="0">
+                <a:solidFill>
+                  <a:schemeClr val="tx1"/>
+                </a:solidFill>
+                <a:latin typeface="+mn-ea"/>
+              </a:rPr>
+              <a:t>WEB</a:t>
+            </a:r>
+            <a:r>
+              <a:rPr kumimoji="1" lang="ja-JP" altLang="en-US" sz="2000" dirty="0">
+                <a:solidFill>
+                  <a:schemeClr val="tx1"/>
+                </a:solidFill>
+                <a:latin typeface="+mn-ea"/>
+              </a:rPr>
+              <a:t>ページへの組み込み</a:t>
+            </a:r>
+            <a:endParaRPr kumimoji="1" lang="en-US" altLang="ja-JP" sz="2000" dirty="0">
+              <a:solidFill>
+                <a:schemeClr val="tx1"/>
+              </a:solidFill>
+              <a:latin typeface="+mn-ea"/>
+            </a:endParaRPr>
+          </a:p>
+        </p:txBody>
+      </p:sp>
       <p:grpSp>
         <p:nvGrpSpPr>
-          <p:cNvPr id="6" name="グループ化 5"/>
+          <p:cNvPr id="42" name="グループ化 41">
+            <a:extLst>
+              <a:ext uri="{FF2B5EF4-FFF2-40B4-BE49-F238E27FC236}">
+                <a16:creationId xmlns:a16="http://schemas.microsoft.com/office/drawing/2014/main" id="{BEF7C8AE-1488-AF32-6FAB-A4C837EAAFAC}"/>
+              </a:ext>
+            </a:extLst>
+          </p:cNvPr>
           <p:cNvGrpSpPr/>
           <p:nvPr/>
         </p:nvGrpSpPr>
         <p:grpSpPr>
           <a:xfrm>
-            <a:off x="1081750" y="2869506"/>
-            <a:ext cx="1301200" cy="587213"/>
-            <a:chOff x="835329" y="3604207"/>
-            <a:chExt cx="1301200" cy="587213"/>
+            <a:off x="7197959" y="4375270"/>
+            <a:ext cx="4415854" cy="2294090"/>
+            <a:chOff x="7370298" y="3966293"/>
+            <a:chExt cx="4415854" cy="2294090"/>
           </a:xfrm>
         </p:grpSpPr>
         <p:sp>
           <p:nvSpPr>
-            <p:cNvPr id="13" name="四角形: 角を丸くする 12"/>
+            <p:cNvPr id="44" name="四角形: 角を丸くする 43">
+              <a:extLst>
+                <a:ext uri="{FF2B5EF4-FFF2-40B4-BE49-F238E27FC236}">
+                  <a16:creationId xmlns:a16="http://schemas.microsoft.com/office/drawing/2014/main" id="{F057A573-997A-05F8-9284-11577F274AB2}"/>
+                </a:ext>
+              </a:extLst>
+            </p:cNvPr>
             <p:cNvSpPr/>
             <p:nvPr/>
           </p:nvSpPr>
           <p:spPr>
             <a:xfrm>
-              <a:off x="835329" y="3604207"/>
-              <a:ext cx="1301200" cy="587213"/>
+              <a:off x="7370298" y="4100143"/>
+              <a:ext cx="4415854" cy="2160240"/>
             </a:xfrm>
             <a:prstGeom prst="roundRect">
               <a:avLst>
-                <a:gd name="adj" fmla="val 50000"/>
+                <a:gd name="adj" fmla="val 19858"/>
               </a:avLst>
             </a:prstGeom>
-            <a:solidFill>
-              <a:schemeClr val="bg1"/>
-            </a:solidFill>
-            <a:ln w="19050">
-              <a:solidFill>
-                <a:srgbClr val="FF0000"/>
-              </a:solidFill>
-            </a:ln>
+            <a:noFill/>
             <a:effectLst>
               <a:outerShdw blurRad="50800" dist="38100" dir="2700000" algn="tl" rotWithShape="0">
                 <a:prstClr val="black">
@@ -4198,25 +5406,135 @@
           </p:spPr>
           <p:style>
             <a:lnRef idx="2">
-              <a:schemeClr val="accent1">
-                <a:shade val="50000"/>
-              </a:schemeClr>
+              <a:schemeClr val="accent3"/>
             </a:lnRef>
             <a:fillRef idx="1">
-              <a:schemeClr val="accent1"/>
+              <a:schemeClr val="lt1"/>
             </a:fillRef>
             <a:effectRef idx="0">
-              <a:schemeClr val="accent1"/>
+              <a:schemeClr val="accent3"/>
             </a:effectRef>
             <a:fontRef idx="minor">
-              <a:schemeClr val="lt1"/>
+              <a:schemeClr val="dk1"/>
             </a:fontRef>
           </p:style>
           <p:txBody>
             <a:bodyPr rtlCol="0" anchor="ctr"/>
             <a:lstStyle/>
             <a:p>
-              <a:pPr>
+              <a:pPr algn="ctr">
+                <a:lnSpc>
+                  <a:spcPct val="130000"/>
+                </a:lnSpc>
+                <a:spcAft>
+                  <a:spcPts val="600"/>
+                </a:spcAft>
+              </a:pPr>
+              <a:endParaRPr kumimoji="1" lang="en-US" altLang="ja-JP" sz="1600" dirty="0">
+                <a:solidFill>
+                  <a:schemeClr val="tx1"/>
+                </a:solidFill>
+                <a:latin typeface="+mn-ea"/>
+              </a:endParaRPr>
+            </a:p>
+            <a:p>
+              <a:pPr algn="ctr">
+                <a:lnSpc>
+                  <a:spcPct val="130000"/>
+                </a:lnSpc>
+                <a:spcAft>
+                  <a:spcPts val="600"/>
+                </a:spcAft>
+              </a:pPr>
+              <a:endParaRPr kumimoji="1" lang="en-US" altLang="ja-JP" sz="1600" dirty="0">
+                <a:solidFill>
+                  <a:schemeClr val="tx1"/>
+                </a:solidFill>
+                <a:latin typeface="+mn-ea"/>
+              </a:endParaRPr>
+            </a:p>
+            <a:p>
+              <a:pPr algn="ctr">
+                <a:lnSpc>
+                  <a:spcPct val="130000"/>
+                </a:lnSpc>
+                <a:spcAft>
+                  <a:spcPts val="600"/>
+                </a:spcAft>
+              </a:pPr>
+              <a:endParaRPr kumimoji="1" lang="en-US" altLang="ja-JP" sz="1600" dirty="0">
+                <a:solidFill>
+                  <a:schemeClr val="tx1"/>
+                </a:solidFill>
+                <a:latin typeface="+mn-ea"/>
+              </a:endParaRPr>
+            </a:p>
+            <a:p>
+              <a:pPr algn="ctr">
+                <a:lnSpc>
+                  <a:spcPct val="130000"/>
+                </a:lnSpc>
+                <a:spcAft>
+                  <a:spcPts val="600"/>
+                </a:spcAft>
+              </a:pPr>
+              <a:endParaRPr kumimoji="1" lang="en-US" altLang="ja-JP" sz="1600" dirty="0">
+                <a:solidFill>
+                  <a:schemeClr val="tx1"/>
+                </a:solidFill>
+                <a:latin typeface="+mn-ea"/>
+              </a:endParaRPr>
+            </a:p>
+            <a:p>
+              <a:pPr algn="ctr">
+                <a:lnSpc>
+                  <a:spcPct val="130000"/>
+                </a:lnSpc>
+                <a:spcAft>
+                  <a:spcPts val="600"/>
+                </a:spcAft>
+              </a:pPr>
+              <a:endParaRPr kumimoji="1" lang="en-US" altLang="ja-JP" sz="1600" dirty="0">
+                <a:solidFill>
+                  <a:schemeClr val="tx1"/>
+                </a:solidFill>
+                <a:latin typeface="+mn-ea"/>
+              </a:endParaRPr>
+            </a:p>
+            <a:p>
+              <a:pPr algn="ctr">
+                <a:lnSpc>
+                  <a:spcPct val="130000"/>
+                </a:lnSpc>
+                <a:spcAft>
+                  <a:spcPts val="600"/>
+                </a:spcAft>
+              </a:pPr>
+              <a:endParaRPr kumimoji="1" lang="en-US" altLang="ja-JP" sz="1600" dirty="0">
+                <a:solidFill>
+                  <a:schemeClr val="tx1"/>
+                </a:solidFill>
+                <a:latin typeface="+mn-ea"/>
+              </a:endParaRPr>
+            </a:p>
+            <a:p>
+              <a:pPr algn="ctr">
+                <a:lnSpc>
+                  <a:spcPct val="130000"/>
+                </a:lnSpc>
+                <a:spcAft>
+                  <a:spcPts val="600"/>
+                </a:spcAft>
+              </a:pPr>
+              <a:endParaRPr kumimoji="1" lang="en-US" altLang="ja-JP" sz="1600" dirty="0">
+                <a:solidFill>
+                  <a:schemeClr val="tx1"/>
+                </a:solidFill>
+                <a:latin typeface="+mn-ea"/>
+              </a:endParaRPr>
+            </a:p>
+            <a:p>
+              <a:pPr algn="ctr">
                 <a:lnSpc>
                   <a:spcPct val="130000"/>
                 </a:lnSpc>
@@ -4225,42 +5543,103 @@
                 </a:spcAft>
               </a:pPr>
               <a:r>
-                <a:rPr kumimoji="1" lang="ja-JP" altLang="en-US" sz="1400" b="1" dirty="0">
+                <a:rPr kumimoji="1" lang="ja-JP" altLang="en-US" sz="1600" dirty="0">
                   <a:solidFill>
-                    <a:srgbClr val="FF0000"/>
+                    <a:schemeClr val="tx1"/>
                   </a:solidFill>
                   <a:latin typeface="+mn-ea"/>
                 </a:rPr>
-                <a:t>業務　　　　</a:t>
+                <a:t>ﾍﾞﾝﾀﾞｰﾛｯｸｲﾝのないデータ配信</a:t>
               </a:r>
+              <a:endParaRPr kumimoji="1" lang="en-US" altLang="ja-JP" sz="1600" dirty="0">
+                <a:solidFill>
+                  <a:srgbClr val="FF0000"/>
+                </a:solidFill>
+                <a:latin typeface="+mn-ea"/>
+              </a:endParaRPr>
+            </a:p>
+            <a:p>
+              <a:pPr algn="ctr">
+                <a:lnSpc>
+                  <a:spcPct val="130000"/>
+                </a:lnSpc>
+                <a:spcAft>
+                  <a:spcPts val="600"/>
+                </a:spcAft>
+              </a:pPr>
+              <a:endParaRPr kumimoji="1" lang="en-US" altLang="ja-JP" sz="2000" dirty="0">
+                <a:solidFill>
+                  <a:srgbClr val="FF0000"/>
+                </a:solidFill>
+                <a:latin typeface="+mn-ea"/>
+              </a:endParaRPr>
+            </a:p>
+            <a:p>
+              <a:pPr algn="ctr">
+                <a:lnSpc>
+                  <a:spcPct val="130000"/>
+                </a:lnSpc>
+                <a:spcAft>
+                  <a:spcPts val="600"/>
+                </a:spcAft>
+              </a:pPr>
+              <a:endParaRPr kumimoji="1" lang="en-US" altLang="ja-JP" sz="2000" dirty="0">
+                <a:solidFill>
+                  <a:srgbClr val="FF0000"/>
+                </a:solidFill>
+                <a:latin typeface="+mn-ea"/>
+              </a:endParaRPr>
+            </a:p>
+            <a:p>
+              <a:pPr algn="ctr">
+                <a:lnSpc>
+                  <a:spcPct val="130000"/>
+                </a:lnSpc>
+                <a:spcAft>
+                  <a:spcPts val="600"/>
+                </a:spcAft>
+              </a:pPr>
+              <a:endParaRPr kumimoji="1" lang="ja-JP" altLang="en-US" sz="2000" dirty="0">
+                <a:solidFill>
+                  <a:srgbClr val="FF0000"/>
+                </a:solidFill>
+                <a:latin typeface="+mn-ea"/>
+              </a:endParaRPr>
             </a:p>
           </p:txBody>
         </p:sp>
         <p:pic>
           <p:nvPicPr>
-            <p:cNvPr id="12" name="Picture 6" descr="Microsoft Excelの画像"/>
+            <p:cNvPr id="45" name="Picture 2" descr="Logo">
+              <a:hlinkClick r:id="rId5"/>
+              <a:extLst>
+                <a:ext uri="{FF2B5EF4-FFF2-40B4-BE49-F238E27FC236}">
+                  <a16:creationId xmlns:a16="http://schemas.microsoft.com/office/drawing/2014/main" id="{C0D68376-B666-BC0C-B22F-C3C65EE10852}"/>
+                </a:ext>
+              </a:extLst>
+            </p:cNvPr>
             <p:cNvPicPr>
               <a:picLocks noChangeAspect="1" noChangeArrowheads="1"/>
             </p:cNvPicPr>
             <p:nvPr/>
           </p:nvPicPr>
-          <p:blipFill rotWithShape="1">
-            <a:blip r:embed="rId4">
+          <p:blipFill>
+            <a:blip r:embed="rId6">
               <a:extLst>
                 <a:ext uri="{28A0092B-C50C-407E-A947-70E740481C1C}">
                   <a14:useLocalDpi xmlns:a14="http://schemas.microsoft.com/office/drawing/2010/main" val="0"/>
                 </a:ext>
               </a:extLst>
             </a:blip>
-            <a:srcRect r="47341"/>
+            <a:srcRect/>
             <a:stretch>
               <a:fillRect/>
             </a:stretch>
           </p:blipFill>
           <p:spPr bwMode="auto">
             <a:xfrm>
-              <a:off x="1410946" y="3664483"/>
-              <a:ext cx="561343" cy="458379"/>
+              <a:off x="9445933" y="4951765"/>
+              <a:ext cx="509387" cy="615114"/>
             </a:xfrm>
             <a:prstGeom prst="rect">
               <a:avLst/>
@@ -4277,441 +5656,181 @@
             </a:extLst>
           </p:spPr>
         </p:pic>
+        <p:pic>
+          <p:nvPicPr>
+            <p:cNvPr id="46" name="Picture 4" descr="Open Geospatial Consortiumの画像">
+              <a:hlinkClick r:id="rId7"/>
+              <a:extLst>
+                <a:ext uri="{FF2B5EF4-FFF2-40B4-BE49-F238E27FC236}">
+                  <a16:creationId xmlns:a16="http://schemas.microsoft.com/office/drawing/2014/main" id="{30C3F9E4-6DF7-8B5C-AF48-71F432B5141E}"/>
+                </a:ext>
+              </a:extLst>
+            </p:cNvPr>
+            <p:cNvPicPr>
+              <a:picLocks noChangeAspect="1" noChangeArrowheads="1"/>
+            </p:cNvPicPr>
+            <p:nvPr/>
+          </p:nvPicPr>
+          <p:blipFill>
+            <a:blip r:embed="rId8" cstate="print">
+              <a:extLst>
+                <a:ext uri="{28A0092B-C50C-407E-A947-70E740481C1C}">
+                  <a14:useLocalDpi xmlns:a14="http://schemas.microsoft.com/office/drawing/2010/main" val="0"/>
+                </a:ext>
+              </a:extLst>
+            </a:blip>
+            <a:srcRect/>
+            <a:stretch>
+              <a:fillRect/>
+            </a:stretch>
+          </p:blipFill>
+          <p:spPr bwMode="auto">
+            <a:xfrm>
+              <a:off x="10450279" y="5053948"/>
+              <a:ext cx="473915" cy="518291"/>
+            </a:xfrm>
+            <a:prstGeom prst="rect">
+              <a:avLst/>
+            </a:prstGeom>
+            <a:noFill/>
+            <a:extLst>
+              <a:ext uri="{909E8E84-426E-40DD-AFC4-6F175D3DCCD1}">
+                <a14:hiddenFill xmlns:a14="http://schemas.microsoft.com/office/drawing/2010/main">
+                  <a:solidFill>
+                    <a:srgbClr val="FFFFFF"/>
+                  </a:solidFill>
+                </a14:hiddenFill>
+              </a:ext>
+            </a:extLst>
+          </p:spPr>
+        </p:pic>
+        <p:pic>
+          <p:nvPicPr>
+            <p:cNvPr id="47" name="図 46">
+              <a:hlinkClick r:id="rId9"/>
+              <a:extLst>
+                <a:ext uri="{FF2B5EF4-FFF2-40B4-BE49-F238E27FC236}">
+                  <a16:creationId xmlns:a16="http://schemas.microsoft.com/office/drawing/2014/main" id="{03838695-061D-1059-EED5-93CF1B6C5DC2}"/>
+                </a:ext>
+              </a:extLst>
+            </p:cNvPr>
+            <p:cNvPicPr>
+              <a:picLocks noChangeAspect="1"/>
+            </p:cNvPicPr>
+            <p:nvPr/>
+          </p:nvPicPr>
+          <p:blipFill>
+            <a:blip r:embed="rId10" cstate="print">
+              <a:extLst>
+                <a:ext uri="{28A0092B-C50C-407E-A947-70E740481C1C}">
+                  <a14:useLocalDpi xmlns:a14="http://schemas.microsoft.com/office/drawing/2010/main" val="0"/>
+                </a:ext>
+              </a:extLst>
+            </a:blip>
+            <a:stretch>
+              <a:fillRect/>
+            </a:stretch>
+          </p:blipFill>
+          <p:spPr>
+            <a:xfrm>
+              <a:off x="7920627" y="4608513"/>
+              <a:ext cx="1058889" cy="1058889"/>
+            </a:xfrm>
+            <a:prstGeom prst="rect">
+              <a:avLst/>
+            </a:prstGeom>
+          </p:spPr>
+        </p:pic>
+        <p:sp>
+          <p:nvSpPr>
+            <p:cNvPr id="48" name="四角形: 角を丸くする 47">
+              <a:extLst>
+                <a:ext uri="{FF2B5EF4-FFF2-40B4-BE49-F238E27FC236}">
+                  <a16:creationId xmlns:a16="http://schemas.microsoft.com/office/drawing/2014/main" id="{D593B2F2-5D44-FBE5-6719-B5F10766FF5F}"/>
+                </a:ext>
+              </a:extLst>
+            </p:cNvPr>
+            <p:cNvSpPr/>
+            <p:nvPr/>
+          </p:nvSpPr>
+          <p:spPr>
+            <a:xfrm>
+              <a:off x="7370298" y="3966293"/>
+              <a:ext cx="1136134" cy="294706"/>
+            </a:xfrm>
+            <a:prstGeom prst="roundRect">
+              <a:avLst>
+                <a:gd name="adj" fmla="val 50000"/>
+              </a:avLst>
+            </a:prstGeom>
+            <a:ln>
+              <a:solidFill>
+                <a:srgbClr val="00B050"/>
+              </a:solidFill>
+            </a:ln>
+            <a:effectLst>
+              <a:outerShdw blurRad="50800" dist="38100" dir="2700000" algn="tl" rotWithShape="0">
+                <a:prstClr val="black">
+                  <a:alpha val="40000"/>
+                </a:prstClr>
+              </a:outerShdw>
+            </a:effectLst>
+          </p:spPr>
+          <p:style>
+            <a:lnRef idx="2">
+              <a:schemeClr val="accent3"/>
+            </a:lnRef>
+            <a:fillRef idx="1">
+              <a:schemeClr val="lt1"/>
+            </a:fillRef>
+            <a:effectRef idx="0">
+              <a:schemeClr val="accent3"/>
+            </a:effectRef>
+            <a:fontRef idx="minor">
+              <a:schemeClr val="dk1"/>
+            </a:fontRef>
+          </p:style>
+          <p:txBody>
+            <a:bodyPr rtlCol="0" anchor="ctr"/>
+            <a:lstStyle/>
+            <a:p>
+              <a:pPr algn="ctr">
+                <a:lnSpc>
+                  <a:spcPct val="130000"/>
+                </a:lnSpc>
+                <a:spcAft>
+                  <a:spcPts val="600"/>
+                </a:spcAft>
+              </a:pPr>
+              <a:r>
+                <a:rPr kumimoji="1" lang="ja-JP" altLang="en-US" sz="1200" dirty="0">
+                  <a:solidFill>
+                    <a:srgbClr val="00B050"/>
+                  </a:solidFill>
+                  <a:latin typeface="+mn-ea"/>
+                </a:rPr>
+                <a:t>ＷＥＢ</a:t>
+              </a:r>
+            </a:p>
+          </p:txBody>
+        </p:sp>
       </p:grpSp>
       <p:sp>
         <p:nvSpPr>
-          <p:cNvPr id="35" name="雲 34"/>
-          <p:cNvSpPr/>
+          <p:cNvPr id="58" name="テキスト ボックス 57">
+            <a:extLst>
+              <a:ext uri="{FF2B5EF4-FFF2-40B4-BE49-F238E27FC236}">
+                <a16:creationId xmlns:a16="http://schemas.microsoft.com/office/drawing/2014/main" id="{4F1D6CD9-C465-4565-7C5E-7292B0D5E728}"/>
+              </a:ext>
+            </a:extLst>
+          </p:cNvPr>
+          <p:cNvSpPr txBox="1"/>
           <p:nvPr/>
         </p:nvSpPr>
         <p:spPr>
           <a:xfrm>
-            <a:off x="2982521" y="1386622"/>
-            <a:ext cx="6236316" cy="2557355"/>
-          </a:xfrm>
-          <a:prstGeom prst="cloud">
-            <a:avLst/>
-          </a:prstGeom>
-          <a:noFill/>
-          <a:ln w="28575">
-            <a:solidFill>
-              <a:srgbClr val="FF0000"/>
-            </a:solidFill>
-          </a:ln>
-          <a:effectLst/>
-        </p:spPr>
-        <p:style>
-          <a:lnRef idx="2">
-            <a:schemeClr val="accent1">
-              <a:shade val="50000"/>
-            </a:schemeClr>
-          </a:lnRef>
-          <a:fillRef idx="1">
-            <a:schemeClr val="accent1"/>
-          </a:fillRef>
-          <a:effectRef idx="0">
-            <a:schemeClr val="accent1"/>
-          </a:effectRef>
-          <a:fontRef idx="minor">
-            <a:schemeClr val="lt1"/>
-          </a:fontRef>
-        </p:style>
-        <p:txBody>
-          <a:bodyPr rtlCol="0" anchor="t"/>
-          <a:lstStyle/>
-          <a:p>
-            <a:pPr>
-              <a:spcAft>
-                <a:spcPts val="600"/>
-              </a:spcAft>
-            </a:pPr>
-            <a:endParaRPr kumimoji="1" lang="ja-JP" altLang="en-US" sz="1100" dirty="0">
-              <a:solidFill>
-                <a:schemeClr val="tx1"/>
-              </a:solidFill>
-              <a:latin typeface="+mn-ea"/>
-            </a:endParaRPr>
-          </a:p>
-        </p:txBody>
-      </p:sp>
-      <p:sp>
-        <p:nvSpPr>
-          <p:cNvPr id="8" name="四角形: 角を丸くする 7"/>
-          <p:cNvSpPr/>
-          <p:nvPr/>
-        </p:nvSpPr>
-        <p:spPr>
-          <a:xfrm>
-            <a:off x="1657367" y="4296494"/>
-            <a:ext cx="4058405" cy="1298688"/>
-          </a:xfrm>
-          <a:prstGeom prst="roundRect">
-            <a:avLst>
-              <a:gd name="adj" fmla="val 50000"/>
-            </a:avLst>
-          </a:prstGeom>
-          <a:solidFill>
-            <a:schemeClr val="bg1"/>
-          </a:solidFill>
-          <a:ln w="28575">
-            <a:solidFill>
-              <a:schemeClr val="tx1"/>
-            </a:solidFill>
-          </a:ln>
-          <a:effectLst/>
-        </p:spPr>
-        <p:style>
-          <a:lnRef idx="2">
-            <a:schemeClr val="accent1">
-              <a:shade val="50000"/>
-            </a:schemeClr>
-          </a:lnRef>
-          <a:fillRef idx="1">
-            <a:schemeClr val="accent1"/>
-          </a:fillRef>
-          <a:effectRef idx="0">
-            <a:schemeClr val="accent1"/>
-          </a:effectRef>
-          <a:fontRef idx="minor">
-            <a:schemeClr val="lt1"/>
-          </a:fontRef>
-        </p:style>
-        <p:txBody>
-          <a:bodyPr rtlCol="0" anchor="ctr"/>
-          <a:lstStyle/>
-          <a:p>
-            <a:pPr>
-              <a:lnSpc>
-                <a:spcPct val="130000"/>
-              </a:lnSpc>
-              <a:spcAft>
-                <a:spcPts val="600"/>
-              </a:spcAft>
-            </a:pPr>
-            <a:r>
-              <a:rPr kumimoji="1" lang="ja-JP" altLang="en-US" sz="1200" b="1" dirty="0">
-                <a:solidFill>
-                  <a:schemeClr val="tx1"/>
-                </a:solidFill>
-                <a:latin typeface="+mn-ea"/>
-              </a:rPr>
-              <a:t>　　</a:t>
-            </a:r>
-            <a:r>
-              <a:rPr kumimoji="1" lang="ja-JP" altLang="en-US" sz="1200" b="1" dirty="0">
-                <a:solidFill>
-                  <a:srgbClr val="FF0000"/>
-                </a:solidFill>
-                <a:latin typeface="+mn-ea"/>
-              </a:rPr>
-              <a:t>情報</a:t>
-            </a:r>
-            <a:r>
-              <a:rPr kumimoji="1" lang="ja-JP" altLang="en-US" sz="1200" b="1" dirty="0">
-                <a:solidFill>
-                  <a:schemeClr val="tx1"/>
-                </a:solidFill>
-                <a:latin typeface="+mn-ea"/>
-              </a:rPr>
-              <a:t>とは</a:t>
-            </a:r>
-            <a:endParaRPr kumimoji="1" lang="en-US" altLang="ja-JP" sz="1200" b="1" dirty="0">
-              <a:solidFill>
-                <a:schemeClr val="tx1"/>
-              </a:solidFill>
-              <a:latin typeface="+mn-ea"/>
-            </a:endParaRPr>
-          </a:p>
-          <a:p>
-            <a:pPr>
-              <a:lnSpc>
-                <a:spcPct val="130000"/>
-              </a:lnSpc>
-              <a:spcAft>
-                <a:spcPts val="600"/>
-              </a:spcAft>
-            </a:pPr>
-            <a:r>
-              <a:rPr kumimoji="1" lang="ja-JP" altLang="en-US" sz="1200" b="1" dirty="0">
-                <a:solidFill>
-                  <a:schemeClr val="accent4">
-                    <a:lumMod val="50000"/>
-                  </a:schemeClr>
-                </a:solidFill>
-                <a:latin typeface="+mn-ea"/>
-              </a:rPr>
-              <a:t>　　　</a:t>
-            </a:r>
-            <a:r>
-              <a:rPr kumimoji="1" lang="ja-JP" altLang="en-US" sz="1200" b="1" dirty="0">
-                <a:solidFill>
-                  <a:srgbClr val="FF0000"/>
-                </a:solidFill>
-                <a:latin typeface="+mn-ea"/>
-              </a:rPr>
-              <a:t>いつ</a:t>
-            </a:r>
-            <a:r>
-              <a:rPr kumimoji="1" lang="ja-JP" altLang="en-US" sz="1200" b="1" dirty="0">
-                <a:solidFill>
-                  <a:schemeClr val="accent4">
-                    <a:lumMod val="50000"/>
-                  </a:schemeClr>
-                </a:solidFill>
-                <a:latin typeface="+mn-ea"/>
-              </a:rPr>
-              <a:t>　　</a:t>
-            </a:r>
-            <a:r>
-              <a:rPr kumimoji="1" lang="ja-JP" altLang="en-US" sz="1200" b="1" dirty="0">
-                <a:solidFill>
-                  <a:schemeClr val="tx1"/>
-                </a:solidFill>
-                <a:latin typeface="+mn-ea"/>
-              </a:rPr>
-              <a:t>とは　</a:t>
-            </a:r>
-            <a:r>
-              <a:rPr kumimoji="1" lang="en-US" altLang="ja-JP" sz="1200" b="1" dirty="0">
-                <a:solidFill>
-                  <a:schemeClr val="tx1"/>
-                </a:solidFill>
-                <a:latin typeface="+mn-ea"/>
-              </a:rPr>
-              <a:t>From</a:t>
-            </a:r>
-            <a:r>
-              <a:rPr kumimoji="1" lang="ja-JP" altLang="en-US" sz="1200" b="1" dirty="0">
-                <a:solidFill>
-                  <a:schemeClr val="tx1"/>
-                </a:solidFill>
-                <a:latin typeface="+mn-ea"/>
-              </a:rPr>
-              <a:t>＿</a:t>
-            </a:r>
-            <a:r>
-              <a:rPr kumimoji="1" lang="en-US" altLang="ja-JP" sz="1200" b="1" dirty="0">
-                <a:solidFill>
-                  <a:schemeClr val="tx1"/>
-                </a:solidFill>
-                <a:latin typeface="+mn-ea"/>
-              </a:rPr>
-              <a:t>To</a:t>
-            </a:r>
-            <a:r>
-              <a:rPr kumimoji="1" lang="ja-JP" altLang="en-US" sz="1200" b="1" dirty="0">
-                <a:solidFill>
-                  <a:schemeClr val="tx1"/>
-                </a:solidFill>
-                <a:latin typeface="+mn-ea"/>
-              </a:rPr>
-              <a:t>　の</a:t>
-            </a:r>
-            <a:r>
-              <a:rPr kumimoji="1" lang="ja-JP" altLang="en-US" sz="1200" b="1" dirty="0">
-                <a:solidFill>
-                  <a:srgbClr val="FF0000"/>
-                </a:solidFill>
-                <a:latin typeface="+mn-ea"/>
-              </a:rPr>
-              <a:t>時間情報</a:t>
-            </a:r>
-            <a:endParaRPr kumimoji="1" lang="en-US" altLang="ja-JP" sz="1200" b="1" dirty="0">
-              <a:solidFill>
-                <a:srgbClr val="FF0000"/>
-              </a:solidFill>
-              <a:latin typeface="+mn-ea"/>
-            </a:endParaRPr>
-          </a:p>
-          <a:p>
-            <a:pPr>
-              <a:lnSpc>
-                <a:spcPct val="130000"/>
-              </a:lnSpc>
-              <a:spcAft>
-                <a:spcPts val="600"/>
-              </a:spcAft>
-            </a:pPr>
-            <a:r>
-              <a:rPr kumimoji="1" lang="ja-JP" altLang="en-US" sz="1200" b="1" dirty="0">
-                <a:solidFill>
-                  <a:schemeClr val="accent4">
-                    <a:lumMod val="50000"/>
-                  </a:schemeClr>
-                </a:solidFill>
-                <a:latin typeface="+mn-ea"/>
-              </a:rPr>
-              <a:t>　　　</a:t>
-            </a:r>
-            <a:r>
-              <a:rPr kumimoji="1" lang="ja-JP" altLang="en-US" sz="1200" b="1" dirty="0">
-                <a:solidFill>
-                  <a:srgbClr val="FF0000"/>
-                </a:solidFill>
-                <a:latin typeface="+mn-ea"/>
-              </a:rPr>
-              <a:t>どこで</a:t>
-            </a:r>
-            <a:r>
-              <a:rPr kumimoji="1" lang="ja-JP" altLang="en-US" sz="1200" b="1" dirty="0">
-                <a:solidFill>
-                  <a:schemeClr val="accent4">
-                    <a:lumMod val="50000"/>
-                  </a:schemeClr>
-                </a:solidFill>
-                <a:latin typeface="+mn-ea"/>
-              </a:rPr>
-              <a:t>　</a:t>
-            </a:r>
-            <a:r>
-              <a:rPr kumimoji="1" lang="ja-JP" altLang="en-US" sz="1200" b="1" dirty="0">
-                <a:solidFill>
-                  <a:schemeClr val="tx1"/>
-                </a:solidFill>
-                <a:latin typeface="+mn-ea"/>
-              </a:rPr>
-              <a:t>とは</a:t>
-            </a:r>
-            <a:r>
-              <a:rPr kumimoji="1" lang="ja-JP" altLang="en-US" sz="1200" b="1" dirty="0">
-                <a:solidFill>
-                  <a:schemeClr val="accent4">
-                    <a:lumMod val="50000"/>
-                  </a:schemeClr>
-                </a:solidFill>
-                <a:latin typeface="+mn-ea"/>
-              </a:rPr>
-              <a:t>　</a:t>
-            </a:r>
-            <a:r>
-              <a:rPr kumimoji="1" lang="ja-JP" altLang="en-US" sz="1200" b="1" dirty="0">
-                <a:solidFill>
-                  <a:srgbClr val="FF0000"/>
-                </a:solidFill>
-                <a:latin typeface="+mn-ea"/>
-              </a:rPr>
-              <a:t>位置情報（２</a:t>
-            </a:r>
-            <a:r>
-              <a:rPr kumimoji="1" lang="en-US" altLang="ja-JP" sz="1200" b="1" dirty="0">
-                <a:solidFill>
-                  <a:srgbClr val="FF0000"/>
-                </a:solidFill>
-                <a:latin typeface="+mn-ea"/>
-              </a:rPr>
-              <a:t>D</a:t>
-            </a:r>
-            <a:r>
-              <a:rPr kumimoji="1" lang="ja-JP" altLang="en-US" sz="1200" b="1" dirty="0">
-                <a:solidFill>
-                  <a:srgbClr val="FF0000"/>
-                </a:solidFill>
-                <a:latin typeface="+mn-ea"/>
-              </a:rPr>
-              <a:t>、３</a:t>
-            </a:r>
-            <a:r>
-              <a:rPr kumimoji="1" lang="en-US" altLang="ja-JP" sz="1200" b="1" dirty="0">
-                <a:solidFill>
-                  <a:srgbClr val="FF0000"/>
-                </a:solidFill>
-                <a:latin typeface="+mn-ea"/>
-              </a:rPr>
-              <a:t>D</a:t>
-            </a:r>
-            <a:r>
-              <a:rPr kumimoji="1" lang="ja-JP" altLang="en-US" sz="1200" b="1" dirty="0">
-                <a:solidFill>
-                  <a:srgbClr val="FF0000"/>
-                </a:solidFill>
-                <a:latin typeface="+mn-ea"/>
-              </a:rPr>
-              <a:t>）</a:t>
-            </a:r>
-            <a:endParaRPr kumimoji="1" lang="en-US" altLang="ja-JP" sz="1200" b="1" dirty="0">
-              <a:solidFill>
-                <a:srgbClr val="FF0000"/>
-              </a:solidFill>
-              <a:latin typeface="+mn-ea"/>
-            </a:endParaRPr>
-          </a:p>
-          <a:p>
-            <a:pPr>
-              <a:lnSpc>
-                <a:spcPct val="130000"/>
-              </a:lnSpc>
-              <a:spcAft>
-                <a:spcPts val="600"/>
-              </a:spcAft>
-            </a:pPr>
-            <a:r>
-              <a:rPr kumimoji="1" lang="ja-JP" altLang="en-US" sz="1200" b="1" dirty="0">
-                <a:solidFill>
-                  <a:schemeClr val="accent4">
-                    <a:lumMod val="50000"/>
-                  </a:schemeClr>
-                </a:solidFill>
-                <a:latin typeface="+mn-ea"/>
-              </a:rPr>
-              <a:t>　　　</a:t>
-            </a:r>
-            <a:r>
-              <a:rPr kumimoji="1" lang="ja-JP" altLang="en-US" sz="1200" b="1" dirty="0">
-                <a:solidFill>
-                  <a:srgbClr val="FF0000"/>
-                </a:solidFill>
-                <a:latin typeface="+mn-ea"/>
-              </a:rPr>
-              <a:t>だれが</a:t>
-            </a:r>
-            <a:r>
-              <a:rPr kumimoji="1" lang="ja-JP" altLang="en-US" sz="1200" b="1" dirty="0">
-                <a:solidFill>
-                  <a:schemeClr val="accent4">
-                    <a:lumMod val="50000"/>
-                  </a:schemeClr>
-                </a:solidFill>
-                <a:latin typeface="+mn-ea"/>
-              </a:rPr>
-              <a:t>　</a:t>
-            </a:r>
-            <a:r>
-              <a:rPr kumimoji="1" lang="ja-JP" altLang="en-US" sz="1200" b="1" dirty="0">
-                <a:solidFill>
-                  <a:schemeClr val="tx1"/>
-                </a:solidFill>
-                <a:latin typeface="+mn-ea"/>
-              </a:rPr>
-              <a:t>とは　その他</a:t>
-            </a:r>
-            <a:r>
-              <a:rPr kumimoji="1" lang="ja-JP" altLang="en-US" sz="1200" b="1" dirty="0">
-                <a:solidFill>
-                  <a:srgbClr val="FF0000"/>
-                </a:solidFill>
-                <a:latin typeface="+mn-ea"/>
-              </a:rPr>
-              <a:t>すべての情報</a:t>
-            </a:r>
-            <a:endParaRPr kumimoji="1" lang="en-US" altLang="ja-JP" sz="1200" b="1" dirty="0">
-              <a:solidFill>
-                <a:srgbClr val="FF0000"/>
-              </a:solidFill>
-              <a:latin typeface="+mn-ea"/>
-            </a:endParaRPr>
-          </a:p>
-        </p:txBody>
-      </p:sp>
-      <p:sp>
-        <p:nvSpPr>
-          <p:cNvPr id="1038" name="テキスト ボックス 1037"/>
-          <p:cNvSpPr txBox="1"/>
-          <p:nvPr/>
-        </p:nvSpPr>
-        <p:spPr>
-          <a:xfrm>
-            <a:off x="3632141" y="2330703"/>
-            <a:ext cx="3036305" cy="713272"/>
+            <a:off x="7674574" y="4738438"/>
+            <a:ext cx="3526394" cy="338554"/>
           </a:xfrm>
           <a:prstGeom prst="rect">
             <a:avLst/>
@@ -4724,163 +5843,887 @@
           </a:bodyPr>
           <a:lstStyle/>
           <a:p>
-            <a:pPr>
-              <a:lnSpc>
-                <a:spcPct val="130000"/>
-              </a:lnSpc>
-              <a:spcAft>
-                <a:spcPts val="600"/>
-              </a:spcAft>
-            </a:pPr>
+            <a:pPr algn="ctr"/>
             <a:r>
-              <a:rPr kumimoji="1" lang="ja-JP" altLang="en-US" sz="1400" b="1" dirty="0">
-                <a:solidFill>
-                  <a:srgbClr val="0000FF"/>
+              <a:rPr kumimoji="1" lang="ja-JP" altLang="en-US" sz="1600" dirty="0">
+                <a:solidFill>
+                  <a:schemeClr val="tx1"/>
                 </a:solidFill>
                 <a:latin typeface="+mn-ea"/>
               </a:rPr>
-              <a:t>使いやすさ向上　　　汎用検索機能  </a:t>
+              <a:t>様々な</a:t>
             </a:r>
-            <a:endParaRPr kumimoji="1" lang="en-US" altLang="ja-JP" sz="1400" b="1" dirty="0">
-              <a:solidFill>
-                <a:srgbClr val="0000FF"/>
-              </a:solidFill>
-              <a:latin typeface="+mn-ea"/>
-            </a:endParaRPr>
-          </a:p>
-          <a:p>
-            <a:pPr>
-              <a:lnSpc>
-                <a:spcPct val="130000"/>
-              </a:lnSpc>
-              <a:spcAft>
-                <a:spcPts val="600"/>
-              </a:spcAft>
-            </a:pPr>
             <a:r>
-              <a:rPr kumimoji="1" lang="ja-JP" altLang="en-US" sz="1400" b="1" dirty="0">
-                <a:solidFill>
-                  <a:srgbClr val="0000FF"/>
+              <a:rPr kumimoji="1" lang="en-US" altLang="ja-JP" sz="1600" dirty="0">
+                <a:solidFill>
+                  <a:schemeClr val="tx1"/>
                 </a:solidFill>
                 <a:latin typeface="+mn-ea"/>
               </a:rPr>
-              <a:t>汎用属性表示　　　　エクセル連携</a:t>
+              <a:t>GIS</a:t>
             </a:r>
-            <a:endParaRPr kumimoji="1" lang="ja-JP" altLang="en-US" sz="1400" dirty="0">
+            <a:r>
+              <a:rPr kumimoji="1" lang="ja-JP" altLang="en-US" sz="1600" dirty="0">
+                <a:solidFill>
+                  <a:schemeClr val="tx1"/>
+                </a:solidFill>
+                <a:latin typeface="+mn-ea"/>
+              </a:rPr>
+              <a:t>へ</a:t>
+            </a:r>
+            <a:r>
+              <a:rPr kumimoji="1" lang="en-US" altLang="ja-JP" sz="1600" dirty="0">
+                <a:solidFill>
+                  <a:schemeClr val="tx1"/>
+                </a:solidFill>
+                <a:latin typeface="+mn-ea"/>
+              </a:rPr>
+              <a:t>WMS</a:t>
+            </a:r>
+            <a:r>
+              <a:rPr kumimoji="1" lang="ja-JP" altLang="en-US" sz="1600" dirty="0">
+                <a:solidFill>
+                  <a:schemeClr val="tx1"/>
+                </a:solidFill>
+                <a:latin typeface="+mn-ea"/>
+              </a:rPr>
+              <a:t>・</a:t>
+            </a:r>
+            <a:r>
+              <a:rPr kumimoji="1" lang="en-US" altLang="ja-JP" sz="1600" dirty="0">
+                <a:solidFill>
+                  <a:schemeClr val="tx1"/>
+                </a:solidFill>
+                <a:latin typeface="+mn-ea"/>
+              </a:rPr>
+              <a:t>WMTS</a:t>
+            </a:r>
+            <a:r>
+              <a:rPr kumimoji="1" lang="ja-JP" altLang="en-US" sz="1600" dirty="0">
+                <a:solidFill>
+                  <a:schemeClr val="tx1"/>
+                </a:solidFill>
+                <a:latin typeface="+mn-ea"/>
+              </a:rPr>
+              <a:t>配信</a:t>
+            </a:r>
+            <a:endParaRPr lang="ja-JP" altLang="en-US" sz="1600" dirty="0">
               <a:solidFill>
-                <a:srgbClr val="0000FF"/>
+                <a:schemeClr val="tx1"/>
               </a:solidFill>
-              <a:latin typeface="+mn-ea"/>
             </a:endParaRPr>
           </a:p>
         </p:txBody>
       </p:sp>
-      <p:sp>
-        <p:nvSpPr>
-          <p:cNvPr id="5" name="四角形: 角を丸くする 4"/>
-          <p:cNvSpPr/>
+      <p:pic>
+        <p:nvPicPr>
+          <p:cNvPr id="59" name="Picture 2">
+            <a:hlinkClick r:id="rId11"/>
+            <a:extLst>
+              <a:ext uri="{FF2B5EF4-FFF2-40B4-BE49-F238E27FC236}">
+                <a16:creationId xmlns:a16="http://schemas.microsoft.com/office/drawing/2014/main" id="{DE6848D3-12E3-59B6-1D63-A9AD06C51CD8}"/>
+              </a:ext>
+            </a:extLst>
+          </p:cNvPr>
+          <p:cNvPicPr>
+            <a:picLocks noChangeAspect="1" noChangeArrowheads="1"/>
+          </p:cNvPicPr>
+          <p:nvPr/>
+        </p:nvPicPr>
+        <p:blipFill rotWithShape="1">
+          <a:blip r:embed="rId12">
+            <a:extLst>
+              <a:ext uri="{28A0092B-C50C-407E-A947-70E740481C1C}">
+                <a14:useLocalDpi xmlns:a14="http://schemas.microsoft.com/office/drawing/2010/main" val="0"/>
+              </a:ext>
+            </a:extLst>
+          </a:blip>
+          <a:srcRect t="4582"/>
+          <a:stretch/>
+        </p:blipFill>
+        <p:spPr bwMode="auto">
+          <a:xfrm>
+            <a:off x="8685148" y="773415"/>
+            <a:ext cx="3192170" cy="3045902"/>
+          </a:xfrm>
+          <a:prstGeom prst="rect">
+            <a:avLst/>
+          </a:prstGeom>
+          <a:noFill/>
+          <a:extLst>
+            <a:ext uri="{909E8E84-426E-40DD-AFC4-6F175D3DCCD1}">
+              <a14:hiddenFill xmlns:a14="http://schemas.microsoft.com/office/drawing/2010/main">
+                <a:solidFill>
+                  <a:srgbClr val="FFFFFF"/>
+                </a:solidFill>
+              </a14:hiddenFill>
+            </a:ext>
+          </a:extLst>
+        </p:spPr>
+      </p:pic>
+    </p:spTree>
+    <p:extLst>
+      <p:ext uri="{BB962C8B-B14F-4D97-AF65-F5344CB8AC3E}">
+        <p14:creationId xmlns:p14="http://schemas.microsoft.com/office/powerpoint/2010/main" val="4122858335"/>
+      </p:ext>
+    </p:extLst>
+  </p:cSld>
+  <p:clrMapOvr>
+    <a:masterClrMapping/>
+  </p:clrMapOvr>
+</p:sld>
+</file>
+
+<file path=ppt/slides/slide3.xml><?xml version="1.0" encoding="utf-8"?>
+<p:sld xmlns:a="http://schemas.openxmlformats.org/drawingml/2006/main" xmlns:r="http://schemas.openxmlformats.org/officeDocument/2006/relationships" xmlns:p="http://schemas.openxmlformats.org/presentationml/2006/main">
+  <p:cSld>
+    <p:spTree>
+      <p:nvGrpSpPr>
+        <p:cNvPr id="1" name=""/>
+        <p:cNvGrpSpPr/>
+        <p:nvPr/>
+      </p:nvGrpSpPr>
+      <p:grpSpPr>
+        <a:xfrm>
+          <a:off x="0" y="0"/>
+          <a:ext cx="0" cy="0"/>
+          <a:chOff x="0" y="0"/>
+          <a:chExt cx="0" cy="0"/>
+        </a:xfrm>
+      </p:grpSpPr>
+      <p:sp>
+        <p:nvSpPr>
+          <p:cNvPr id="3" name="テキスト ボックス 2">
+            <a:extLst>
+              <a:ext uri="{FF2B5EF4-FFF2-40B4-BE49-F238E27FC236}">
+                <a16:creationId xmlns:a16="http://schemas.microsoft.com/office/drawing/2014/main" id="{F0C10767-10E3-91EA-4A9B-DFE40349E1A6}"/>
+              </a:ext>
+            </a:extLst>
+          </p:cNvPr>
+          <p:cNvSpPr txBox="1"/>
           <p:nvPr/>
         </p:nvSpPr>
         <p:spPr>
           <a:xfrm>
-            <a:off x="3708762" y="3333519"/>
-            <a:ext cx="3545317" cy="841283"/>
+            <a:off x="193777" y="188640"/>
+            <a:ext cx="11587353" cy="584775"/>
           </a:xfrm>
-          <a:prstGeom prst="roundRect">
+          <a:prstGeom prst="rect">
+            <a:avLst/>
+          </a:prstGeom>
+          <a:noFill/>
+        </p:spPr>
+        <p:txBody>
+          <a:bodyPr wrap="square" rtlCol="0">
+            <a:spAutoFit/>
+          </a:bodyPr>
+          <a:lstStyle/>
+          <a:p>
+            <a:r>
+              <a:rPr lang="ja-JP" altLang="en-US" sz="3200" b="1" i="0" u="sng" strike="noStrike" dirty="0">
+                <a:solidFill>
+                  <a:srgbClr val="00B0F0"/>
+                </a:solidFill>
+                <a:effectLst/>
+                <a:highlight>
+                  <a:srgbClr val="FFFFFF"/>
+                </a:highlight>
+                <a:latin typeface="-apple-system"/>
+                <a:hlinkClick r:id="rId3"/>
+              </a:rPr>
+              <a:t>詳しくはファイナスステージで！</a:t>
+            </a:r>
+            <a:endParaRPr lang="ja-JP" altLang="en-US" sz="3200" b="1" i="0" u="sng" dirty="0">
+              <a:solidFill>
+                <a:srgbClr val="00B0F0"/>
+              </a:solidFill>
+              <a:effectLst/>
+              <a:highlight>
+                <a:srgbClr val="FFFFFF"/>
+              </a:highlight>
+              <a:latin typeface="-apple-system"/>
+            </a:endParaRPr>
+          </a:p>
+        </p:txBody>
+      </p:sp>
+      <p:pic>
+        <p:nvPicPr>
+          <p:cNvPr id="4" name="図 3">
+            <a:hlinkClick r:id="rId4"/>
+            <a:extLst>
+              <a:ext uri="{FF2B5EF4-FFF2-40B4-BE49-F238E27FC236}">
+                <a16:creationId xmlns:a16="http://schemas.microsoft.com/office/drawing/2014/main" id="{CA260F5E-FB98-3CF3-472A-6B845EA2E8B6}"/>
+              </a:ext>
+            </a:extLst>
+          </p:cNvPr>
+          <p:cNvPicPr>
+            <a:picLocks noChangeAspect="1"/>
+          </p:cNvPicPr>
+          <p:nvPr/>
+        </p:nvPicPr>
+        <p:blipFill>
+          <a:blip r:embed="rId5"/>
+          <a:stretch>
+            <a:fillRect/>
+          </a:stretch>
+        </p:blipFill>
+        <p:spPr>
+          <a:xfrm>
+            <a:off x="255699" y="2663612"/>
+            <a:ext cx="1963254" cy="1053420"/>
+          </a:xfrm>
+          <a:prstGeom prst="rect">
+            <a:avLst/>
+          </a:prstGeom>
+          <a:ln w="63500">
+            <a:solidFill>
+              <a:schemeClr val="accent4"/>
+            </a:solidFill>
+          </a:ln>
+        </p:spPr>
+      </p:pic>
+      <p:cxnSp>
+        <p:nvCxnSpPr>
+          <p:cNvPr id="105" name="コネクタ: カギ線 104">
+            <a:extLst>
+              <a:ext uri="{FF2B5EF4-FFF2-40B4-BE49-F238E27FC236}">
+                <a16:creationId xmlns:a16="http://schemas.microsoft.com/office/drawing/2014/main" id="{2A6DF2D6-31C9-782A-E922-964BAB1C7402}"/>
+              </a:ext>
+            </a:extLst>
+          </p:cNvPr>
+          <p:cNvCxnSpPr>
+            <a:cxnSpLocks/>
+            <a:stCxn id="37" idx="2"/>
+            <a:endCxn id="15" idx="0"/>
+          </p:cNvCxnSpPr>
+          <p:nvPr/>
+        </p:nvCxnSpPr>
+        <p:spPr>
+          <a:xfrm rot="16200000" flipH="1">
+            <a:off x="9041592" y="3216870"/>
+            <a:ext cx="464564" cy="5466"/>
+          </a:xfrm>
+          <a:prstGeom prst="bentConnector3">
             <a:avLst>
-              <a:gd name="adj" fmla="val 50000"/>
+              <a:gd name="adj1" fmla="val 50000"/>
             </a:avLst>
           </a:prstGeom>
-          <a:solidFill>
-            <a:schemeClr val="bg1"/>
-          </a:solidFill>
-          <a:ln w="19050">
+          <a:ln w="63500">
             <a:solidFill>
-              <a:srgbClr val="FF0000"/>
+              <a:schemeClr val="accent4"/>
             </a:solidFill>
+            <a:tailEnd type="triangle"/>
           </a:ln>
-          <a:effectLst>
-            <a:outerShdw blurRad="50800" dist="38100" dir="2700000" algn="tl" rotWithShape="0">
-              <a:prstClr val="black">
-                <a:alpha val="40000"/>
-              </a:prstClr>
-            </a:outerShdw>
-          </a:effectLst>
         </p:spPr>
         <p:style>
-          <a:lnRef idx="2">
-            <a:schemeClr val="accent1">
-              <a:shade val="50000"/>
-            </a:schemeClr>
+          <a:lnRef idx="1">
+            <a:schemeClr val="accent1"/>
           </a:lnRef>
-          <a:fillRef idx="1">
+          <a:fillRef idx="0">
             <a:schemeClr val="accent1"/>
           </a:fillRef>
           <a:effectRef idx="0">
             <a:schemeClr val="accent1"/>
           </a:effectRef>
           <a:fontRef idx="minor">
-            <a:schemeClr val="lt1"/>
+            <a:schemeClr val="tx1"/>
           </a:fontRef>
         </p:style>
-        <p:txBody>
-          <a:bodyPr rtlCol="0" anchor="ctr"/>
-          <a:lstStyle/>
-          <a:p>
-            <a:pPr algn="ctr"/>
-            <a:r>
-              <a:rPr kumimoji="1" lang="ja-JP" altLang="en-US" sz="2400" b="1" dirty="0">
-                <a:solidFill>
-                  <a:srgbClr val="FF0000"/>
-                </a:solidFill>
-                <a:effectLst>
-                  <a:outerShdw blurRad="38100" dist="38100" dir="2700000" algn="tl">
-                    <a:srgbClr val="000000">
-                      <a:alpha val="43137"/>
-                    </a:srgbClr>
-                  </a:outerShdw>
-                </a:effectLst>
-                <a:latin typeface="+mn-ea"/>
-              </a:rPr>
-              <a:t>統合情報システム</a:t>
-            </a:r>
-            <a:endParaRPr kumimoji="1" lang="en-US" altLang="ja-JP" sz="2400" b="1" dirty="0">
-              <a:solidFill>
-                <a:srgbClr val="FF0000"/>
-              </a:solidFill>
+      </p:cxnSp>
+      <p:cxnSp>
+        <p:nvCxnSpPr>
+          <p:cNvPr id="44" name="コネクタ: カギ線 43">
+            <a:extLst>
+              <a:ext uri="{FF2B5EF4-FFF2-40B4-BE49-F238E27FC236}">
+                <a16:creationId xmlns:a16="http://schemas.microsoft.com/office/drawing/2014/main" id="{F1E66225-068E-1C8C-ED4D-FC72CD4760CC}"/>
+              </a:ext>
+            </a:extLst>
+          </p:cNvPr>
+          <p:cNvCxnSpPr>
+            <a:cxnSpLocks/>
+            <a:stCxn id="37" idx="0"/>
+            <a:endCxn id="4" idx="0"/>
+          </p:cNvCxnSpPr>
+          <p:nvPr/>
+        </p:nvCxnSpPr>
+        <p:spPr>
+          <a:xfrm rot="16200000" flipH="1" flipV="1">
+            <a:off x="4508448" y="-2099082"/>
+            <a:ext cx="1491571" cy="8033815"/>
+          </a:xfrm>
+          <a:prstGeom prst="bentConnector3">
+            <a:avLst>
+              <a:gd name="adj1" fmla="val -15326"/>
+            </a:avLst>
+          </a:prstGeom>
+          <a:ln w="63500">
+            <a:solidFill>
+              <a:schemeClr val="accent4"/>
+            </a:solidFill>
+            <a:tailEnd type="triangle"/>
+          </a:ln>
+        </p:spPr>
+        <p:style>
+          <a:lnRef idx="1">
+            <a:schemeClr val="accent1"/>
+          </a:lnRef>
+          <a:fillRef idx="0">
+            <a:schemeClr val="accent1"/>
+          </a:fillRef>
+          <a:effectRef idx="0">
+            <a:schemeClr val="accent1"/>
+          </a:effectRef>
+          <a:fontRef idx="minor">
+            <a:schemeClr val="tx1"/>
+          </a:fontRef>
+        </p:style>
+      </p:cxnSp>
+      <p:cxnSp>
+        <p:nvCxnSpPr>
+          <p:cNvPr id="120" name="コネクタ: カギ線 119">
+            <a:extLst>
+              <a:ext uri="{FF2B5EF4-FFF2-40B4-BE49-F238E27FC236}">
+                <a16:creationId xmlns:a16="http://schemas.microsoft.com/office/drawing/2014/main" id="{C20046B8-2951-53BF-332B-0201F514741D}"/>
+              </a:ext>
+            </a:extLst>
+          </p:cNvPr>
+          <p:cNvCxnSpPr>
+            <a:cxnSpLocks/>
+            <a:stCxn id="4" idx="3"/>
+            <a:endCxn id="1093" idx="1"/>
+          </p:cNvCxnSpPr>
+          <p:nvPr/>
+        </p:nvCxnSpPr>
+        <p:spPr>
+          <a:xfrm flipV="1">
+            <a:off x="2218953" y="3186163"/>
+            <a:ext cx="581618" cy="4159"/>
+          </a:xfrm>
+          <a:prstGeom prst="bentConnector3">
+            <a:avLst>
+              <a:gd name="adj1" fmla="val 50000"/>
+            </a:avLst>
+          </a:prstGeom>
+          <a:ln w="63500">
+            <a:solidFill>
+              <a:schemeClr val="accent4"/>
+            </a:solidFill>
+            <a:tailEnd type="triangle"/>
+          </a:ln>
+        </p:spPr>
+        <p:style>
+          <a:lnRef idx="1">
+            <a:schemeClr val="accent1"/>
+          </a:lnRef>
+          <a:fillRef idx="0">
+            <a:schemeClr val="accent1"/>
+          </a:fillRef>
+          <a:effectRef idx="0">
+            <a:schemeClr val="accent1"/>
+          </a:effectRef>
+          <a:fontRef idx="minor">
+            <a:schemeClr val="tx1"/>
+          </a:fontRef>
+        </p:style>
+      </p:cxnSp>
+      <p:grpSp>
+        <p:nvGrpSpPr>
+          <p:cNvPr id="1091" name="グループ化 1090">
+            <a:extLst>
+              <a:ext uri="{FF2B5EF4-FFF2-40B4-BE49-F238E27FC236}">
+                <a16:creationId xmlns:a16="http://schemas.microsoft.com/office/drawing/2014/main" id="{6D80C6E5-7A5C-CCBE-4A66-47D61F171A25}"/>
+              </a:ext>
+            </a:extLst>
+          </p:cNvPr>
+          <p:cNvGrpSpPr/>
+          <p:nvPr/>
+        </p:nvGrpSpPr>
+        <p:grpSpPr>
+          <a:xfrm>
+            <a:off x="7035053" y="1084740"/>
+            <a:ext cx="4465250" cy="1902581"/>
+            <a:chOff x="7365128" y="1067687"/>
+            <a:chExt cx="4465250" cy="1902581"/>
+          </a:xfrm>
+        </p:grpSpPr>
+        <p:grpSp>
+          <p:nvGrpSpPr>
+            <p:cNvPr id="1049" name="グループ化 1048">
+              <a:extLst>
+                <a:ext uri="{FF2B5EF4-FFF2-40B4-BE49-F238E27FC236}">
+                  <a16:creationId xmlns:a16="http://schemas.microsoft.com/office/drawing/2014/main" id="{D90A6B6B-12ED-D073-1919-D2B0329F1321}"/>
+                </a:ext>
+              </a:extLst>
+            </p:cNvPr>
+            <p:cNvGrpSpPr/>
+            <p:nvPr/>
+          </p:nvGrpSpPr>
+          <p:grpSpPr>
+            <a:xfrm>
+              <a:off x="7365128" y="1067687"/>
+              <a:ext cx="4073756" cy="1902581"/>
+              <a:chOff x="7365128" y="1067687"/>
+              <a:chExt cx="4073756" cy="1902581"/>
+            </a:xfrm>
+          </p:grpSpPr>
+          <p:sp>
+            <p:nvSpPr>
+              <p:cNvPr id="37" name="四角形: 角を丸くする 36">
+                <a:extLst>
+                  <a:ext uri="{FF2B5EF4-FFF2-40B4-BE49-F238E27FC236}">
+                    <a16:creationId xmlns:a16="http://schemas.microsoft.com/office/drawing/2014/main" id="{2CFF9414-9DEF-D2A0-4AEB-098830900E6F}"/>
+                  </a:ext>
+                </a:extLst>
+              </p:cNvPr>
+              <p:cNvSpPr/>
+              <p:nvPr/>
+            </p:nvSpPr>
+            <p:spPr>
+              <a:xfrm>
+                <a:off x="7763548" y="1154988"/>
+                <a:ext cx="3675336" cy="1815280"/>
+              </a:xfrm>
+              <a:prstGeom prst="roundRect">
+                <a:avLst>
+                  <a:gd name="adj" fmla="val 19858"/>
+                </a:avLst>
+              </a:prstGeom>
+              <a:noFill/>
+              <a:ln w="63500">
+                <a:solidFill>
+                  <a:schemeClr val="accent4"/>
+                </a:solidFill>
+              </a:ln>
+              <a:effectLst/>
+            </p:spPr>
+            <p:style>
+              <a:lnRef idx="2">
+                <a:schemeClr val="accent3"/>
+              </a:lnRef>
+              <a:fillRef idx="1">
+                <a:schemeClr val="lt1"/>
+              </a:fillRef>
+              <a:effectRef idx="0">
+                <a:schemeClr val="accent3"/>
+              </a:effectRef>
+              <a:fontRef idx="minor">
+                <a:schemeClr val="dk1"/>
+              </a:fontRef>
+            </p:style>
+            <p:txBody>
+              <a:bodyPr rtlCol="0" anchor="ctr"/>
+              <a:lstStyle/>
+              <a:p>
+                <a:pPr algn="ctr">
+                  <a:lnSpc>
+                    <a:spcPct val="130000"/>
+                  </a:lnSpc>
+                  <a:spcAft>
+                    <a:spcPts val="600"/>
+                  </a:spcAft>
+                </a:pPr>
+                <a:endParaRPr kumimoji="1" lang="en-US" altLang="ja-JP" sz="1600" dirty="0">
+                  <a:solidFill>
+                    <a:schemeClr val="tx1"/>
+                  </a:solidFill>
+                  <a:latin typeface="+mn-ea"/>
+                </a:endParaRPr>
+              </a:p>
+              <a:p>
+                <a:pPr algn="ctr">
+                  <a:lnSpc>
+                    <a:spcPct val="130000"/>
+                  </a:lnSpc>
+                  <a:spcAft>
+                    <a:spcPts val="600"/>
+                  </a:spcAft>
+                </a:pPr>
+                <a:endParaRPr kumimoji="1" lang="en-US" altLang="ja-JP" sz="1600" dirty="0">
+                  <a:solidFill>
+                    <a:schemeClr val="tx1"/>
+                  </a:solidFill>
+                  <a:latin typeface="+mn-ea"/>
+                </a:endParaRPr>
+              </a:p>
+              <a:p>
+                <a:pPr algn="ctr">
+                  <a:lnSpc>
+                    <a:spcPct val="130000"/>
+                  </a:lnSpc>
+                  <a:spcAft>
+                    <a:spcPts val="600"/>
+                  </a:spcAft>
+                </a:pPr>
+                <a:r>
+                  <a:rPr kumimoji="1" lang="ja-JP" altLang="en-US" sz="1600" dirty="0">
+                    <a:solidFill>
+                      <a:schemeClr val="tx1"/>
+                    </a:solidFill>
+                    <a:latin typeface="+mn-ea"/>
+                  </a:rPr>
+                  <a:t>エクセルとのデータ連携</a:t>
+                </a:r>
+                <a:endParaRPr kumimoji="1" lang="en-US" altLang="ja-JP" sz="1600" dirty="0">
+                  <a:solidFill>
+                    <a:schemeClr val="tx1"/>
+                  </a:solidFill>
+                  <a:latin typeface="+mn-ea"/>
+                </a:endParaRPr>
+              </a:p>
+              <a:p>
+                <a:pPr algn="ctr">
+                  <a:lnSpc>
+                    <a:spcPct val="130000"/>
+                  </a:lnSpc>
+                  <a:spcAft>
+                    <a:spcPts val="600"/>
+                  </a:spcAft>
+                </a:pPr>
+                <a:r>
+                  <a:rPr kumimoji="1" lang="ja-JP" altLang="en-US" sz="2000" dirty="0">
+                    <a:solidFill>
+                      <a:srgbClr val="FF0000"/>
+                    </a:solidFill>
+                    <a:latin typeface="+mn-ea"/>
+                  </a:rPr>
+                  <a:t>原課業務の</a:t>
+                </a:r>
+                <a:r>
+                  <a:rPr kumimoji="1" lang="en-US" altLang="ja-JP" sz="2000" dirty="0">
+                    <a:solidFill>
+                      <a:srgbClr val="FF0000"/>
+                    </a:solidFill>
+                    <a:latin typeface="+mn-ea"/>
+                  </a:rPr>
+                  <a:t>DX</a:t>
+                </a:r>
+                <a:r>
+                  <a:rPr kumimoji="1" lang="ja-JP" altLang="en-US" sz="2000" dirty="0">
+                    <a:solidFill>
+                      <a:srgbClr val="FF0000"/>
+                    </a:solidFill>
+                    <a:latin typeface="+mn-ea"/>
+                  </a:rPr>
+                  <a:t>推進</a:t>
+                </a:r>
+                <a:endParaRPr kumimoji="1" lang="en-US" altLang="ja-JP" sz="2000" dirty="0">
+                  <a:solidFill>
+                    <a:srgbClr val="FF0000"/>
+                  </a:solidFill>
+                  <a:latin typeface="+mn-ea"/>
+                </a:endParaRPr>
+              </a:p>
+              <a:p>
+                <a:pPr algn="ctr">
+                  <a:lnSpc>
+                    <a:spcPct val="130000"/>
+                  </a:lnSpc>
+                  <a:spcAft>
+                    <a:spcPts val="600"/>
+                  </a:spcAft>
+                </a:pPr>
+                <a:endParaRPr kumimoji="1" lang="en-US" altLang="ja-JP" sz="2000" dirty="0">
+                  <a:solidFill>
+                    <a:srgbClr val="FF0000"/>
+                  </a:solidFill>
+                  <a:latin typeface="+mn-ea"/>
+                </a:endParaRPr>
+              </a:p>
+              <a:p>
+                <a:pPr algn="ctr">
+                  <a:lnSpc>
+                    <a:spcPct val="130000"/>
+                  </a:lnSpc>
+                  <a:spcAft>
+                    <a:spcPts val="600"/>
+                  </a:spcAft>
+                </a:pPr>
+                <a:endParaRPr kumimoji="1" lang="en-US" altLang="ja-JP" sz="2000" dirty="0">
+                  <a:solidFill>
+                    <a:srgbClr val="FF0000"/>
+                  </a:solidFill>
+                  <a:latin typeface="+mn-ea"/>
+                </a:endParaRPr>
+              </a:p>
+              <a:p>
+                <a:pPr algn="ctr">
+                  <a:lnSpc>
+                    <a:spcPct val="130000"/>
+                  </a:lnSpc>
+                  <a:spcAft>
+                    <a:spcPts val="600"/>
+                  </a:spcAft>
+                </a:pPr>
+                <a:endParaRPr kumimoji="1" lang="ja-JP" altLang="en-US" sz="2000" dirty="0">
+                  <a:solidFill>
+                    <a:srgbClr val="FF0000"/>
+                  </a:solidFill>
+                  <a:latin typeface="+mn-ea"/>
+                </a:endParaRPr>
+              </a:p>
+            </p:txBody>
+          </p:sp>
+          <p:pic>
+            <p:nvPicPr>
+              <p:cNvPr id="1026" name="Picture 2" descr="upload.wikimedia.org/wikipedia/commons/c/c2/QGIS_l...">
+                <a:hlinkClick r:id="rId6"/>
+                <a:extLst>
+                  <a:ext uri="{FF2B5EF4-FFF2-40B4-BE49-F238E27FC236}">
+                    <a16:creationId xmlns:a16="http://schemas.microsoft.com/office/drawing/2014/main" id="{791DC3D7-9E03-B02D-4B41-BB32379F9C3F}"/>
+                  </a:ext>
+                </a:extLst>
+              </p:cNvPr>
+              <p:cNvPicPr>
+                <a:picLocks noChangeAspect="1" noChangeArrowheads="1"/>
+              </p:cNvPicPr>
+              <p:nvPr/>
+            </p:nvPicPr>
+            <p:blipFill>
+              <a:blip r:embed="rId7">
+                <a:extLst>
+                  <a:ext uri="{28A0092B-C50C-407E-A947-70E740481C1C}">
+                    <a14:useLocalDpi xmlns:a14="http://schemas.microsoft.com/office/drawing/2010/main" val="0"/>
+                  </a:ext>
+                </a:extLst>
+              </a:blip>
+              <a:stretch>
+                <a:fillRect/>
+              </a:stretch>
+            </p:blipFill>
+            <p:spPr bwMode="auto">
+              <a:xfrm>
+                <a:off x="8676816" y="2211849"/>
+                <a:ext cx="1977956" cy="585705"/>
+              </a:xfrm>
+              <a:prstGeom prst="rect">
+                <a:avLst/>
+              </a:prstGeom>
+              <a:noFill/>
+              <a:extLst>
+                <a:ext uri="{909E8E84-426E-40DD-AFC4-6F175D3DCCD1}">
+                  <a14:hiddenFill xmlns:a14="http://schemas.microsoft.com/office/drawing/2010/main">
+                    <a:solidFill>
+                      <a:srgbClr val="FFFFFF"/>
+                    </a:solidFill>
+                  </a14:hiddenFill>
+                </a:ext>
+              </a:extLst>
+            </p:spPr>
+          </p:pic>
+          <p:sp>
+            <p:nvSpPr>
+              <p:cNvPr id="83" name="四角形: 角を丸くする 82">
+                <a:extLst>
+                  <a:ext uri="{FF2B5EF4-FFF2-40B4-BE49-F238E27FC236}">
+                    <a16:creationId xmlns:a16="http://schemas.microsoft.com/office/drawing/2014/main" id="{EFD6476B-0E18-A9F2-1B3D-81577FFA94DC}"/>
+                  </a:ext>
+                </a:extLst>
+              </p:cNvPr>
+              <p:cNvSpPr/>
+              <p:nvPr/>
+            </p:nvSpPr>
+            <p:spPr>
+              <a:xfrm>
+                <a:off x="7365128" y="1067687"/>
+                <a:ext cx="1136134" cy="296361"/>
+              </a:xfrm>
+              <a:prstGeom prst="roundRect">
+                <a:avLst>
+                  <a:gd name="adj" fmla="val 50000"/>
+                </a:avLst>
+              </a:prstGeom>
+              <a:ln>
+                <a:solidFill>
+                  <a:srgbClr val="00B050"/>
+                </a:solidFill>
+              </a:ln>
               <a:effectLst>
-                <a:outerShdw blurRad="38100" dist="38100" dir="2700000" algn="tl">
-                  <a:srgbClr val="000000">
-                    <a:alpha val="43137"/>
-                  </a:srgbClr>
+                <a:outerShdw blurRad="50800" dist="38100" dir="2700000" algn="tl" rotWithShape="0">
+                  <a:prstClr val="black">
+                    <a:alpha val="40000"/>
+                  </a:prstClr>
                 </a:outerShdw>
               </a:effectLst>
-              <a:latin typeface="+mn-ea"/>
-            </a:endParaRPr>
-          </a:p>
-          <a:p>
-            <a:r>
-              <a:rPr kumimoji="1" lang="en-US" altLang="ja-JP" sz="1400" b="1" dirty="0">
-                <a:solidFill>
-                  <a:schemeClr val="tx1"/>
+            </p:spPr>
+            <p:style>
+              <a:lnRef idx="2">
+                <a:schemeClr val="accent3"/>
+              </a:lnRef>
+              <a:fillRef idx="1">
+                <a:schemeClr val="lt1"/>
+              </a:fillRef>
+              <a:effectRef idx="0">
+                <a:schemeClr val="accent3"/>
+              </a:effectRef>
+              <a:fontRef idx="minor">
+                <a:schemeClr val="dk1"/>
+              </a:fontRef>
+            </p:style>
+            <p:txBody>
+              <a:bodyPr rtlCol="0" anchor="ctr"/>
+              <a:lstStyle/>
+              <a:p>
+                <a:pPr algn="ctr">
+                  <a:lnSpc>
+                    <a:spcPct val="130000"/>
+                  </a:lnSpc>
+                  <a:spcAft>
+                    <a:spcPts val="600"/>
+                  </a:spcAft>
+                </a:pPr>
+                <a:r>
+                  <a:rPr kumimoji="1" lang="ja-JP" altLang="en-US" sz="1200" dirty="0">
+                    <a:solidFill>
+                      <a:srgbClr val="00B050"/>
+                    </a:solidFill>
+                    <a:latin typeface="+mn-ea"/>
+                  </a:rPr>
+                  <a:t>ﾃﾞｽｸﾄｯﾌﾟ</a:t>
+                </a:r>
+              </a:p>
+            </p:txBody>
+          </p:sp>
+        </p:grpSp>
+        <p:sp>
+          <p:nvSpPr>
+            <p:cNvPr id="1089" name="四角形: 角を丸くする 1088">
+              <a:extLst>
+                <a:ext uri="{FF2B5EF4-FFF2-40B4-BE49-F238E27FC236}">
+                  <a16:creationId xmlns:a16="http://schemas.microsoft.com/office/drawing/2014/main" id="{78BAAF12-B4CF-5496-15DF-EB47A5FFED17}"/>
+                </a:ext>
+              </a:extLst>
+            </p:cNvPr>
+            <p:cNvSpPr/>
+            <p:nvPr/>
+          </p:nvSpPr>
+          <p:spPr>
+            <a:xfrm>
+              <a:off x="11046266" y="1476586"/>
+              <a:ext cx="784112" cy="1027680"/>
+            </a:xfrm>
+            <a:prstGeom prst="roundRect">
+              <a:avLst>
+                <a:gd name="adj" fmla="val 24007"/>
+              </a:avLst>
+            </a:prstGeom>
+            <a:ln>
+              <a:solidFill>
+                <a:srgbClr val="00B050"/>
+              </a:solidFill>
+            </a:ln>
+            <a:effectLst>
+              <a:outerShdw blurRad="50800" dist="38100" dir="2700000" algn="tl" rotWithShape="0">
+                <a:prstClr val="black">
+                  <a:alpha val="40000"/>
+                </a:prstClr>
+              </a:outerShdw>
+            </a:effectLst>
+          </p:spPr>
+          <p:style>
+            <a:lnRef idx="2">
+              <a:schemeClr val="accent3"/>
+            </a:lnRef>
+            <a:fillRef idx="1">
+              <a:schemeClr val="lt1"/>
+            </a:fillRef>
+            <a:effectRef idx="0">
+              <a:schemeClr val="accent3"/>
+            </a:effectRef>
+            <a:fontRef idx="minor">
+              <a:schemeClr val="dk1"/>
+            </a:fontRef>
+          </p:style>
+          <p:txBody>
+            <a:bodyPr rtlCol="0" anchor="ctr"/>
+            <a:lstStyle/>
+            <a:p>
+              <a:pPr algn="ctr">
+                <a:lnSpc>
+                  <a:spcPct val="130000"/>
+                </a:lnSpc>
+                <a:spcAft>
+                  <a:spcPts val="600"/>
+                </a:spcAft>
+              </a:pPr>
+              <a:r>
+                <a:rPr kumimoji="1" lang="ja-JP" altLang="en-US" sz="1200" dirty="0">
+                  <a:solidFill>
+                    <a:srgbClr val="00B050"/>
+                  </a:solidFill>
+                  <a:latin typeface="+mn-ea"/>
+                </a:rPr>
+                <a:t>参照</a:t>
+              </a:r>
+              <a:endParaRPr kumimoji="1" lang="en-US" altLang="ja-JP" sz="1200" dirty="0">
+                <a:solidFill>
+                  <a:srgbClr val="00B050"/>
                 </a:solidFill>
                 <a:latin typeface="+mn-ea"/>
-              </a:rPr>
-              <a:t>Integrated Information System</a:t>
-            </a:r>
-          </a:p>
-        </p:txBody>
-      </p:sp>
-      <p:sp>
-        <p:nvSpPr>
-          <p:cNvPr id="1047" name="四角形: 角を丸くする 1046"/>
+              </a:endParaRPr>
+            </a:p>
+            <a:p>
+              <a:pPr algn="ctr">
+                <a:lnSpc>
+                  <a:spcPct val="130000"/>
+                </a:lnSpc>
+                <a:spcAft>
+                  <a:spcPts val="600"/>
+                </a:spcAft>
+              </a:pPr>
+              <a:r>
+                <a:rPr kumimoji="1" lang="ja-JP" altLang="en-US" sz="1200" dirty="0">
+                  <a:solidFill>
+                    <a:srgbClr val="00B050"/>
+                  </a:solidFill>
+                  <a:latin typeface="+mn-ea"/>
+                </a:rPr>
+                <a:t>編集</a:t>
+              </a:r>
+              <a:endParaRPr kumimoji="1" lang="en-US" altLang="ja-JP" sz="1200" dirty="0">
+                <a:solidFill>
+                  <a:srgbClr val="00B050"/>
+                </a:solidFill>
+                <a:latin typeface="+mn-ea"/>
+              </a:endParaRPr>
+            </a:p>
+            <a:p>
+              <a:pPr algn="ctr">
+                <a:lnSpc>
+                  <a:spcPct val="130000"/>
+                </a:lnSpc>
+                <a:spcAft>
+                  <a:spcPts val="600"/>
+                </a:spcAft>
+              </a:pPr>
+              <a:r>
+                <a:rPr kumimoji="1" lang="ja-JP" altLang="en-US" sz="1200" dirty="0">
+                  <a:solidFill>
+                    <a:srgbClr val="00B050"/>
+                  </a:solidFill>
+                  <a:latin typeface="+mn-ea"/>
+                </a:rPr>
+                <a:t>解析</a:t>
+              </a:r>
+            </a:p>
+          </p:txBody>
+        </p:sp>
+      </p:grpSp>
+      <p:sp>
+        <p:nvSpPr>
+          <p:cNvPr id="42" name="四角形: 角を丸くする 41">
+            <a:extLst>
+              <a:ext uri="{FF2B5EF4-FFF2-40B4-BE49-F238E27FC236}">
+                <a16:creationId xmlns:a16="http://schemas.microsoft.com/office/drawing/2014/main" id="{8FB166FA-0047-669A-10DA-FB7D1B6B98D8}"/>
+              </a:ext>
+            </a:extLst>
+          </p:cNvPr>
           <p:cNvSpPr/>
           <p:nvPr/>
         </p:nvSpPr>
         <p:spPr>
           <a:xfrm>
-            <a:off x="7513554" y="2669658"/>
-            <a:ext cx="1488928" cy="1424482"/>
+            <a:off x="3809667" y="713100"/>
+            <a:ext cx="2545809" cy="502767"/>
           </a:xfrm>
           <a:prstGeom prst="roundRect">
             <a:avLst/>
@@ -4929,29 +6772,888 @@
                 <a:spcPts val="600"/>
               </a:spcAft>
             </a:pPr>
-            <a:endParaRPr kumimoji="1" lang="en-US" altLang="ja-JP" sz="1400" dirty="0">
+            <a:r>
+              <a:rPr kumimoji="1" lang="en-US" altLang="ja-JP" sz="1600" b="1" dirty="0">
+                <a:solidFill>
+                  <a:srgbClr val="FF0000"/>
+                </a:solidFill>
+                <a:latin typeface="+mn-ea"/>
+              </a:rPr>
+              <a:t>OPEN</a:t>
+            </a:r>
+            <a:r>
+              <a:rPr kumimoji="1" lang="ja-JP" altLang="en-US" sz="1600" b="1" dirty="0">
+                <a:solidFill>
+                  <a:srgbClr val="FF0000"/>
+                </a:solidFill>
+                <a:latin typeface="+mn-ea"/>
+              </a:rPr>
+              <a:t> </a:t>
+            </a:r>
+            <a:r>
+              <a:rPr kumimoji="1" lang="en-US" altLang="ja-JP" sz="1600" b="1" dirty="0">
+                <a:solidFill>
+                  <a:srgbClr val="FF0000"/>
+                </a:solidFill>
+                <a:latin typeface="+mn-ea"/>
+              </a:rPr>
+              <a:t>DATA </a:t>
+            </a:r>
+            <a:r>
+              <a:rPr kumimoji="1" lang="ja-JP" altLang="en-US" sz="1600" b="1" dirty="0">
+                <a:solidFill>
+                  <a:srgbClr val="FF0000"/>
+                </a:solidFill>
+                <a:latin typeface="+mn-ea"/>
+              </a:rPr>
+              <a:t>の循環</a:t>
+            </a:r>
+            <a:endParaRPr kumimoji="1" lang="en-US" altLang="ja-JP" sz="1600" b="1" dirty="0">
               <a:solidFill>
-                <a:schemeClr val="tx1"/>
+                <a:srgbClr val="FF0000"/>
               </a:solidFill>
               <a:latin typeface="+mn-ea"/>
             </a:endParaRPr>
           </a:p>
-          <a:p>
-            <a:pPr algn="ctr">
-              <a:lnSpc>
-                <a:spcPct val="130000"/>
-              </a:lnSpc>
-              <a:spcAft>
-                <a:spcPts val="600"/>
-              </a:spcAft>
-            </a:pPr>
-            <a:endParaRPr kumimoji="1" lang="en-US" altLang="ja-JP" sz="1400" dirty="0">
+        </p:txBody>
+      </p:sp>
+      <p:grpSp>
+        <p:nvGrpSpPr>
+          <p:cNvPr id="26" name="グループ化 25">
+            <a:extLst>
+              <a:ext uri="{FF2B5EF4-FFF2-40B4-BE49-F238E27FC236}">
+                <a16:creationId xmlns:a16="http://schemas.microsoft.com/office/drawing/2014/main" id="{8F497E5B-11D2-BECA-C1DF-D997523879A7}"/>
+              </a:ext>
+            </a:extLst>
+          </p:cNvPr>
+          <p:cNvGrpSpPr/>
+          <p:nvPr/>
+        </p:nvGrpSpPr>
+        <p:grpSpPr>
+          <a:xfrm>
+            <a:off x="2800571" y="1477712"/>
+            <a:ext cx="3695182" cy="3967512"/>
+            <a:chOff x="3339284" y="1662509"/>
+            <a:chExt cx="3695182" cy="3967512"/>
+          </a:xfrm>
+        </p:grpSpPr>
+        <p:sp>
+          <p:nvSpPr>
+            <p:cNvPr id="5" name="四角形: 角を丸くする 4">
+              <a:extLst>
+                <a:ext uri="{FF2B5EF4-FFF2-40B4-BE49-F238E27FC236}">
+                  <a16:creationId xmlns:a16="http://schemas.microsoft.com/office/drawing/2014/main" id="{1D60C7BA-9B25-E8B1-7DEB-C8FC7ED7D3B9}"/>
+                </a:ext>
+              </a:extLst>
+            </p:cNvPr>
+            <p:cNvSpPr/>
+            <p:nvPr/>
+          </p:nvSpPr>
+          <p:spPr>
+            <a:xfrm>
+              <a:off x="3706749" y="1662509"/>
+              <a:ext cx="2935654" cy="3645915"/>
+            </a:xfrm>
+            <a:prstGeom prst="roundRect">
+              <a:avLst/>
+            </a:prstGeom>
+            <a:solidFill>
+              <a:schemeClr val="bg1"/>
+            </a:solidFill>
+            <a:ln w="19050">
               <a:solidFill>
-                <a:schemeClr val="tx1"/>
+                <a:srgbClr val="FF0000"/>
               </a:solidFill>
-              <a:latin typeface="+mn-ea"/>
-            </a:endParaRPr>
-          </a:p>
+            </a:ln>
+            <a:effectLst>
+              <a:outerShdw blurRad="50800" dist="38100" dir="2700000" algn="tl" rotWithShape="0">
+                <a:prstClr val="black">
+                  <a:alpha val="40000"/>
+                </a:prstClr>
+              </a:outerShdw>
+            </a:effectLst>
+          </p:spPr>
+          <p:style>
+            <a:lnRef idx="2">
+              <a:schemeClr val="accent1">
+                <a:shade val="50000"/>
+              </a:schemeClr>
+            </a:lnRef>
+            <a:fillRef idx="1">
+              <a:schemeClr val="accent1"/>
+            </a:fillRef>
+            <a:effectRef idx="0">
+              <a:schemeClr val="accent1"/>
+            </a:effectRef>
+            <a:fontRef idx="minor">
+              <a:schemeClr val="lt1"/>
+            </a:fontRef>
+          </p:style>
+          <p:txBody>
+            <a:bodyPr rtlCol="0" anchor="t" anchorCtr="0"/>
+            <a:lstStyle/>
+            <a:p>
+              <a:pPr algn="ctr">
+                <a:lnSpc>
+                  <a:spcPct val="130000"/>
+                </a:lnSpc>
+                <a:spcAft>
+                  <a:spcPts val="600"/>
+                </a:spcAft>
+              </a:pPr>
+              <a:r>
+                <a:rPr kumimoji="1" lang="en-US" altLang="ja-JP" sz="1400" b="1" dirty="0">
+                  <a:solidFill>
+                    <a:schemeClr val="tx1"/>
+                  </a:solidFill>
+                  <a:latin typeface="+mn-ea"/>
+                </a:rPr>
+                <a:t>CSV</a:t>
+              </a:r>
+              <a:r>
+                <a:rPr kumimoji="1" lang="ja-JP" altLang="en-US" sz="1400" b="1" dirty="0">
+                  <a:solidFill>
+                    <a:schemeClr val="tx1"/>
+                  </a:solidFill>
+                  <a:latin typeface="+mn-ea"/>
+                </a:rPr>
+                <a:t>：「東京都」も位置情報</a:t>
+              </a:r>
+              <a:endParaRPr kumimoji="1" lang="en-US" altLang="ja-JP" sz="1400" b="1" dirty="0">
+                <a:solidFill>
+                  <a:schemeClr val="tx1"/>
+                </a:solidFill>
+                <a:latin typeface="+mn-ea"/>
+              </a:endParaRPr>
+            </a:p>
+            <a:p>
+              <a:pPr algn="ctr">
+                <a:lnSpc>
+                  <a:spcPct val="130000"/>
+                </a:lnSpc>
+                <a:spcAft>
+                  <a:spcPts val="600"/>
+                </a:spcAft>
+              </a:pPr>
+              <a:r>
+                <a:rPr kumimoji="1" lang="en-US" altLang="ja-JP" sz="1400" b="1" dirty="0">
+                  <a:solidFill>
+                    <a:schemeClr val="tx1"/>
+                  </a:solidFill>
+                  <a:latin typeface="+mn-ea"/>
+                </a:rPr>
+                <a:t>GEOJSON,SHP</a:t>
+              </a:r>
+              <a:r>
+                <a:rPr kumimoji="1" lang="ja-JP" altLang="en-US" sz="1400" b="1" dirty="0">
+                  <a:solidFill>
+                    <a:schemeClr val="tx1"/>
+                  </a:solidFill>
+                  <a:latin typeface="+mn-ea"/>
+                </a:rPr>
+                <a:t>等</a:t>
+              </a:r>
+              <a:endParaRPr kumimoji="1" lang="en-US" altLang="ja-JP" sz="1400" b="1" dirty="0">
+                <a:solidFill>
+                  <a:schemeClr val="tx1"/>
+                </a:solidFill>
+                <a:latin typeface="+mn-ea"/>
+              </a:endParaRPr>
+            </a:p>
+            <a:p>
+              <a:pPr algn="ctr">
+                <a:lnSpc>
+                  <a:spcPct val="130000"/>
+                </a:lnSpc>
+                <a:spcAft>
+                  <a:spcPts val="600"/>
+                </a:spcAft>
+              </a:pPr>
+              <a:endParaRPr kumimoji="1" lang="en-US" altLang="ja-JP" sz="1400" b="1" dirty="0">
+                <a:solidFill>
+                  <a:schemeClr val="tx1"/>
+                </a:solidFill>
+                <a:latin typeface="+mn-ea"/>
+              </a:endParaRPr>
+            </a:p>
+            <a:p>
+              <a:pPr algn="ctr">
+                <a:lnSpc>
+                  <a:spcPct val="130000"/>
+                </a:lnSpc>
+                <a:spcAft>
+                  <a:spcPts val="600"/>
+                </a:spcAft>
+              </a:pPr>
+              <a:endParaRPr kumimoji="1" lang="en-US" altLang="ja-JP" sz="1400" b="1" dirty="0">
+                <a:solidFill>
+                  <a:schemeClr val="tx1"/>
+                </a:solidFill>
+                <a:latin typeface="+mn-ea"/>
+              </a:endParaRPr>
+            </a:p>
+            <a:p>
+              <a:pPr algn="ctr">
+                <a:lnSpc>
+                  <a:spcPct val="130000"/>
+                </a:lnSpc>
+                <a:spcAft>
+                  <a:spcPts val="600"/>
+                </a:spcAft>
+              </a:pPr>
+              <a:endParaRPr kumimoji="1" lang="en-US" altLang="ja-JP" sz="1400" b="1" dirty="0">
+                <a:solidFill>
+                  <a:schemeClr val="tx1"/>
+                </a:solidFill>
+                <a:latin typeface="+mn-ea"/>
+              </a:endParaRPr>
+            </a:p>
+            <a:p>
+              <a:pPr algn="ctr">
+                <a:lnSpc>
+                  <a:spcPct val="130000"/>
+                </a:lnSpc>
+                <a:spcAft>
+                  <a:spcPts val="600"/>
+                </a:spcAft>
+              </a:pPr>
+              <a:endParaRPr kumimoji="1" lang="en-US" altLang="ja-JP" sz="1400" b="1" dirty="0">
+                <a:solidFill>
+                  <a:schemeClr val="tx1"/>
+                </a:solidFill>
+                <a:latin typeface="+mn-ea"/>
+              </a:endParaRPr>
+            </a:p>
+            <a:p>
+              <a:pPr algn="ctr">
+                <a:lnSpc>
+                  <a:spcPct val="130000"/>
+                </a:lnSpc>
+                <a:spcAft>
+                  <a:spcPts val="600"/>
+                </a:spcAft>
+              </a:pPr>
+              <a:endParaRPr kumimoji="1" lang="en-US" altLang="ja-JP" sz="1400" b="1" dirty="0">
+                <a:solidFill>
+                  <a:schemeClr val="tx1"/>
+                </a:solidFill>
+                <a:latin typeface="+mn-ea"/>
+              </a:endParaRPr>
+            </a:p>
+            <a:p>
+              <a:pPr algn="ctr">
+                <a:lnSpc>
+                  <a:spcPct val="130000"/>
+                </a:lnSpc>
+                <a:spcAft>
+                  <a:spcPts val="600"/>
+                </a:spcAft>
+              </a:pPr>
+              <a:endParaRPr kumimoji="1" lang="en-US" altLang="ja-JP" sz="1400" b="1" dirty="0">
+                <a:solidFill>
+                  <a:schemeClr val="tx1"/>
+                </a:solidFill>
+                <a:latin typeface="+mn-ea"/>
+              </a:endParaRPr>
+            </a:p>
+            <a:p>
+              <a:pPr algn="ctr">
+                <a:lnSpc>
+                  <a:spcPct val="130000"/>
+                </a:lnSpc>
+                <a:spcAft>
+                  <a:spcPts val="600"/>
+                </a:spcAft>
+              </a:pPr>
+              <a:endParaRPr kumimoji="1" lang="ja-JP" altLang="en-US" sz="1400" b="1" dirty="0">
+                <a:solidFill>
+                  <a:schemeClr val="tx1"/>
+                </a:solidFill>
+                <a:latin typeface="+mn-ea"/>
+              </a:endParaRPr>
+            </a:p>
+          </p:txBody>
+        </p:sp>
+        <p:grpSp>
+          <p:nvGrpSpPr>
+            <p:cNvPr id="94" name="グループ化 93">
+              <a:extLst>
+                <a:ext uri="{FF2B5EF4-FFF2-40B4-BE49-F238E27FC236}">
+                  <a16:creationId xmlns:a16="http://schemas.microsoft.com/office/drawing/2014/main" id="{1A9C38C2-AD30-ECBC-A63A-581079B411DF}"/>
+                </a:ext>
+              </a:extLst>
+            </p:cNvPr>
+            <p:cNvGrpSpPr/>
+            <p:nvPr/>
+          </p:nvGrpSpPr>
+          <p:grpSpPr>
+            <a:xfrm>
+              <a:off x="4235329" y="4144811"/>
+              <a:ext cx="2001656" cy="1485210"/>
+              <a:chOff x="4609898" y="3537278"/>
+              <a:chExt cx="2001656" cy="1485210"/>
+            </a:xfrm>
+          </p:grpSpPr>
+          <p:pic>
+            <p:nvPicPr>
+              <p:cNvPr id="41" name="図 40">
+                <a:hlinkClick r:id="rId8"/>
+                <a:extLst>
+                  <a:ext uri="{FF2B5EF4-FFF2-40B4-BE49-F238E27FC236}">
+                    <a16:creationId xmlns:a16="http://schemas.microsoft.com/office/drawing/2014/main" id="{F106FAE4-EFB1-A02C-1EB5-0456E6AA7496}"/>
+                  </a:ext>
+                </a:extLst>
+              </p:cNvPr>
+              <p:cNvPicPr>
+                <a:picLocks noChangeAspect="1"/>
+              </p:cNvPicPr>
+              <p:nvPr/>
+            </p:nvPicPr>
+            <p:blipFill>
+              <a:blip r:embed="rId9"/>
+              <a:stretch>
+                <a:fillRect/>
+              </a:stretch>
+            </p:blipFill>
+            <p:spPr>
+              <a:xfrm>
+                <a:off x="4609898" y="3537278"/>
+                <a:ext cx="2001656" cy="915085"/>
+              </a:xfrm>
+              <a:prstGeom prst="rect">
+                <a:avLst/>
+              </a:prstGeom>
+            </p:spPr>
+          </p:pic>
+          <p:sp>
+            <p:nvSpPr>
+              <p:cNvPr id="1067" name="四角形: 角を丸くする 1066">
+                <a:extLst>
+                  <a:ext uri="{FF2B5EF4-FFF2-40B4-BE49-F238E27FC236}">
+                    <a16:creationId xmlns:a16="http://schemas.microsoft.com/office/drawing/2014/main" id="{F92EE4A7-315E-76D7-73C9-C73094398B89}"/>
+                  </a:ext>
+                </a:extLst>
+              </p:cNvPr>
+              <p:cNvSpPr/>
+              <p:nvPr/>
+            </p:nvSpPr>
+            <p:spPr>
+              <a:xfrm>
+                <a:off x="4767688" y="4473730"/>
+                <a:ext cx="1800200" cy="548758"/>
+              </a:xfrm>
+              <a:prstGeom prst="roundRect">
+                <a:avLst>
+                  <a:gd name="adj" fmla="val 50000"/>
+                </a:avLst>
+              </a:prstGeom>
+              <a:ln>
+                <a:solidFill>
+                  <a:srgbClr val="00B050"/>
+                </a:solidFill>
+              </a:ln>
+              <a:effectLst>
+                <a:outerShdw blurRad="50800" dist="38100" dir="2700000" algn="tl" rotWithShape="0">
+                  <a:prstClr val="black">
+                    <a:alpha val="40000"/>
+                  </a:prstClr>
+                </a:outerShdw>
+              </a:effectLst>
+            </p:spPr>
+            <p:style>
+              <a:lnRef idx="2">
+                <a:schemeClr val="accent3"/>
+              </a:lnRef>
+              <a:fillRef idx="1">
+                <a:schemeClr val="lt1"/>
+              </a:fillRef>
+              <a:effectRef idx="0">
+                <a:schemeClr val="accent3"/>
+              </a:effectRef>
+              <a:fontRef idx="minor">
+                <a:schemeClr val="dk1"/>
+              </a:fontRef>
+            </p:style>
+            <p:txBody>
+              <a:bodyPr rtlCol="0" anchor="ctr"/>
+              <a:lstStyle/>
+              <a:p>
+                <a:pPr algn="ctr">
+                  <a:lnSpc>
+                    <a:spcPct val="130000"/>
+                  </a:lnSpc>
+                  <a:spcAft>
+                    <a:spcPts val="600"/>
+                  </a:spcAft>
+                </a:pPr>
+                <a:r>
+                  <a:rPr kumimoji="1" lang="ja-JP" altLang="en-US" sz="1200" dirty="0">
+                    <a:solidFill>
+                      <a:srgbClr val="00B050"/>
+                    </a:solidFill>
+                    <a:latin typeface="+mn-ea"/>
+                  </a:rPr>
+                  <a:t>直接公開</a:t>
+                </a:r>
+                <a:endParaRPr kumimoji="1" lang="en-US" altLang="ja-JP" sz="1200" dirty="0">
+                  <a:solidFill>
+                    <a:srgbClr val="00B050"/>
+                  </a:solidFill>
+                  <a:latin typeface="+mn-ea"/>
+                </a:endParaRPr>
+              </a:p>
+              <a:p>
+                <a:pPr algn="ctr">
+                  <a:lnSpc>
+                    <a:spcPct val="130000"/>
+                  </a:lnSpc>
+                  <a:spcAft>
+                    <a:spcPts val="600"/>
+                  </a:spcAft>
+                </a:pPr>
+                <a:r>
+                  <a:rPr kumimoji="1" lang="en-US" altLang="ja-JP" sz="1200" dirty="0">
+                    <a:solidFill>
+                      <a:srgbClr val="00B050"/>
+                    </a:solidFill>
+                    <a:latin typeface="+mn-ea"/>
+                  </a:rPr>
+                  <a:t>RESTful API</a:t>
+                </a:r>
+                <a:r>
+                  <a:rPr kumimoji="1" lang="ja-JP" altLang="en-US" sz="1200" dirty="0">
+                    <a:solidFill>
+                      <a:srgbClr val="00B050"/>
+                    </a:solidFill>
+                    <a:latin typeface="+mn-ea"/>
+                  </a:rPr>
+                  <a:t>　</a:t>
+                </a:r>
+              </a:p>
+            </p:txBody>
+          </p:sp>
+        </p:grpSp>
+        <p:sp>
+          <p:nvSpPr>
+            <p:cNvPr id="1093" name="四角形: 角を丸くする 1092">
+              <a:extLst>
+                <a:ext uri="{FF2B5EF4-FFF2-40B4-BE49-F238E27FC236}">
+                  <a16:creationId xmlns:a16="http://schemas.microsoft.com/office/drawing/2014/main" id="{5525E5B6-326F-AD24-8F57-84F55D5E125F}"/>
+                </a:ext>
+              </a:extLst>
+            </p:cNvPr>
+            <p:cNvSpPr/>
+            <p:nvPr/>
+          </p:nvSpPr>
+          <p:spPr>
+            <a:xfrm>
+              <a:off x="3339284" y="2721616"/>
+              <a:ext cx="3695182" cy="1298688"/>
+            </a:xfrm>
+            <a:prstGeom prst="roundRect">
+              <a:avLst>
+                <a:gd name="adj" fmla="val 31013"/>
+              </a:avLst>
+            </a:prstGeom>
+            <a:solidFill>
+              <a:schemeClr val="bg1"/>
+            </a:solidFill>
+            <a:ln w="63500">
+              <a:solidFill>
+                <a:schemeClr val="accent4"/>
+              </a:solidFill>
+              <a:tailEnd type="triangle"/>
+            </a:ln>
+          </p:spPr>
+          <p:style>
+            <a:lnRef idx="1">
+              <a:schemeClr val="accent1"/>
+            </a:lnRef>
+            <a:fillRef idx="0">
+              <a:schemeClr val="accent1"/>
+            </a:fillRef>
+            <a:effectRef idx="0">
+              <a:schemeClr val="accent1"/>
+            </a:effectRef>
+            <a:fontRef idx="minor">
+              <a:schemeClr val="tx1"/>
+            </a:fontRef>
+          </p:style>
+          <p:txBody>
+            <a:bodyPr rtlCol="0" anchor="ctr"/>
+            <a:lstStyle/>
+            <a:p>
+              <a:pPr>
+                <a:lnSpc>
+                  <a:spcPct val="130000"/>
+                </a:lnSpc>
+                <a:spcAft>
+                  <a:spcPts val="600"/>
+                </a:spcAft>
+              </a:pPr>
+              <a:r>
+                <a:rPr kumimoji="1" lang="ja-JP" altLang="en-US" sz="1200" b="1" dirty="0">
+                  <a:solidFill>
+                    <a:schemeClr val="tx1"/>
+                  </a:solidFill>
+                  <a:latin typeface="+mn-ea"/>
+                </a:rPr>
+                <a:t>　　</a:t>
+              </a:r>
+              <a:r>
+                <a:rPr kumimoji="1" lang="ja-JP" altLang="en-US" sz="1200" b="1" dirty="0">
+                  <a:solidFill>
+                    <a:srgbClr val="FF0000"/>
+                  </a:solidFill>
+                  <a:latin typeface="+mn-ea"/>
+                </a:rPr>
+                <a:t>情報</a:t>
+              </a:r>
+              <a:r>
+                <a:rPr kumimoji="1" lang="ja-JP" altLang="en-US" sz="1200" b="1" dirty="0">
+                  <a:solidFill>
+                    <a:schemeClr val="tx1"/>
+                  </a:solidFill>
+                  <a:latin typeface="+mn-ea"/>
+                </a:rPr>
+                <a:t>とは</a:t>
+              </a:r>
+              <a:endParaRPr kumimoji="1" lang="en-US" altLang="ja-JP" sz="1200" b="1" dirty="0">
+                <a:solidFill>
+                  <a:schemeClr val="tx1"/>
+                </a:solidFill>
+                <a:latin typeface="+mn-ea"/>
+              </a:endParaRPr>
+            </a:p>
+            <a:p>
+              <a:pPr>
+                <a:lnSpc>
+                  <a:spcPct val="130000"/>
+                </a:lnSpc>
+                <a:spcAft>
+                  <a:spcPts val="600"/>
+                </a:spcAft>
+              </a:pPr>
+              <a:r>
+                <a:rPr kumimoji="1" lang="ja-JP" altLang="en-US" sz="1200" b="1" dirty="0">
+                  <a:solidFill>
+                    <a:schemeClr val="accent4">
+                      <a:lumMod val="50000"/>
+                    </a:schemeClr>
+                  </a:solidFill>
+                  <a:latin typeface="+mn-ea"/>
+                </a:rPr>
+                <a:t>　　　</a:t>
+              </a:r>
+              <a:r>
+                <a:rPr kumimoji="1" lang="ja-JP" altLang="en-US" sz="1200" b="1" dirty="0">
+                  <a:solidFill>
+                    <a:srgbClr val="FF0000"/>
+                  </a:solidFill>
+                  <a:latin typeface="+mn-ea"/>
+                </a:rPr>
+                <a:t>いつ</a:t>
+              </a:r>
+              <a:r>
+                <a:rPr kumimoji="1" lang="ja-JP" altLang="en-US" sz="1200" b="1" dirty="0">
+                  <a:solidFill>
+                    <a:schemeClr val="accent4">
+                      <a:lumMod val="50000"/>
+                    </a:schemeClr>
+                  </a:solidFill>
+                  <a:latin typeface="+mn-ea"/>
+                </a:rPr>
+                <a:t>　　</a:t>
+              </a:r>
+              <a:r>
+                <a:rPr kumimoji="1" lang="ja-JP" altLang="en-US" sz="1200" b="1" dirty="0">
+                  <a:solidFill>
+                    <a:schemeClr val="tx1"/>
+                  </a:solidFill>
+                  <a:latin typeface="+mn-ea"/>
+                </a:rPr>
+                <a:t>とは　</a:t>
+              </a:r>
+              <a:r>
+                <a:rPr kumimoji="1" lang="en-US" altLang="ja-JP" sz="1200" b="1" dirty="0">
+                  <a:solidFill>
+                    <a:schemeClr val="tx1"/>
+                  </a:solidFill>
+                  <a:latin typeface="+mn-ea"/>
+                </a:rPr>
+                <a:t>From</a:t>
+              </a:r>
+              <a:r>
+                <a:rPr kumimoji="1" lang="ja-JP" altLang="en-US" sz="1200" b="1" dirty="0">
+                  <a:solidFill>
+                    <a:schemeClr val="tx1"/>
+                  </a:solidFill>
+                  <a:latin typeface="+mn-ea"/>
+                </a:rPr>
+                <a:t>＿</a:t>
+              </a:r>
+              <a:r>
+                <a:rPr kumimoji="1" lang="en-US" altLang="ja-JP" sz="1200" b="1" dirty="0">
+                  <a:solidFill>
+                    <a:schemeClr val="tx1"/>
+                  </a:solidFill>
+                  <a:latin typeface="+mn-ea"/>
+                </a:rPr>
+                <a:t>To</a:t>
+              </a:r>
+              <a:r>
+                <a:rPr kumimoji="1" lang="ja-JP" altLang="en-US" sz="1200" b="1" dirty="0">
+                  <a:solidFill>
+                    <a:schemeClr val="tx1"/>
+                  </a:solidFill>
+                  <a:latin typeface="+mn-ea"/>
+                </a:rPr>
+                <a:t>　の</a:t>
+              </a:r>
+              <a:r>
+                <a:rPr kumimoji="1" lang="ja-JP" altLang="en-US" sz="1200" b="1" dirty="0">
+                  <a:solidFill>
+                    <a:srgbClr val="FF0000"/>
+                  </a:solidFill>
+                  <a:latin typeface="+mn-ea"/>
+                </a:rPr>
+                <a:t>時間情報</a:t>
+              </a:r>
+              <a:endParaRPr kumimoji="1" lang="en-US" altLang="ja-JP" sz="1200" b="1" dirty="0">
+                <a:solidFill>
+                  <a:srgbClr val="FF0000"/>
+                </a:solidFill>
+                <a:latin typeface="+mn-ea"/>
+              </a:endParaRPr>
+            </a:p>
+            <a:p>
+              <a:pPr>
+                <a:lnSpc>
+                  <a:spcPct val="130000"/>
+                </a:lnSpc>
+                <a:spcAft>
+                  <a:spcPts val="600"/>
+                </a:spcAft>
+              </a:pPr>
+              <a:r>
+                <a:rPr kumimoji="1" lang="ja-JP" altLang="en-US" sz="1200" b="1" dirty="0">
+                  <a:solidFill>
+                    <a:schemeClr val="accent4">
+                      <a:lumMod val="50000"/>
+                    </a:schemeClr>
+                  </a:solidFill>
+                  <a:latin typeface="+mn-ea"/>
+                </a:rPr>
+                <a:t>　　　</a:t>
+              </a:r>
+              <a:r>
+                <a:rPr kumimoji="1" lang="ja-JP" altLang="en-US" sz="1200" b="1" dirty="0">
+                  <a:solidFill>
+                    <a:srgbClr val="FF0000"/>
+                  </a:solidFill>
+                  <a:latin typeface="+mn-ea"/>
+                </a:rPr>
+                <a:t>どこで</a:t>
+              </a:r>
+              <a:r>
+                <a:rPr kumimoji="1" lang="ja-JP" altLang="en-US" sz="1200" b="1" dirty="0">
+                  <a:solidFill>
+                    <a:schemeClr val="accent4">
+                      <a:lumMod val="50000"/>
+                    </a:schemeClr>
+                  </a:solidFill>
+                  <a:latin typeface="+mn-ea"/>
+                </a:rPr>
+                <a:t>　</a:t>
+              </a:r>
+              <a:r>
+                <a:rPr kumimoji="1" lang="ja-JP" altLang="en-US" sz="1200" b="1" dirty="0">
+                  <a:solidFill>
+                    <a:schemeClr val="tx1"/>
+                  </a:solidFill>
+                  <a:latin typeface="+mn-ea"/>
+                </a:rPr>
+                <a:t>とは</a:t>
+              </a:r>
+              <a:r>
+                <a:rPr kumimoji="1" lang="ja-JP" altLang="en-US" sz="1200" b="1" dirty="0">
+                  <a:solidFill>
+                    <a:schemeClr val="accent4">
+                      <a:lumMod val="50000"/>
+                    </a:schemeClr>
+                  </a:solidFill>
+                  <a:latin typeface="+mn-ea"/>
+                </a:rPr>
+                <a:t>　</a:t>
+              </a:r>
+              <a:r>
+                <a:rPr kumimoji="1" lang="ja-JP" altLang="en-US" sz="1200" b="1" dirty="0">
+                  <a:solidFill>
+                    <a:srgbClr val="FF0000"/>
+                  </a:solidFill>
+                  <a:latin typeface="+mn-ea"/>
+                </a:rPr>
+                <a:t>位置情報（２</a:t>
+              </a:r>
+              <a:r>
+                <a:rPr kumimoji="1" lang="en-US" altLang="ja-JP" sz="1200" b="1" dirty="0">
+                  <a:solidFill>
+                    <a:srgbClr val="FF0000"/>
+                  </a:solidFill>
+                  <a:latin typeface="+mn-ea"/>
+                </a:rPr>
+                <a:t>D</a:t>
+              </a:r>
+              <a:r>
+                <a:rPr kumimoji="1" lang="ja-JP" altLang="en-US" sz="1200" b="1" dirty="0">
+                  <a:solidFill>
+                    <a:srgbClr val="FF0000"/>
+                  </a:solidFill>
+                  <a:latin typeface="+mn-ea"/>
+                </a:rPr>
+                <a:t>、３</a:t>
+              </a:r>
+              <a:r>
+                <a:rPr kumimoji="1" lang="en-US" altLang="ja-JP" sz="1200" b="1" dirty="0">
+                  <a:solidFill>
+                    <a:srgbClr val="FF0000"/>
+                  </a:solidFill>
+                  <a:latin typeface="+mn-ea"/>
+                </a:rPr>
+                <a:t>D</a:t>
+              </a:r>
+              <a:r>
+                <a:rPr kumimoji="1" lang="ja-JP" altLang="en-US" sz="1200" b="1" dirty="0">
+                  <a:solidFill>
+                    <a:srgbClr val="FF0000"/>
+                  </a:solidFill>
+                  <a:latin typeface="+mn-ea"/>
+                </a:rPr>
+                <a:t>）</a:t>
+              </a:r>
+              <a:endParaRPr kumimoji="1" lang="en-US" altLang="ja-JP" sz="1200" b="1" dirty="0">
+                <a:solidFill>
+                  <a:srgbClr val="FF0000"/>
+                </a:solidFill>
+                <a:latin typeface="+mn-ea"/>
+              </a:endParaRPr>
+            </a:p>
+            <a:p>
+              <a:pPr>
+                <a:lnSpc>
+                  <a:spcPct val="130000"/>
+                </a:lnSpc>
+                <a:spcAft>
+                  <a:spcPts val="600"/>
+                </a:spcAft>
+              </a:pPr>
+              <a:r>
+                <a:rPr kumimoji="1" lang="ja-JP" altLang="en-US" sz="1200" b="1" dirty="0">
+                  <a:solidFill>
+                    <a:schemeClr val="accent4">
+                      <a:lumMod val="50000"/>
+                    </a:schemeClr>
+                  </a:solidFill>
+                  <a:latin typeface="+mn-ea"/>
+                </a:rPr>
+                <a:t>　　　</a:t>
+              </a:r>
+              <a:r>
+                <a:rPr kumimoji="1" lang="ja-JP" altLang="en-US" sz="1200" b="1" dirty="0">
+                  <a:solidFill>
+                    <a:srgbClr val="FF0000"/>
+                  </a:solidFill>
+                  <a:latin typeface="+mn-ea"/>
+                </a:rPr>
+                <a:t>だれが</a:t>
+              </a:r>
+              <a:r>
+                <a:rPr kumimoji="1" lang="ja-JP" altLang="en-US" sz="1200" b="1" dirty="0">
+                  <a:solidFill>
+                    <a:schemeClr val="accent4">
+                      <a:lumMod val="50000"/>
+                    </a:schemeClr>
+                  </a:solidFill>
+                  <a:latin typeface="+mn-ea"/>
+                </a:rPr>
+                <a:t>　</a:t>
+              </a:r>
+              <a:r>
+                <a:rPr kumimoji="1" lang="ja-JP" altLang="en-US" sz="1200" b="1" dirty="0">
+                  <a:solidFill>
+                    <a:schemeClr val="tx1"/>
+                  </a:solidFill>
+                  <a:latin typeface="+mn-ea"/>
+                </a:rPr>
+                <a:t>とは　その他</a:t>
+              </a:r>
+              <a:r>
+                <a:rPr kumimoji="1" lang="ja-JP" altLang="en-US" sz="1200" b="1" dirty="0">
+                  <a:solidFill>
+                    <a:srgbClr val="FF0000"/>
+                  </a:solidFill>
+                  <a:latin typeface="+mn-ea"/>
+                </a:rPr>
+                <a:t>すべての情報</a:t>
+              </a:r>
+              <a:endParaRPr kumimoji="1" lang="en-US" altLang="ja-JP" sz="1200" b="1" dirty="0">
+                <a:solidFill>
+                  <a:srgbClr val="FF0000"/>
+                </a:solidFill>
+                <a:latin typeface="+mn-ea"/>
+              </a:endParaRPr>
+            </a:p>
+          </p:txBody>
+        </p:sp>
+      </p:grpSp>
+      <p:sp>
+        <p:nvSpPr>
+          <p:cNvPr id="1129" name="四角形: 角を丸くする 1128">
+            <a:extLst>
+              <a:ext uri="{FF2B5EF4-FFF2-40B4-BE49-F238E27FC236}">
+                <a16:creationId xmlns:a16="http://schemas.microsoft.com/office/drawing/2014/main" id="{F10F7A1B-43C4-A3E1-BF5C-C76EE6785D87}"/>
+              </a:ext>
+            </a:extLst>
+          </p:cNvPr>
+          <p:cNvSpPr/>
+          <p:nvPr/>
+        </p:nvSpPr>
+        <p:spPr>
+          <a:xfrm>
+            <a:off x="159049" y="6002849"/>
+            <a:ext cx="9204218" cy="711224"/>
+          </a:xfrm>
+          <a:prstGeom prst="roundRect">
+            <a:avLst>
+              <a:gd name="adj" fmla="val 19858"/>
+            </a:avLst>
+          </a:prstGeom>
+          <a:noFill/>
+          <a:effectLst>
+            <a:outerShdw blurRad="50800" dist="38100" dir="2700000" algn="tl" rotWithShape="0">
+              <a:prstClr val="black">
+                <a:alpha val="40000"/>
+              </a:prstClr>
+            </a:outerShdw>
+          </a:effectLst>
+        </p:spPr>
+        <p:style>
+          <a:lnRef idx="2">
+            <a:schemeClr val="accent3"/>
+          </a:lnRef>
+          <a:fillRef idx="1">
+            <a:schemeClr val="lt1"/>
+          </a:fillRef>
+          <a:effectRef idx="0">
+            <a:schemeClr val="accent3"/>
+          </a:effectRef>
+          <a:fontRef idx="minor">
+            <a:schemeClr val="dk1"/>
+          </a:fontRef>
+        </p:style>
+        <p:txBody>
+          <a:bodyPr rtlCol="0" anchor="ctr"/>
+          <a:lstStyle/>
           <a:p>
             <a:pPr algn="ctr">
               <a:lnSpc>
@@ -4962,136 +7664,816 @@
               </a:spcAft>
             </a:pPr>
             <a:r>
-              <a:rPr kumimoji="1" lang="ja-JP" altLang="en-US" sz="1400" b="1" dirty="0">
-                <a:solidFill>
-                  <a:schemeClr val="tx1"/>
+              <a:rPr kumimoji="1" lang="en-US" altLang="ja-JP" sz="2000" dirty="0">
+                <a:solidFill>
+                  <a:srgbClr val="FF0000"/>
                 </a:solidFill>
                 <a:latin typeface="+mn-ea"/>
               </a:rPr>
-              <a:t>ﾍﾞﾝﾀﾞｰﾛｯｸｲﾝ</a:t>
+              <a:t>WEB</a:t>
             </a:r>
-            <a:endParaRPr kumimoji="1" lang="en-US" altLang="ja-JP" sz="1400" b="1" dirty="0">
+            <a:r>
+              <a:rPr kumimoji="1" lang="ja-JP" altLang="en-US" sz="2000" dirty="0">
+                <a:solidFill>
+                  <a:srgbClr val="FF0000"/>
+                </a:solidFill>
+                <a:latin typeface="+mn-ea"/>
+              </a:rPr>
+              <a:t>ブラウザによる閲覧、組み込み、他のアプリ・</a:t>
+            </a:r>
+            <a:r>
+              <a:rPr kumimoji="1" lang="en-US" altLang="ja-JP" sz="2000" dirty="0">
+                <a:solidFill>
+                  <a:srgbClr val="FF0000"/>
+                </a:solidFill>
+                <a:latin typeface="+mn-ea"/>
+              </a:rPr>
+              <a:t>GIS</a:t>
+            </a:r>
+            <a:r>
+              <a:rPr kumimoji="1" lang="ja-JP" altLang="en-US" sz="2000" dirty="0">
+                <a:solidFill>
+                  <a:srgbClr val="FF0000"/>
+                </a:solidFill>
+                <a:latin typeface="+mn-ea"/>
+              </a:rPr>
+              <a:t>から自由に接続　　</a:t>
+            </a:r>
+            <a:endParaRPr kumimoji="1" lang="en-US" altLang="ja-JP" sz="1600" dirty="0">
               <a:solidFill>
                 <a:schemeClr val="tx1"/>
               </a:solidFill>
               <a:latin typeface="+mn-ea"/>
             </a:endParaRPr>
           </a:p>
-          <a:p>
-            <a:pPr algn="ctr">
-              <a:lnSpc>
-                <a:spcPct val="130000"/>
-              </a:lnSpc>
-              <a:spcAft>
-                <a:spcPts val="600"/>
-              </a:spcAft>
-            </a:pPr>
-            <a:r>
-              <a:rPr kumimoji="1" lang="ja-JP" altLang="en-US" sz="1400" b="1" dirty="0">
-                <a:solidFill>
-                  <a:schemeClr val="tx1"/>
-                </a:solidFill>
-                <a:latin typeface="+mn-ea"/>
-              </a:rPr>
-              <a:t>のない情報</a:t>
-            </a:r>
-          </a:p>
         </p:txBody>
       </p:sp>
-      <p:pic>
-        <p:nvPicPr>
-          <p:cNvPr id="1045" name="Picture 2" descr="Logo"/>
-          <p:cNvPicPr>
-            <a:picLocks noChangeAspect="1" noChangeArrowheads="1"/>
-          </p:cNvPicPr>
-          <p:nvPr/>
-        </p:nvPicPr>
-        <p:blipFill>
-          <a:blip r:embed="rId5">
+      <p:cxnSp>
+        <p:nvCxnSpPr>
+          <p:cNvPr id="1130" name="コネクタ: カギ線 1129">
             <a:extLst>
-              <a:ext uri="{28A0092B-C50C-407E-A947-70E740481C1C}">
-                <a14:useLocalDpi xmlns:a14="http://schemas.microsoft.com/office/drawing/2010/main" val="0"/>
+              <a:ext uri="{FF2B5EF4-FFF2-40B4-BE49-F238E27FC236}">
+                <a16:creationId xmlns:a16="http://schemas.microsoft.com/office/drawing/2014/main" id="{3AA0540F-03D2-E525-CD86-499E558E2D1E}"/>
               </a:ext>
             </a:extLst>
-          </a:blip>
-          <a:srcRect/>
-          <a:stretch>
-            <a:fillRect/>
-          </a:stretch>
-        </p:blipFill>
-        <p:spPr bwMode="auto">
-          <a:xfrm>
-            <a:off x="7719305" y="2767912"/>
-            <a:ext cx="463154" cy="511399"/>
+          </p:cNvPr>
+          <p:cNvCxnSpPr>
+            <a:cxnSpLocks/>
+            <a:stCxn id="1067" idx="2"/>
+            <a:endCxn id="1129" idx="0"/>
+          </p:cNvCxnSpPr>
+          <p:nvPr/>
+        </p:nvCxnSpPr>
+        <p:spPr>
+          <a:xfrm rot="16200000" flipH="1">
+            <a:off x="4479020" y="5720710"/>
+            <a:ext cx="557625" cy="6652"/>
           </a:xfrm>
-          <a:prstGeom prst="rect">
-            <a:avLst/>
+          <a:prstGeom prst="bentConnector3">
+            <a:avLst>
+              <a:gd name="adj1" fmla="val 50000"/>
+            </a:avLst>
           </a:prstGeom>
-          <a:noFill/>
-          <a:extLst>
-            <a:ext uri="{909E8E84-426E-40DD-AFC4-6F175D3DCCD1}">
-              <a14:hiddenFill xmlns:a14="http://schemas.microsoft.com/office/drawing/2010/main">
-                <a:solidFill>
-                  <a:srgbClr val="FFFFFF"/>
-                </a:solidFill>
-              </a14:hiddenFill>
-            </a:ext>
-          </a:extLst>
+          <a:ln w="38100">
+            <a:tailEnd type="triangle"/>
+          </a:ln>
         </p:spPr>
-      </p:pic>
-      <p:pic>
-        <p:nvPicPr>
-          <p:cNvPr id="1046" name="Picture 4" descr="Open Geospatial Consortiumの画像"/>
-          <p:cNvPicPr>
-            <a:picLocks noChangeAspect="1" noChangeArrowheads="1"/>
-          </p:cNvPicPr>
-          <p:nvPr/>
-        </p:nvPicPr>
-        <p:blipFill>
-          <a:blip r:embed="rId6" cstate="print">
+        <p:style>
+          <a:lnRef idx="1">
+            <a:schemeClr val="accent1"/>
+          </a:lnRef>
+          <a:fillRef idx="0">
+            <a:schemeClr val="accent1"/>
+          </a:fillRef>
+          <a:effectRef idx="0">
+            <a:schemeClr val="accent1"/>
+          </a:effectRef>
+          <a:fontRef idx="minor">
+            <a:schemeClr val="tx1"/>
+          </a:fontRef>
+        </p:style>
+      </p:cxnSp>
+      <p:cxnSp>
+        <p:nvCxnSpPr>
+          <p:cNvPr id="1135" name="コネクタ: カギ線 1134">
             <a:extLst>
-              <a:ext uri="{28A0092B-C50C-407E-A947-70E740481C1C}">
-                <a14:useLocalDpi xmlns:a14="http://schemas.microsoft.com/office/drawing/2010/main" val="0"/>
+              <a:ext uri="{FF2B5EF4-FFF2-40B4-BE49-F238E27FC236}">
+                <a16:creationId xmlns:a16="http://schemas.microsoft.com/office/drawing/2014/main" id="{80FC4A85-D573-5482-629F-A37BE2D3CA58}"/>
               </a:ext>
             </a:extLst>
-          </a:blip>
-          <a:srcRect/>
-          <a:stretch>
-            <a:fillRect/>
-          </a:stretch>
-        </p:blipFill>
-        <p:spPr bwMode="auto">
+          </p:cNvPr>
+          <p:cNvCxnSpPr>
+            <a:cxnSpLocks/>
+            <a:stCxn id="1057" idx="2"/>
+            <a:endCxn id="1129" idx="0"/>
+          </p:cNvCxnSpPr>
+          <p:nvPr/>
+        </p:nvCxnSpPr>
+        <p:spPr>
+          <a:xfrm rot="5400000">
+            <a:off x="6455078" y="3937373"/>
+            <a:ext cx="371556" cy="3759396"/>
+          </a:xfrm>
+          <a:prstGeom prst="bentConnector3">
+            <a:avLst>
+              <a:gd name="adj1" fmla="val 50000"/>
+            </a:avLst>
+          </a:prstGeom>
+          <a:ln w="38100">
+            <a:tailEnd type="triangle"/>
+          </a:ln>
+        </p:spPr>
+        <p:style>
+          <a:lnRef idx="1">
+            <a:schemeClr val="accent1"/>
+          </a:lnRef>
+          <a:fillRef idx="0">
+            <a:schemeClr val="accent1"/>
+          </a:fillRef>
+          <a:effectRef idx="0">
+            <a:schemeClr val="accent1"/>
+          </a:effectRef>
+          <a:fontRef idx="minor">
+            <a:schemeClr val="tx1"/>
+          </a:fontRef>
+        </p:style>
+      </p:cxnSp>
+      <p:cxnSp>
+        <p:nvCxnSpPr>
+          <p:cNvPr id="61" name="コネクタ: カギ線 60">
+            <a:extLst>
+              <a:ext uri="{FF2B5EF4-FFF2-40B4-BE49-F238E27FC236}">
+                <a16:creationId xmlns:a16="http://schemas.microsoft.com/office/drawing/2014/main" id="{178F8526-5BDD-EEED-EB57-45CFA4DDD216}"/>
+              </a:ext>
+            </a:extLst>
+          </p:cNvPr>
+          <p:cNvCxnSpPr>
+            <a:cxnSpLocks/>
+            <a:stCxn id="1093" idx="3"/>
+            <a:endCxn id="37" idx="1"/>
+          </p:cNvCxnSpPr>
+          <p:nvPr/>
+        </p:nvCxnSpPr>
+        <p:spPr>
+          <a:xfrm flipV="1">
+            <a:off x="6495753" y="2079681"/>
+            <a:ext cx="937720" cy="1106482"/>
+          </a:xfrm>
+          <a:prstGeom prst="bentConnector3">
+            <a:avLst>
+              <a:gd name="adj1" fmla="val 50000"/>
+            </a:avLst>
+          </a:prstGeom>
+          <a:ln w="63500">
+            <a:solidFill>
+              <a:srgbClr val="FF0000"/>
+            </a:solidFill>
+            <a:headEnd type="triangle"/>
+            <a:tailEnd type="triangle"/>
+          </a:ln>
+        </p:spPr>
+        <p:style>
+          <a:lnRef idx="1">
+            <a:schemeClr val="accent1"/>
+          </a:lnRef>
+          <a:fillRef idx="0">
+            <a:schemeClr val="accent1"/>
+          </a:fillRef>
+          <a:effectRef idx="0">
+            <a:schemeClr val="accent1"/>
+          </a:effectRef>
+          <a:fontRef idx="minor">
+            <a:schemeClr val="tx1"/>
+          </a:fontRef>
+        </p:style>
+      </p:cxnSp>
+      <p:grpSp>
+        <p:nvGrpSpPr>
+          <p:cNvPr id="16" name="グループ化 15">
+            <a:extLst>
+              <a:ext uri="{FF2B5EF4-FFF2-40B4-BE49-F238E27FC236}">
+                <a16:creationId xmlns:a16="http://schemas.microsoft.com/office/drawing/2014/main" id="{580AA816-E004-70B3-1D01-35122AC4DF44}"/>
+              </a:ext>
+            </a:extLst>
+          </p:cNvPr>
+          <p:cNvGrpSpPr/>
+          <p:nvPr/>
+        </p:nvGrpSpPr>
+        <p:grpSpPr>
           <a:xfrm>
-            <a:off x="8342730" y="2797691"/>
-            <a:ext cx="498837" cy="498837"/>
+            <a:off x="6456060" y="3451885"/>
+            <a:ext cx="4288165" cy="2179408"/>
+            <a:chOff x="7532181" y="3219046"/>
+            <a:chExt cx="4288165" cy="2179408"/>
           </a:xfrm>
-          <a:prstGeom prst="rect">
-            <a:avLst/>
-          </a:prstGeom>
-          <a:noFill/>
-          <a:extLst>
-            <a:ext uri="{909E8E84-426E-40DD-AFC4-6F175D3DCCD1}">
-              <a14:hiddenFill xmlns:a14="http://schemas.microsoft.com/office/drawing/2010/main">
-                <a:solidFill>
-                  <a:srgbClr val="FFFFFF"/>
-                </a:solidFill>
-              </a14:hiddenFill>
-            </a:ext>
-          </a:extLst>
-        </p:spPr>
-      </p:pic>
-      <p:sp>
-        <p:nvSpPr>
-          <p:cNvPr id="1049" name="四角形: 角を丸くする 1048"/>
+        </p:grpSpPr>
+        <p:grpSp>
+          <p:nvGrpSpPr>
+            <p:cNvPr id="1059" name="グループ化 1058">
+              <a:extLst>
+                <a:ext uri="{FF2B5EF4-FFF2-40B4-BE49-F238E27FC236}">
+                  <a16:creationId xmlns:a16="http://schemas.microsoft.com/office/drawing/2014/main" id="{D1D7E7B8-0EB6-64D4-CA0F-E42445354EC0}"/>
+                </a:ext>
+              </a:extLst>
+            </p:cNvPr>
+            <p:cNvGrpSpPr/>
+            <p:nvPr/>
+          </p:nvGrpSpPr>
+          <p:grpSpPr>
+            <a:xfrm>
+              <a:off x="7532181" y="3466761"/>
+              <a:ext cx="3902162" cy="1931693"/>
+              <a:chOff x="7543072" y="4200585"/>
+              <a:chExt cx="3902162" cy="1931693"/>
+            </a:xfrm>
+          </p:grpSpPr>
+          <p:sp>
+            <p:nvSpPr>
+              <p:cNvPr id="1057" name="四角形: 角を丸くする 1056">
+                <a:extLst>
+                  <a:ext uri="{FF2B5EF4-FFF2-40B4-BE49-F238E27FC236}">
+                    <a16:creationId xmlns:a16="http://schemas.microsoft.com/office/drawing/2014/main" id="{56B4E50A-EBCF-19D1-6AD6-8FCEFCCDF011}"/>
+                  </a:ext>
+                </a:extLst>
+              </p:cNvPr>
+              <p:cNvSpPr/>
+              <p:nvPr/>
+            </p:nvSpPr>
+            <p:spPr>
+              <a:xfrm>
+                <a:off x="7769898" y="4354085"/>
+                <a:ext cx="3675336" cy="1778193"/>
+              </a:xfrm>
+              <a:prstGeom prst="roundRect">
+                <a:avLst>
+                  <a:gd name="adj" fmla="val 19858"/>
+                </a:avLst>
+              </a:prstGeom>
+              <a:noFill/>
+              <a:effectLst>
+                <a:outerShdw blurRad="50800" dist="38100" dir="2700000" algn="tl" rotWithShape="0">
+                  <a:prstClr val="black">
+                    <a:alpha val="40000"/>
+                  </a:prstClr>
+                </a:outerShdw>
+              </a:effectLst>
+            </p:spPr>
+            <p:style>
+              <a:lnRef idx="2">
+                <a:schemeClr val="accent3"/>
+              </a:lnRef>
+              <a:fillRef idx="1">
+                <a:schemeClr val="lt1"/>
+              </a:fillRef>
+              <a:effectRef idx="0">
+                <a:schemeClr val="accent3"/>
+              </a:effectRef>
+              <a:fontRef idx="minor">
+                <a:schemeClr val="dk1"/>
+              </a:fontRef>
+            </p:style>
+            <p:txBody>
+              <a:bodyPr rtlCol="0" anchor="ctr"/>
+              <a:lstStyle/>
+              <a:p>
+                <a:pPr algn="ctr">
+                  <a:lnSpc>
+                    <a:spcPct val="130000"/>
+                  </a:lnSpc>
+                  <a:spcAft>
+                    <a:spcPts val="600"/>
+                  </a:spcAft>
+                </a:pPr>
+                <a:endParaRPr kumimoji="1" lang="en-US" altLang="ja-JP" sz="1600" dirty="0">
+                  <a:solidFill>
+                    <a:schemeClr val="tx1"/>
+                  </a:solidFill>
+                  <a:latin typeface="+mn-ea"/>
+                </a:endParaRPr>
+              </a:p>
+              <a:p>
+                <a:pPr algn="ctr">
+                  <a:lnSpc>
+                    <a:spcPct val="130000"/>
+                  </a:lnSpc>
+                  <a:spcAft>
+                    <a:spcPts val="600"/>
+                  </a:spcAft>
+                </a:pPr>
+                <a:endParaRPr kumimoji="1" lang="en-US" altLang="ja-JP" sz="1600" dirty="0">
+                  <a:solidFill>
+                    <a:schemeClr val="tx1"/>
+                  </a:solidFill>
+                  <a:latin typeface="+mn-ea"/>
+                </a:endParaRPr>
+              </a:p>
+              <a:p>
+                <a:pPr algn="ctr">
+                  <a:lnSpc>
+                    <a:spcPct val="130000"/>
+                  </a:lnSpc>
+                  <a:spcAft>
+                    <a:spcPts val="600"/>
+                  </a:spcAft>
+                </a:pPr>
+                <a:endParaRPr kumimoji="1" lang="en-US" altLang="ja-JP" sz="1600" dirty="0">
+                  <a:solidFill>
+                    <a:schemeClr val="tx1"/>
+                  </a:solidFill>
+                  <a:latin typeface="+mn-ea"/>
+                </a:endParaRPr>
+              </a:p>
+              <a:p>
+                <a:pPr algn="ctr">
+                  <a:lnSpc>
+                    <a:spcPct val="130000"/>
+                  </a:lnSpc>
+                  <a:spcAft>
+                    <a:spcPts val="600"/>
+                  </a:spcAft>
+                </a:pPr>
+                <a:endParaRPr kumimoji="1" lang="en-US" altLang="ja-JP" sz="1600" dirty="0">
+                  <a:solidFill>
+                    <a:schemeClr val="tx1"/>
+                  </a:solidFill>
+                  <a:latin typeface="+mn-ea"/>
+                </a:endParaRPr>
+              </a:p>
+              <a:p>
+                <a:pPr algn="ctr">
+                  <a:lnSpc>
+                    <a:spcPct val="130000"/>
+                  </a:lnSpc>
+                  <a:spcAft>
+                    <a:spcPts val="600"/>
+                  </a:spcAft>
+                </a:pPr>
+                <a:endParaRPr kumimoji="1" lang="en-US" altLang="ja-JP" sz="1600" dirty="0">
+                  <a:solidFill>
+                    <a:schemeClr val="tx1"/>
+                  </a:solidFill>
+                  <a:latin typeface="+mn-ea"/>
+                </a:endParaRPr>
+              </a:p>
+              <a:p>
+                <a:pPr algn="ctr">
+                  <a:lnSpc>
+                    <a:spcPct val="130000"/>
+                  </a:lnSpc>
+                  <a:spcAft>
+                    <a:spcPts val="600"/>
+                  </a:spcAft>
+                </a:pPr>
+                <a:endParaRPr kumimoji="1" lang="en-US" altLang="ja-JP" sz="1600" dirty="0">
+                  <a:solidFill>
+                    <a:schemeClr val="tx1"/>
+                  </a:solidFill>
+                  <a:latin typeface="+mn-ea"/>
+                </a:endParaRPr>
+              </a:p>
+              <a:p>
+                <a:pPr algn="ctr">
+                  <a:lnSpc>
+                    <a:spcPct val="130000"/>
+                  </a:lnSpc>
+                  <a:spcAft>
+                    <a:spcPts val="600"/>
+                  </a:spcAft>
+                </a:pPr>
+                <a:endParaRPr kumimoji="1" lang="en-US" altLang="ja-JP" sz="1600" dirty="0">
+                  <a:solidFill>
+                    <a:schemeClr val="tx1"/>
+                  </a:solidFill>
+                  <a:latin typeface="+mn-ea"/>
+                </a:endParaRPr>
+              </a:p>
+              <a:p>
+                <a:pPr algn="ctr">
+                  <a:lnSpc>
+                    <a:spcPct val="130000"/>
+                  </a:lnSpc>
+                  <a:spcAft>
+                    <a:spcPts val="600"/>
+                  </a:spcAft>
+                </a:pPr>
+                <a:r>
+                  <a:rPr kumimoji="1" lang="ja-JP" altLang="en-US" sz="1600" dirty="0">
+                    <a:solidFill>
+                      <a:schemeClr val="tx1"/>
+                    </a:solidFill>
+                    <a:latin typeface="+mn-ea"/>
+                  </a:rPr>
+                  <a:t>ﾍﾞﾝﾀﾞｰﾛｯｸｲﾝのないデータ配信</a:t>
+                </a:r>
+                <a:endParaRPr kumimoji="1" lang="en-US" altLang="ja-JP" sz="1600" dirty="0">
+                  <a:solidFill>
+                    <a:srgbClr val="FF0000"/>
+                  </a:solidFill>
+                  <a:latin typeface="+mn-ea"/>
+                </a:endParaRPr>
+              </a:p>
+              <a:p>
+                <a:pPr algn="ctr">
+                  <a:lnSpc>
+                    <a:spcPct val="130000"/>
+                  </a:lnSpc>
+                  <a:spcAft>
+                    <a:spcPts val="600"/>
+                  </a:spcAft>
+                </a:pPr>
+                <a:endParaRPr kumimoji="1" lang="en-US" altLang="ja-JP" sz="2000" dirty="0">
+                  <a:solidFill>
+                    <a:srgbClr val="FF0000"/>
+                  </a:solidFill>
+                  <a:latin typeface="+mn-ea"/>
+                </a:endParaRPr>
+              </a:p>
+              <a:p>
+                <a:pPr algn="ctr">
+                  <a:lnSpc>
+                    <a:spcPct val="130000"/>
+                  </a:lnSpc>
+                  <a:spcAft>
+                    <a:spcPts val="600"/>
+                  </a:spcAft>
+                </a:pPr>
+                <a:endParaRPr kumimoji="1" lang="en-US" altLang="ja-JP" sz="2000" dirty="0">
+                  <a:solidFill>
+                    <a:srgbClr val="FF0000"/>
+                  </a:solidFill>
+                  <a:latin typeface="+mn-ea"/>
+                </a:endParaRPr>
+              </a:p>
+              <a:p>
+                <a:pPr algn="ctr">
+                  <a:lnSpc>
+                    <a:spcPct val="130000"/>
+                  </a:lnSpc>
+                  <a:spcAft>
+                    <a:spcPts val="600"/>
+                  </a:spcAft>
+                </a:pPr>
+                <a:endParaRPr kumimoji="1" lang="ja-JP" altLang="en-US" sz="2000" dirty="0">
+                  <a:solidFill>
+                    <a:srgbClr val="FF0000"/>
+                  </a:solidFill>
+                  <a:latin typeface="+mn-ea"/>
+                </a:endParaRPr>
+              </a:p>
+            </p:txBody>
+          </p:sp>
+          <p:pic>
+            <p:nvPicPr>
+              <p:cNvPr id="1033" name="Picture 2" descr="Logo">
+                <a:extLst>
+                  <a:ext uri="{FF2B5EF4-FFF2-40B4-BE49-F238E27FC236}">
+                    <a16:creationId xmlns:a16="http://schemas.microsoft.com/office/drawing/2014/main" id="{6DEBBE6E-59A6-BA06-0B25-3B8CCCF2EAEA}"/>
+                  </a:ext>
+                </a:extLst>
+              </p:cNvPr>
+              <p:cNvPicPr>
+                <a:picLocks noChangeAspect="1" noChangeArrowheads="1"/>
+              </p:cNvPicPr>
+              <p:nvPr/>
+            </p:nvPicPr>
+            <p:blipFill>
+              <a:blip r:embed="rId10">
+                <a:extLst>
+                  <a:ext uri="{28A0092B-C50C-407E-A947-70E740481C1C}">
+                    <a14:useLocalDpi xmlns:a14="http://schemas.microsoft.com/office/drawing/2010/main" val="0"/>
+                  </a:ext>
+                </a:extLst>
+              </a:blip>
+              <a:srcRect/>
+              <a:stretch>
+                <a:fillRect/>
+              </a:stretch>
+            </p:blipFill>
+            <p:spPr bwMode="auto">
+              <a:xfrm>
+                <a:off x="9445933" y="4951765"/>
+                <a:ext cx="509387" cy="615114"/>
+              </a:xfrm>
+              <a:prstGeom prst="rect">
+                <a:avLst/>
+              </a:prstGeom>
+              <a:noFill/>
+              <a:extLst>
+                <a:ext uri="{909E8E84-426E-40DD-AFC4-6F175D3DCCD1}">
+                  <a14:hiddenFill xmlns:a14="http://schemas.microsoft.com/office/drawing/2010/main">
+                    <a:solidFill>
+                      <a:srgbClr val="FFFFFF"/>
+                    </a:solidFill>
+                  </a14:hiddenFill>
+                </a:ext>
+              </a:extLst>
+            </p:spPr>
+          </p:pic>
+          <p:pic>
+            <p:nvPicPr>
+              <p:cNvPr id="1034" name="Picture 4" descr="Open Geospatial Consortiumの画像">
+                <a:extLst>
+                  <a:ext uri="{FF2B5EF4-FFF2-40B4-BE49-F238E27FC236}">
+                    <a16:creationId xmlns:a16="http://schemas.microsoft.com/office/drawing/2014/main" id="{50924894-A478-DFFF-A3AF-5A3EA76310D3}"/>
+                  </a:ext>
+                </a:extLst>
+              </p:cNvPr>
+              <p:cNvPicPr>
+                <a:picLocks noChangeAspect="1" noChangeArrowheads="1"/>
+              </p:cNvPicPr>
+              <p:nvPr/>
+            </p:nvPicPr>
+            <p:blipFill>
+              <a:blip r:embed="rId11" cstate="print">
+                <a:extLst>
+                  <a:ext uri="{28A0092B-C50C-407E-A947-70E740481C1C}">
+                    <a14:useLocalDpi xmlns:a14="http://schemas.microsoft.com/office/drawing/2010/main" val="0"/>
+                  </a:ext>
+                </a:extLst>
+              </a:blip>
+              <a:srcRect/>
+              <a:stretch>
+                <a:fillRect/>
+              </a:stretch>
+            </p:blipFill>
+            <p:spPr bwMode="auto">
+              <a:xfrm>
+                <a:off x="10450279" y="5053948"/>
+                <a:ext cx="473915" cy="518291"/>
+              </a:xfrm>
+              <a:prstGeom prst="rect">
+                <a:avLst/>
+              </a:prstGeom>
+              <a:noFill/>
+              <a:extLst>
+                <a:ext uri="{909E8E84-426E-40DD-AFC4-6F175D3DCCD1}">
+                  <a14:hiddenFill xmlns:a14="http://schemas.microsoft.com/office/drawing/2010/main">
+                    <a:solidFill>
+                      <a:srgbClr val="FFFFFF"/>
+                    </a:solidFill>
+                  </a14:hiddenFill>
+                </a:ext>
+              </a:extLst>
+            </p:spPr>
+          </p:pic>
+          <p:pic>
+            <p:nvPicPr>
+              <p:cNvPr id="69" name="図 68">
+                <a:hlinkClick r:id="rId12"/>
+                <a:extLst>
+                  <a:ext uri="{FF2B5EF4-FFF2-40B4-BE49-F238E27FC236}">
+                    <a16:creationId xmlns:a16="http://schemas.microsoft.com/office/drawing/2014/main" id="{754B37AC-0373-C082-5E3C-1406BAA22960}"/>
+                  </a:ext>
+                </a:extLst>
+              </p:cNvPr>
+              <p:cNvPicPr>
+                <a:picLocks noChangeAspect="1"/>
+              </p:cNvPicPr>
+              <p:nvPr/>
+            </p:nvPicPr>
+            <p:blipFill>
+              <a:blip r:embed="rId13" cstate="print">
+                <a:extLst>
+                  <a:ext uri="{28A0092B-C50C-407E-A947-70E740481C1C}">
+                    <a14:useLocalDpi xmlns:a14="http://schemas.microsoft.com/office/drawing/2010/main" val="0"/>
+                  </a:ext>
+                </a:extLst>
+              </a:blip>
+              <a:stretch>
+                <a:fillRect/>
+              </a:stretch>
+            </p:blipFill>
+            <p:spPr>
+              <a:xfrm>
+                <a:off x="7920627" y="4608513"/>
+                <a:ext cx="1058889" cy="1058889"/>
+              </a:xfrm>
+              <a:prstGeom prst="rect">
+                <a:avLst/>
+              </a:prstGeom>
+            </p:spPr>
+          </p:pic>
+          <p:sp>
+            <p:nvSpPr>
+              <p:cNvPr id="1058" name="四角形: 角を丸くする 1057">
+                <a:extLst>
+                  <a:ext uri="{FF2B5EF4-FFF2-40B4-BE49-F238E27FC236}">
+                    <a16:creationId xmlns:a16="http://schemas.microsoft.com/office/drawing/2014/main" id="{446EC388-0ACD-62FC-8E15-A81D01C941AC}"/>
+                  </a:ext>
+                </a:extLst>
+              </p:cNvPr>
+              <p:cNvSpPr/>
+              <p:nvPr/>
+            </p:nvSpPr>
+            <p:spPr>
+              <a:xfrm>
+                <a:off x="7543072" y="4200585"/>
+                <a:ext cx="1136134" cy="294706"/>
+              </a:xfrm>
+              <a:prstGeom prst="roundRect">
+                <a:avLst>
+                  <a:gd name="adj" fmla="val 50000"/>
+                </a:avLst>
+              </a:prstGeom>
+              <a:ln>
+                <a:solidFill>
+                  <a:srgbClr val="00B050"/>
+                </a:solidFill>
+              </a:ln>
+              <a:effectLst>
+                <a:outerShdw blurRad="50800" dist="38100" dir="2700000" algn="tl" rotWithShape="0">
+                  <a:prstClr val="black">
+                    <a:alpha val="40000"/>
+                  </a:prstClr>
+                </a:outerShdw>
+              </a:effectLst>
+            </p:spPr>
+            <p:style>
+              <a:lnRef idx="2">
+                <a:schemeClr val="accent3"/>
+              </a:lnRef>
+              <a:fillRef idx="1">
+                <a:schemeClr val="lt1"/>
+              </a:fillRef>
+              <a:effectRef idx="0">
+                <a:schemeClr val="accent3"/>
+              </a:effectRef>
+              <a:fontRef idx="minor">
+                <a:schemeClr val="dk1"/>
+              </a:fontRef>
+            </p:style>
+            <p:txBody>
+              <a:bodyPr rtlCol="0" anchor="ctr"/>
+              <a:lstStyle/>
+              <a:p>
+                <a:pPr algn="ctr">
+                  <a:lnSpc>
+                    <a:spcPct val="130000"/>
+                  </a:lnSpc>
+                  <a:spcAft>
+                    <a:spcPts val="600"/>
+                  </a:spcAft>
+                </a:pPr>
+                <a:r>
+                  <a:rPr kumimoji="1" lang="ja-JP" altLang="en-US" sz="1200" dirty="0">
+                    <a:solidFill>
+                      <a:srgbClr val="00B050"/>
+                    </a:solidFill>
+                    <a:latin typeface="+mn-ea"/>
+                  </a:rPr>
+                  <a:t>ＷＥＢ</a:t>
+                </a:r>
+              </a:p>
+            </p:txBody>
+          </p:sp>
+        </p:grpSp>
+        <p:sp>
+          <p:nvSpPr>
+            <p:cNvPr id="15" name="四角形: 角を丸くする 14">
+              <a:extLst>
+                <a:ext uri="{FF2B5EF4-FFF2-40B4-BE49-F238E27FC236}">
+                  <a16:creationId xmlns:a16="http://schemas.microsoft.com/office/drawing/2014/main" id="{E3EB199F-659F-6F8A-928E-E24D1FE5BC7E}"/>
+                </a:ext>
+              </a:extLst>
+            </p:cNvPr>
+            <p:cNvSpPr/>
+            <p:nvPr/>
+          </p:nvSpPr>
+          <p:spPr>
+            <a:xfrm>
+              <a:off x="8885109" y="3219046"/>
+              <a:ext cx="2935237" cy="864567"/>
+            </a:xfrm>
+            <a:prstGeom prst="roundRect">
+              <a:avLst/>
+            </a:prstGeom>
+            <a:solidFill>
+              <a:schemeClr val="bg1"/>
+            </a:solidFill>
+            <a:ln w="63500">
+              <a:solidFill>
+                <a:srgbClr val="FF0000"/>
+              </a:solidFill>
+            </a:ln>
+            <a:effectLst/>
+          </p:spPr>
+          <p:style>
+            <a:lnRef idx="2">
+              <a:schemeClr val="accent1">
+                <a:shade val="50000"/>
+              </a:schemeClr>
+            </a:lnRef>
+            <a:fillRef idx="1">
+              <a:schemeClr val="accent1"/>
+            </a:fillRef>
+            <a:effectRef idx="0">
+              <a:schemeClr val="accent1"/>
+            </a:effectRef>
+            <a:fontRef idx="minor">
+              <a:schemeClr val="lt1"/>
+            </a:fontRef>
+          </p:style>
+          <p:txBody>
+            <a:bodyPr rtlCol="0" anchor="ctr"/>
+            <a:lstStyle/>
+            <a:p>
+              <a:pPr algn="ctr">
+                <a:lnSpc>
+                  <a:spcPct val="130000"/>
+                </a:lnSpc>
+                <a:spcAft>
+                  <a:spcPts val="600"/>
+                </a:spcAft>
+              </a:pPr>
+              <a:r>
+                <a:rPr kumimoji="1" lang="en-US" altLang="ja-JP" sz="1600" b="1" dirty="0">
+                  <a:solidFill>
+                    <a:srgbClr val="FF0000"/>
+                  </a:solidFill>
+                  <a:latin typeface="+mn-ea"/>
+                </a:rPr>
+                <a:t>OPEN</a:t>
+              </a:r>
+              <a:r>
+                <a:rPr kumimoji="1" lang="ja-JP" altLang="en-US" sz="1600" b="1" dirty="0">
+                  <a:solidFill>
+                    <a:srgbClr val="FF0000"/>
+                  </a:solidFill>
+                  <a:latin typeface="+mn-ea"/>
+                </a:rPr>
+                <a:t> </a:t>
+              </a:r>
+              <a:r>
+                <a:rPr kumimoji="1" lang="en-US" altLang="ja-JP" sz="1600" b="1" dirty="0">
+                  <a:solidFill>
+                    <a:srgbClr val="FF0000"/>
+                  </a:solidFill>
+                  <a:latin typeface="+mn-ea"/>
+                </a:rPr>
+                <a:t>DATA</a:t>
+              </a:r>
+              <a:r>
+                <a:rPr kumimoji="1" lang="ja-JP" altLang="en-US" sz="1600" b="1" dirty="0">
+                  <a:solidFill>
+                    <a:srgbClr val="FF0000"/>
+                  </a:solidFill>
+                  <a:latin typeface="+mn-ea"/>
+                </a:rPr>
+                <a:t>として公開</a:t>
+              </a:r>
+              <a:endParaRPr kumimoji="1" lang="en-US" altLang="ja-JP" sz="1600" b="1" dirty="0">
+                <a:solidFill>
+                  <a:srgbClr val="FF0000"/>
+                </a:solidFill>
+                <a:latin typeface="+mn-ea"/>
+              </a:endParaRPr>
+            </a:p>
+            <a:p>
+              <a:pPr algn="ctr">
+                <a:lnSpc>
+                  <a:spcPct val="130000"/>
+                </a:lnSpc>
+                <a:spcAft>
+                  <a:spcPts val="600"/>
+                </a:spcAft>
+              </a:pPr>
+              <a:r>
+                <a:rPr kumimoji="1" lang="ja-JP" altLang="en-US" sz="2000" b="1" dirty="0">
+                  <a:solidFill>
+                    <a:srgbClr val="FF0000"/>
+                  </a:solidFill>
+                  <a:latin typeface="+mn-ea"/>
+                </a:rPr>
+                <a:t>問い合わせ削減</a:t>
+              </a:r>
+              <a:endParaRPr kumimoji="1" lang="en-US" altLang="ja-JP" sz="2000" b="1" dirty="0">
+                <a:solidFill>
+                  <a:srgbClr val="FF0000"/>
+                </a:solidFill>
+                <a:latin typeface="+mn-ea"/>
+              </a:endParaRPr>
+            </a:p>
+          </p:txBody>
+        </p:sp>
+      </p:grpSp>
+      <p:sp>
+        <p:nvSpPr>
+          <p:cNvPr id="34" name="矢印: 二方向 33">
+            <a:extLst>
+              <a:ext uri="{FF2B5EF4-FFF2-40B4-BE49-F238E27FC236}">
+                <a16:creationId xmlns:a16="http://schemas.microsoft.com/office/drawing/2014/main" id="{10A3DEE7-5F82-7F52-B745-D5780AE189EA}"/>
+              </a:ext>
+            </a:extLst>
+          </p:cNvPr>
           <p:cNvSpPr/>
           <p:nvPr/>
         </p:nvSpPr>
         <p:spPr>
-          <a:xfrm>
-            <a:off x="982123" y="1072604"/>
-            <a:ext cx="3382966" cy="1004126"/>
+          <a:xfrm rot="5400000">
+            <a:off x="1865906" y="3014185"/>
+            <a:ext cx="745089" cy="2474664"/>
           </a:xfrm>
-          <a:prstGeom prst="roundRect">
+          <a:prstGeom prst="leftUpArrow">
             <a:avLst/>
           </a:prstGeom>
           <a:solidFill>
@@ -5127,297 +8509,10 @@
           </a:fontRef>
         </p:style>
         <p:txBody>
-          <a:bodyPr rtlCol="0" anchor="ctr"/>
+          <a:bodyPr rtlCol="0" anchor="t" anchorCtr="0"/>
           <a:lstStyle/>
           <a:p>
-            <a:pPr>
-              <a:lnSpc>
-                <a:spcPct val="130000"/>
-              </a:lnSpc>
-              <a:spcAft>
-                <a:spcPts val="600"/>
-              </a:spcAft>
-            </a:pPr>
-            <a:r>
-              <a:rPr kumimoji="1" lang="ja-JP" altLang="en-US" sz="1400" b="1" dirty="0">
-                <a:solidFill>
-                  <a:srgbClr val="FF0000"/>
-                </a:solidFill>
-                <a:latin typeface="+mn-ea"/>
-              </a:rPr>
-              <a:t>特別なソフト</a:t>
-            </a:r>
-            <a:r>
-              <a:rPr kumimoji="1" lang="en-US" altLang="ja-JP" sz="1400" b="1" dirty="0">
-                <a:solidFill>
-                  <a:srgbClr val="FF0000"/>
-                </a:solidFill>
-                <a:latin typeface="+mn-ea"/>
-              </a:rPr>
-              <a:t>GIS</a:t>
-            </a:r>
-            <a:r>
-              <a:rPr kumimoji="1" lang="ja-JP" altLang="en-US" sz="1400" b="1" dirty="0">
-                <a:solidFill>
-                  <a:srgbClr val="FF0000"/>
-                </a:solidFill>
-                <a:latin typeface="+mn-ea"/>
-              </a:rPr>
-              <a:t>のからの脱却</a:t>
-            </a:r>
-            <a:endParaRPr kumimoji="1" lang="en-US" altLang="ja-JP" sz="1400" b="1" dirty="0">
-              <a:solidFill>
-                <a:srgbClr val="FF0000"/>
-              </a:solidFill>
-              <a:latin typeface="+mn-ea"/>
-            </a:endParaRPr>
-          </a:p>
-          <a:p>
-            <a:pPr>
-              <a:lnSpc>
-                <a:spcPct val="130000"/>
-              </a:lnSpc>
-              <a:spcAft>
-                <a:spcPts val="600"/>
-              </a:spcAft>
-            </a:pPr>
-            <a:r>
-              <a:rPr kumimoji="1" lang="ja-JP" altLang="en-US" sz="1400" dirty="0">
-                <a:solidFill>
-                  <a:schemeClr val="tx1"/>
-                </a:solidFill>
-                <a:latin typeface="+mn-ea"/>
-              </a:rPr>
-              <a:t>　　　</a:t>
-            </a:r>
-            <a:r>
-              <a:rPr kumimoji="1" lang="en-US" altLang="ja-JP" sz="1400" b="1" dirty="0">
-                <a:solidFill>
-                  <a:srgbClr val="0000FF"/>
-                </a:solidFill>
-                <a:latin typeface="+mn-ea"/>
-              </a:rPr>
-              <a:t>DX</a:t>
-            </a:r>
-            <a:r>
-              <a:rPr kumimoji="1" lang="ja-JP" altLang="en-US" sz="1400" b="1" dirty="0">
-                <a:solidFill>
-                  <a:srgbClr val="0000FF"/>
-                </a:solidFill>
-                <a:latin typeface="+mn-ea"/>
-              </a:rPr>
-              <a:t>・</a:t>
-            </a:r>
-            <a:r>
-              <a:rPr kumimoji="1" lang="en-US" altLang="ja-JP" sz="1400" b="1" dirty="0">
-                <a:solidFill>
-                  <a:srgbClr val="0000FF"/>
-                </a:solidFill>
-                <a:latin typeface="+mn-ea"/>
-              </a:rPr>
-              <a:t>BPR</a:t>
-            </a:r>
-            <a:r>
-              <a:rPr kumimoji="1" lang="ja-JP" altLang="en-US" sz="1400" b="1" dirty="0">
-                <a:solidFill>
-                  <a:srgbClr val="0000FF"/>
-                </a:solidFill>
-                <a:latin typeface="+mn-ea"/>
-              </a:rPr>
-              <a:t>への利用促進</a:t>
-            </a:r>
-            <a:endParaRPr kumimoji="1" lang="en-US" altLang="ja-JP" sz="1400" b="1" dirty="0">
-              <a:solidFill>
-                <a:srgbClr val="0000FF"/>
-              </a:solidFill>
-              <a:latin typeface="+mn-ea"/>
-            </a:endParaRPr>
-          </a:p>
-          <a:p>
-            <a:pPr>
-              <a:lnSpc>
-                <a:spcPct val="130000"/>
-              </a:lnSpc>
-              <a:spcAft>
-                <a:spcPts val="600"/>
-              </a:spcAft>
-            </a:pPr>
-            <a:r>
-              <a:rPr kumimoji="1" lang="ja-JP" altLang="en-US" sz="1400" b="1" dirty="0">
-                <a:solidFill>
-                  <a:srgbClr val="0000FF"/>
-                </a:solidFill>
-                <a:latin typeface="+mn-ea"/>
-              </a:rPr>
-              <a:t>　</a:t>
-            </a:r>
-            <a:r>
-              <a:rPr kumimoji="1" lang="ja-JP" altLang="en-US" sz="1400" b="1" dirty="0">
-                <a:solidFill>
-                  <a:schemeClr val="tx1"/>
-                </a:solidFill>
-                <a:latin typeface="+mn-ea"/>
-              </a:rPr>
-              <a:t>　　汎用機能強化</a:t>
-            </a:r>
-          </a:p>
-        </p:txBody>
-      </p:sp>
-      <p:sp>
-        <p:nvSpPr>
-          <p:cNvPr id="4" name="矢印: 左右 3"/>
-          <p:cNvSpPr/>
-          <p:nvPr/>
-        </p:nvSpPr>
-        <p:spPr>
-          <a:xfrm>
-            <a:off x="2607951" y="2974322"/>
-            <a:ext cx="652428" cy="364974"/>
-          </a:xfrm>
-          <a:prstGeom prst="leftRightArrow">
-            <a:avLst/>
-          </a:prstGeom>
-          <a:solidFill>
-            <a:schemeClr val="bg1"/>
-          </a:solidFill>
-          <a:ln w="19050">
-            <a:solidFill>
-              <a:srgbClr val="FF0000"/>
-            </a:solidFill>
-          </a:ln>
-          <a:effectLst>
-            <a:outerShdw blurRad="50800" dist="38100" dir="2700000" algn="tl" rotWithShape="0">
-              <a:prstClr val="black">
-                <a:alpha val="40000"/>
-              </a:prstClr>
-            </a:outerShdw>
-          </a:effectLst>
-        </p:spPr>
-        <p:style>
-          <a:lnRef idx="2">
-            <a:schemeClr val="accent1">
-              <a:shade val="50000"/>
-            </a:schemeClr>
-          </a:lnRef>
-          <a:fillRef idx="1">
-            <a:schemeClr val="accent1"/>
-          </a:fillRef>
-          <a:effectRef idx="0">
-            <a:schemeClr val="accent1"/>
-          </a:effectRef>
-          <a:fontRef idx="minor">
-            <a:schemeClr val="lt1"/>
-          </a:fontRef>
-        </p:style>
-        <p:txBody>
-          <a:bodyPr rtlCol="0" anchor="ctr"/>
-          <a:lstStyle/>
-          <a:p>
-            <a:pPr>
-              <a:lnSpc>
-                <a:spcPct val="130000"/>
-              </a:lnSpc>
-              <a:spcAft>
-                <a:spcPts val="600"/>
-              </a:spcAft>
-            </a:pPr>
-            <a:endParaRPr kumimoji="1" lang="ja-JP" altLang="en-US" sz="1400" b="1" dirty="0">
-              <a:solidFill>
-                <a:srgbClr val="FF0000"/>
-              </a:solidFill>
-              <a:latin typeface="+mn-ea"/>
-            </a:endParaRPr>
-          </a:p>
-        </p:txBody>
-      </p:sp>
-      <p:sp>
-        <p:nvSpPr>
-          <p:cNvPr id="19" name="四角形: 角を丸くする 18"/>
-          <p:cNvSpPr/>
-          <p:nvPr/>
-        </p:nvSpPr>
-        <p:spPr>
-          <a:xfrm>
-            <a:off x="8828041" y="3711202"/>
-            <a:ext cx="2115055" cy="942389"/>
-          </a:xfrm>
-          <a:prstGeom prst="roundRect">
-            <a:avLst/>
-          </a:prstGeom>
-          <a:solidFill>
-            <a:schemeClr val="bg1"/>
-          </a:solidFill>
-          <a:ln w="19050">
-            <a:solidFill>
-              <a:srgbClr val="FF0000"/>
-            </a:solidFill>
-          </a:ln>
-          <a:effectLst>
-            <a:outerShdw blurRad="50800" dist="38100" dir="2700000" algn="tl" rotWithShape="0">
-              <a:prstClr val="black">
-                <a:alpha val="40000"/>
-              </a:prstClr>
-            </a:outerShdw>
-          </a:effectLst>
-        </p:spPr>
-        <p:style>
-          <a:lnRef idx="2">
-            <a:schemeClr val="accent1">
-              <a:shade val="50000"/>
-            </a:schemeClr>
-          </a:lnRef>
-          <a:fillRef idx="1">
-            <a:schemeClr val="accent1"/>
-          </a:fillRef>
-          <a:effectRef idx="0">
-            <a:schemeClr val="accent1"/>
-          </a:effectRef>
-          <a:fontRef idx="minor">
-            <a:schemeClr val="lt1"/>
-          </a:fontRef>
-        </p:style>
-        <p:txBody>
-          <a:bodyPr rtlCol="0" anchor="ctr"/>
-          <a:lstStyle/>
-          <a:p>
-            <a:pPr>
-              <a:lnSpc>
-                <a:spcPct val="130000"/>
-              </a:lnSpc>
-              <a:spcAft>
-                <a:spcPts val="600"/>
-              </a:spcAft>
-            </a:pPr>
-            <a:r>
-              <a:rPr kumimoji="1" lang="en-US" altLang="ja-JP" sz="1400" b="1" dirty="0">
-                <a:solidFill>
-                  <a:schemeClr val="tx1"/>
-                </a:solidFill>
-                <a:latin typeface="+mn-ea"/>
-              </a:rPr>
-              <a:t>OPEN</a:t>
-            </a:r>
-            <a:r>
-              <a:rPr kumimoji="1" lang="ja-JP" altLang="en-US" sz="1400" b="1" dirty="0">
-                <a:solidFill>
-                  <a:schemeClr val="tx1"/>
-                </a:solidFill>
-                <a:latin typeface="+mn-ea"/>
-              </a:rPr>
-              <a:t> </a:t>
-            </a:r>
-            <a:r>
-              <a:rPr kumimoji="1" lang="en-US" altLang="ja-JP" sz="1400" b="1" dirty="0">
-                <a:solidFill>
-                  <a:schemeClr val="tx1"/>
-                </a:solidFill>
-                <a:latin typeface="+mn-ea"/>
-              </a:rPr>
-              <a:t>DATA </a:t>
-            </a:r>
-          </a:p>
-          <a:p>
-            <a:pPr>
+            <a:pPr algn="ctr">
               <a:lnSpc>
                 <a:spcPct val="130000"/>
               </a:lnSpc>
@@ -5434,129 +8529,34 @@
           </a:p>
         </p:txBody>
       </p:sp>
-      <p:pic>
-        <p:nvPicPr>
-          <p:cNvPr id="30" name="Picture 10"/>
-          <p:cNvPicPr>
-            <a:picLocks noChangeAspect="1" noChangeArrowheads="1"/>
-          </p:cNvPicPr>
-          <p:nvPr/>
-        </p:nvPicPr>
-        <p:blipFill>
-          <a:blip r:embed="rId7">
+      <p:sp>
+        <p:nvSpPr>
+          <p:cNvPr id="35" name="四角形: 角を丸くする 34">
             <a:extLst>
-              <a:ext uri="{28A0092B-C50C-407E-A947-70E740481C1C}">
-                <a14:useLocalDpi xmlns:a14="http://schemas.microsoft.com/office/drawing/2010/main" val="0"/>
+              <a:ext uri="{FF2B5EF4-FFF2-40B4-BE49-F238E27FC236}">
+                <a16:creationId xmlns:a16="http://schemas.microsoft.com/office/drawing/2014/main" id="{772993F2-B08D-8300-9B77-B61D89732B38}"/>
               </a:ext>
             </a:extLst>
-          </a:blip>
-          <a:srcRect/>
-          <a:stretch>
-            <a:fillRect/>
-          </a:stretch>
-        </p:blipFill>
-        <p:spPr bwMode="auto">
-          <a:xfrm>
-            <a:off x="10146674" y="3892972"/>
-            <a:ext cx="563306" cy="563306"/>
-          </a:xfrm>
-          <a:prstGeom prst="rect">
-            <a:avLst/>
-          </a:prstGeom>
-          <a:noFill/>
-          <a:extLst>
-            <a:ext uri="{909E8E84-426E-40DD-AFC4-6F175D3DCCD1}">
-              <a14:hiddenFill xmlns:a14="http://schemas.microsoft.com/office/drawing/2010/main">
-                <a:solidFill>
-                  <a:srgbClr val="FFFFFF"/>
-                </a:solidFill>
-              </a14:hiddenFill>
-            </a:ext>
-          </a:extLst>
-        </p:spPr>
-      </p:pic>
-      <p:sp>
-        <p:nvSpPr>
-          <p:cNvPr id="36" name="四角形: 角を丸くする 35"/>
+          </p:cNvPr>
           <p:cNvSpPr/>
           <p:nvPr/>
         </p:nvSpPr>
         <p:spPr>
           <a:xfrm>
-            <a:off x="6734269" y="2255867"/>
-            <a:ext cx="2067887" cy="327310"/>
+            <a:off x="1690575" y="4118057"/>
+            <a:ext cx="1068004" cy="619676"/>
           </a:xfrm>
           <a:prstGeom prst="roundRect">
             <a:avLst>
-              <a:gd name="adj" fmla="val 50000"/>
+              <a:gd name="adj" fmla="val 19858"/>
             </a:avLst>
           </a:prstGeom>
           <a:solidFill>
-            <a:schemeClr val="bg1"/>
+            <a:srgbClr val="FFFF00"/>
           </a:solidFill>
-          <a:ln w="28575">
+          <a:ln w="25400">
             <a:solidFill>
               <a:srgbClr val="FF0000"/>
-            </a:solidFill>
-          </a:ln>
-          <a:effectLst/>
-        </p:spPr>
-        <p:style>
-          <a:lnRef idx="2">
-            <a:schemeClr val="accent1">
-              <a:shade val="50000"/>
-            </a:schemeClr>
-          </a:lnRef>
-          <a:fillRef idx="1">
-            <a:schemeClr val="accent1"/>
-          </a:fillRef>
-          <a:effectRef idx="0">
-            <a:schemeClr val="accent1"/>
-          </a:effectRef>
-          <a:fontRef idx="minor">
-            <a:schemeClr val="lt1"/>
-          </a:fontRef>
-        </p:style>
-        <p:txBody>
-          <a:bodyPr rtlCol="0" anchor="t"/>
-          <a:lstStyle/>
-          <a:p>
-            <a:pPr algn="ctr">
-              <a:spcAft>
-                <a:spcPts val="600"/>
-              </a:spcAft>
-            </a:pPr>
-            <a:r>
-              <a:rPr kumimoji="1" lang="ja-JP" altLang="en-US" sz="1100" b="1" dirty="0">
-                <a:solidFill>
-                  <a:srgbClr val="FF0000"/>
-                </a:solidFill>
-                <a:latin typeface="+mn-ea"/>
-              </a:rPr>
-              <a:t>注意：同時編集できない</a:t>
-            </a:r>
-          </a:p>
-        </p:txBody>
-      </p:sp>
-      <p:sp>
-        <p:nvSpPr>
-          <p:cNvPr id="37" name="四角形: 角を丸くする 36"/>
-          <p:cNvSpPr/>
-          <p:nvPr/>
-        </p:nvSpPr>
-        <p:spPr>
-          <a:xfrm>
-            <a:off x="6553048" y="1239810"/>
-            <a:ext cx="1001128" cy="296361"/>
-          </a:xfrm>
-          <a:prstGeom prst="roundRect">
-            <a:avLst>
-              <a:gd name="adj" fmla="val 50000"/>
-            </a:avLst>
-          </a:prstGeom>
-          <a:ln>
-            <a:solidFill>
-              <a:srgbClr val="00B050"/>
             </a:solidFill>
           </a:ln>
           <a:effectLst>
@@ -5594,223 +8594,24 @@
               </a:spcAft>
             </a:pPr>
             <a:r>
-              <a:rPr kumimoji="1" lang="ja-JP" altLang="en-US" sz="1200">
-                <a:solidFill>
-                  <a:srgbClr val="00B050"/>
+              <a:rPr kumimoji="1" lang="ja-JP" altLang="en-US" sz="2800" dirty="0">
+                <a:solidFill>
+                  <a:schemeClr val="tx1"/>
                 </a:solidFill>
                 <a:latin typeface="+mn-ea"/>
               </a:rPr>
-              <a:t>ﾃﾞｽｸﾄｯﾌﾟ</a:t>
+              <a:t>連携　</a:t>
             </a:r>
-            <a:endParaRPr kumimoji="1" lang="ja-JP" altLang="en-US" sz="1200" dirty="0">
-              <a:solidFill>
-                <a:srgbClr val="00B050"/>
-              </a:solidFill>
-              <a:latin typeface="+mn-ea"/>
-            </a:endParaRPr>
-          </a:p>
-        </p:txBody>
-      </p:sp>
-      <p:sp>
-        <p:nvSpPr>
-          <p:cNvPr id="38" name="四角形: 角を丸くする 37"/>
-          <p:cNvSpPr/>
-          <p:nvPr/>
-        </p:nvSpPr>
-        <p:spPr>
-          <a:xfrm>
-            <a:off x="9120218" y="4160001"/>
-            <a:ext cx="740588" cy="296361"/>
-          </a:xfrm>
-          <a:prstGeom prst="roundRect">
-            <a:avLst>
-              <a:gd name="adj" fmla="val 50000"/>
-            </a:avLst>
-          </a:prstGeom>
-          <a:ln>
-            <a:solidFill>
-              <a:srgbClr val="00B050"/>
-            </a:solidFill>
-          </a:ln>
-          <a:effectLst>
-            <a:outerShdw blurRad="50800" dist="38100" dir="2700000" algn="tl" rotWithShape="0">
-              <a:prstClr val="black">
-                <a:alpha val="40000"/>
-              </a:prstClr>
-            </a:outerShdw>
-          </a:effectLst>
-        </p:spPr>
-        <p:style>
-          <a:lnRef idx="2">
-            <a:schemeClr val="accent3"/>
-          </a:lnRef>
-          <a:fillRef idx="1">
-            <a:schemeClr val="lt1"/>
-          </a:fillRef>
-          <a:effectRef idx="0">
-            <a:schemeClr val="accent3"/>
-          </a:effectRef>
-          <a:fontRef idx="minor">
-            <a:schemeClr val="dk1"/>
-          </a:fontRef>
-        </p:style>
-        <p:txBody>
-          <a:bodyPr rtlCol="0" anchor="ctr"/>
-          <a:lstStyle/>
-          <a:p>
-            <a:pPr algn="ctr">
-              <a:lnSpc>
-                <a:spcPct val="130000"/>
-              </a:lnSpc>
-              <a:spcAft>
-                <a:spcPts val="600"/>
-              </a:spcAft>
-            </a:pPr>
             <a:r>
-              <a:rPr kumimoji="1" lang="ja-JP" altLang="en-US" sz="1200" dirty="0">
-                <a:solidFill>
-                  <a:srgbClr val="00B050"/>
+              <a:rPr kumimoji="1" lang="ja-JP" altLang="en-US" sz="2800" b="1" dirty="0">
+                <a:solidFill>
+                  <a:srgbClr val="FF0000"/>
                 </a:solidFill>
                 <a:latin typeface="+mn-ea"/>
               </a:rPr>
-              <a:t>ＷＥＢ</a:t>
+              <a:t>　</a:t>
             </a:r>
-          </a:p>
-        </p:txBody>
-      </p:sp>
-      <p:sp>
-        <p:nvSpPr>
-          <p:cNvPr id="9" name="四角形: 角を丸くする 8">
-            <a:extLst>
-              <a:ext uri="{FF2B5EF4-FFF2-40B4-BE49-F238E27FC236}">
-                <a16:creationId xmlns:a16="http://schemas.microsoft.com/office/drawing/2014/main" id="{A644D123-FEBE-99B7-3BAF-7FD11D364713}"/>
-              </a:ext>
-            </a:extLst>
-          </p:cNvPr>
-          <p:cNvSpPr/>
-          <p:nvPr/>
-        </p:nvSpPr>
-        <p:spPr>
-          <a:xfrm>
-            <a:off x="1199456" y="5900021"/>
-            <a:ext cx="9793088" cy="635043"/>
-          </a:xfrm>
-          <a:prstGeom prst="roundRect">
-            <a:avLst>
-              <a:gd name="adj" fmla="val 50000"/>
-            </a:avLst>
-          </a:prstGeom>
-          <a:solidFill>
-            <a:schemeClr val="tx2">
-              <a:lumMod val="60000"/>
-              <a:lumOff val="40000"/>
-            </a:schemeClr>
-          </a:solidFill>
-          <a:ln>
-            <a:noFill/>
-          </a:ln>
-          <a:effectLst/>
-        </p:spPr>
-        <p:style>
-          <a:lnRef idx="2">
-            <a:schemeClr val="accent1">
-              <a:shade val="50000"/>
-            </a:schemeClr>
-          </a:lnRef>
-          <a:fillRef idx="1">
-            <a:schemeClr val="accent1"/>
-          </a:fillRef>
-          <a:effectRef idx="0">
-            <a:schemeClr val="accent1"/>
-          </a:effectRef>
-          <a:fontRef idx="minor">
-            <a:schemeClr val="lt1"/>
-          </a:fontRef>
-        </p:style>
-        <p:txBody>
-          <a:bodyPr rtlCol="0" anchor="ctr"/>
-          <a:lstStyle/>
-          <a:p>
-            <a:pPr algn="ctr">
-              <a:lnSpc>
-                <a:spcPct val="130000"/>
-              </a:lnSpc>
-              <a:spcAft>
-                <a:spcPts val="600"/>
-              </a:spcAft>
-            </a:pPr>
-            <a:r>
-              <a:rPr kumimoji="1" lang="ja-JP" altLang="en-US" sz="2400" dirty="0">
-                <a:solidFill>
-                  <a:schemeClr val="bg1"/>
-                </a:solidFill>
-                <a:latin typeface="+mn-ea"/>
-              </a:rPr>
-              <a:t>ベンダーロック解除 　　　　　　　必要に応じてオープンデータ化</a:t>
-            </a:r>
-            <a:endParaRPr kumimoji="1" lang="en-US" altLang="ja-JP" sz="2400" b="1" dirty="0">
-              <a:solidFill>
-                <a:srgbClr val="FF0000"/>
-              </a:solidFill>
-              <a:latin typeface="+mn-ea"/>
-            </a:endParaRPr>
-          </a:p>
-        </p:txBody>
-      </p:sp>
-      <p:sp>
-        <p:nvSpPr>
-          <p:cNvPr id="10" name="矢印: 右 9">
-            <a:extLst>
-              <a:ext uri="{FF2B5EF4-FFF2-40B4-BE49-F238E27FC236}">
-                <a16:creationId xmlns:a16="http://schemas.microsoft.com/office/drawing/2014/main" id="{D096EB1D-E838-769D-E0BF-4D8FE14D1CA1}"/>
-              </a:ext>
-            </a:extLst>
-          </p:cNvPr>
-          <p:cNvSpPr/>
-          <p:nvPr/>
-        </p:nvSpPr>
-        <p:spPr>
-          <a:xfrm>
-            <a:off x="4767378" y="6016217"/>
-            <a:ext cx="1156662" cy="415732"/>
-          </a:xfrm>
-          <a:prstGeom prst="rightArrow">
-            <a:avLst/>
-          </a:prstGeom>
-          <a:solidFill>
-            <a:schemeClr val="accent2">
-              <a:lumMod val="40000"/>
-              <a:lumOff val="60000"/>
-            </a:schemeClr>
-          </a:solidFill>
-        </p:spPr>
-        <p:style>
-          <a:lnRef idx="2">
-            <a:schemeClr val="accent3"/>
-          </a:lnRef>
-          <a:fillRef idx="1">
-            <a:schemeClr val="lt1"/>
-          </a:fillRef>
-          <a:effectRef idx="0">
-            <a:schemeClr val="accent3"/>
-          </a:effectRef>
-          <a:fontRef idx="minor">
-            <a:schemeClr val="dk1"/>
-          </a:fontRef>
-        </p:style>
-        <p:txBody>
-          <a:bodyPr rtlCol="0" anchor="ctr"/>
-          <a:lstStyle/>
-          <a:p>
-            <a:pPr algn="ctr">
-              <a:lnSpc>
-                <a:spcPct val="130000"/>
-              </a:lnSpc>
-              <a:spcAft>
-                <a:spcPts val="600"/>
-              </a:spcAft>
-            </a:pPr>
-            <a:endParaRPr kumimoji="1" lang="ja-JP" altLang="en-US" sz="1100" dirty="0">
+            <a:endParaRPr kumimoji="1" lang="en-US" altLang="ja-JP" sz="2000" b="1" dirty="0">
               <a:solidFill>
                 <a:schemeClr val="tx1"/>
               </a:solidFill>
@@ -5821,1618 +8622,95 @@
       </p:sp>
       <p:pic>
         <p:nvPicPr>
-          <p:cNvPr id="27" name="Picture 4" descr="PostGISの画像">
+          <p:cNvPr id="46" name="図 45">
             <a:extLst>
               <a:ext uri="{FF2B5EF4-FFF2-40B4-BE49-F238E27FC236}">
-                <a16:creationId xmlns:a16="http://schemas.microsoft.com/office/drawing/2014/main" id="{F7024D2C-D8E7-5AF5-1D57-E97A4465F8DF}"/>
+                <a16:creationId xmlns:a16="http://schemas.microsoft.com/office/drawing/2014/main" id="{9542E041-19ED-5389-EA6D-AC994279DDAD}"/>
               </a:ext>
             </a:extLst>
           </p:cNvPr>
           <p:cNvPicPr>
-            <a:picLocks noChangeAspect="1" noChangeArrowheads="1"/>
+            <a:picLocks noChangeAspect="1"/>
           </p:cNvPicPr>
           <p:nvPr/>
         </p:nvPicPr>
-        <p:blipFill>
-          <a:blip r:embed="rId8">
+        <p:blipFill rotWithShape="1">
+          <a:blip r:embed="rId14"/>
+          <a:srcRect r="13199" b="22974"/>
+          <a:stretch/>
+        </p:blipFill>
+        <p:spPr>
+          <a:xfrm>
+            <a:off x="9991317" y="4600110"/>
+            <a:ext cx="2009339" cy="2069249"/>
+          </a:xfrm>
+          <a:prstGeom prst="rect">
+            <a:avLst/>
+          </a:prstGeom>
+        </p:spPr>
+      </p:pic>
+      <p:sp>
+        <p:nvSpPr>
+          <p:cNvPr id="47" name="テキスト ボックス 46">
             <a:extLst>
-              <a:ext uri="{28A0092B-C50C-407E-A947-70E740481C1C}">
-                <a14:useLocalDpi xmlns:a14="http://schemas.microsoft.com/office/drawing/2010/main" val="0"/>
+              <a:ext uri="{FF2B5EF4-FFF2-40B4-BE49-F238E27FC236}">
+                <a16:creationId xmlns:a16="http://schemas.microsoft.com/office/drawing/2014/main" id="{5E395EFE-6481-438B-9673-C9941D0BF560}"/>
               </a:ext>
             </a:extLst>
-          </a:blip>
-          <a:srcRect/>
-          <a:stretch>
-            <a:fillRect/>
-          </a:stretch>
-        </p:blipFill>
-        <p:spPr bwMode="auto">
+          </p:cNvPr>
+          <p:cNvSpPr txBox="1"/>
+          <p:nvPr/>
+        </p:nvSpPr>
+        <p:spPr>
           <a:xfrm>
-            <a:off x="9398240" y="2464772"/>
-            <a:ext cx="1424305" cy="840105"/>
+            <a:off x="7762167" y="3885381"/>
+            <a:ext cx="3017947" cy="369332"/>
           </a:xfrm>
           <a:prstGeom prst="rect">
             <a:avLst/>
           </a:prstGeom>
           <a:noFill/>
-          <a:extLst>
-            <a:ext uri="{909E8E84-426E-40DD-AFC4-6F175D3DCCD1}">
-              <a14:hiddenFill xmlns:a14="http://schemas.microsoft.com/office/drawing/2010/main">
-                <a:solidFill>
+        </p:spPr>
+        <p:txBody>
+          <a:bodyPr wrap="square" rtlCol="0">
+            <a:spAutoFit/>
+          </a:bodyPr>
+          <a:lstStyle/>
+          <a:p>
+            <a:pPr algn="ctr"/>
+            <a:r>
+              <a:rPr lang="ja-JP" altLang="en-US" b="1" i="0" u="none" strike="noStrike" dirty="0">
+                <a:solidFill>
+                  <a:srgbClr val="1F2328"/>
+                </a:solidFill>
+                <a:effectLst/>
+                <a:highlight>
                   <a:srgbClr val="FFFFFF"/>
-                </a:solidFill>
-              </a14:hiddenFill>
-            </a:ext>
-          </a:extLst>
-        </p:spPr>
-      </p:pic>
+                </a:highlight>
+                <a:latin typeface="-apple-system"/>
+                <a:hlinkClick r:id="rId3"/>
+              </a:rPr>
+              <a:t>ビジュアライゼーション</a:t>
+            </a:r>
+            <a:endParaRPr lang="ja-JP" altLang="en-US" b="1" i="0" dirty="0">
+              <a:solidFill>
+                <a:srgbClr val="1F2328"/>
+              </a:solidFill>
+              <a:effectLst/>
+              <a:highlight>
+                <a:srgbClr val="FFFFFF"/>
+              </a:highlight>
+              <a:latin typeface="-apple-system"/>
+            </a:endParaRPr>
+          </a:p>
+        </p:txBody>
+      </p:sp>
     </p:spTree>
-  </p:cSld>
-  <p:clrMapOvr>
-    <a:masterClrMapping/>
-  </p:clrMapOvr>
-</p:sld>
-</file>
-
-<file path=ppt/slides/slide3.xml><?xml version="1.0" encoding="utf-8"?>
-<p:sld xmlns:a="http://schemas.openxmlformats.org/drawingml/2006/main" xmlns:r="http://schemas.openxmlformats.org/officeDocument/2006/relationships" xmlns:p="http://schemas.openxmlformats.org/presentationml/2006/main">
-  <p:cSld>
-    <p:spTree>
-      <p:nvGrpSpPr>
-        <p:cNvPr id="1" name=""/>
-        <p:cNvGrpSpPr/>
-        <p:nvPr/>
-      </p:nvGrpSpPr>
-      <p:grpSpPr>
-        <a:xfrm>
-          <a:off x="0" y="0"/>
-          <a:ext cx="0" cy="0"/>
-          <a:chOff x="0" y="0"/>
-          <a:chExt cx="0" cy="0"/>
-        </a:xfrm>
-      </p:grpSpPr>
-      <p:sp>
-        <p:nvSpPr>
-          <p:cNvPr id="32" name="四角形: 対角を丸める 31"/>
-          <p:cNvSpPr/>
-          <p:nvPr/>
-        </p:nvSpPr>
-        <p:spPr>
-          <a:xfrm>
-            <a:off x="7410021" y="315127"/>
-            <a:ext cx="4032367" cy="2771409"/>
-          </a:xfrm>
-          <a:prstGeom prst="round2DiagRect">
-            <a:avLst/>
-          </a:prstGeom>
-          <a:noFill/>
-          <a:ln>
-            <a:solidFill>
-              <a:schemeClr val="tx1"/>
-            </a:solidFill>
-          </a:ln>
-          <a:effectLst/>
-        </p:spPr>
-        <p:style>
-          <a:lnRef idx="2">
-            <a:schemeClr val="accent1">
-              <a:shade val="50000"/>
-            </a:schemeClr>
-          </a:lnRef>
-          <a:fillRef idx="1">
-            <a:schemeClr val="accent1"/>
-          </a:fillRef>
-          <a:effectRef idx="0">
-            <a:schemeClr val="accent1"/>
-          </a:effectRef>
-          <a:fontRef idx="minor">
-            <a:schemeClr val="lt1"/>
-          </a:fontRef>
-        </p:style>
-        <p:txBody>
-          <a:bodyPr rtlCol="0" anchor="t"/>
-          <a:lstStyle/>
-          <a:p>
-            <a:pPr>
-              <a:lnSpc>
-                <a:spcPct val="130000"/>
-              </a:lnSpc>
-              <a:spcAft>
-                <a:spcPts val="600"/>
-              </a:spcAft>
-            </a:pPr>
-            <a:r>
-              <a:rPr kumimoji="1" lang="ja-JP" altLang="en-US" sz="1600" b="1" dirty="0">
-                <a:solidFill>
-                  <a:srgbClr val="FF0000"/>
-                </a:solidFill>
-                <a:effectLst>
-                  <a:outerShdw blurRad="38100" dist="38100" dir="2700000" algn="tl">
-                    <a:srgbClr val="000000">
-                      <a:alpha val="43137"/>
-                    </a:srgbClr>
-                  </a:outerShdw>
-                </a:effectLst>
-                <a:latin typeface="+mn-ea"/>
-              </a:rPr>
-              <a:t>　</a:t>
-            </a:r>
-            <a:endParaRPr kumimoji="1" lang="en-US" altLang="ja-JP" sz="1600" b="1" dirty="0">
-              <a:solidFill>
-                <a:srgbClr val="FF0000"/>
-              </a:solidFill>
-              <a:effectLst>
-                <a:outerShdw blurRad="38100" dist="38100" dir="2700000" algn="tl">
-                  <a:srgbClr val="000000">
-                    <a:alpha val="43137"/>
-                  </a:srgbClr>
-                </a:outerShdw>
-              </a:effectLst>
-              <a:latin typeface="+mn-ea"/>
-            </a:endParaRPr>
-          </a:p>
-          <a:p>
-            <a:pPr>
-              <a:lnSpc>
-                <a:spcPct val="130000"/>
-              </a:lnSpc>
-              <a:spcAft>
-                <a:spcPts val="600"/>
-              </a:spcAft>
-            </a:pPr>
-            <a:endParaRPr kumimoji="1" lang="en-US" altLang="ja-JP" sz="1600" b="1" dirty="0">
-              <a:solidFill>
-                <a:srgbClr val="FF0000"/>
-              </a:solidFill>
-              <a:effectLst>
-                <a:outerShdw blurRad="38100" dist="38100" dir="2700000" algn="tl">
-                  <a:srgbClr val="000000">
-                    <a:alpha val="43137"/>
-                  </a:srgbClr>
-                </a:outerShdw>
-              </a:effectLst>
-              <a:latin typeface="+mn-ea"/>
-            </a:endParaRPr>
-          </a:p>
-          <a:p>
-            <a:pPr>
-              <a:lnSpc>
-                <a:spcPct val="130000"/>
-              </a:lnSpc>
-              <a:spcAft>
-                <a:spcPts val="600"/>
-              </a:spcAft>
-            </a:pPr>
-            <a:endParaRPr kumimoji="1" lang="en-US" altLang="ja-JP" sz="1600" b="1" dirty="0">
-              <a:solidFill>
-                <a:srgbClr val="FF0000"/>
-              </a:solidFill>
-              <a:effectLst>
-                <a:outerShdw blurRad="38100" dist="38100" dir="2700000" algn="tl">
-                  <a:srgbClr val="000000">
-                    <a:alpha val="43137"/>
-                  </a:srgbClr>
-                </a:outerShdw>
-              </a:effectLst>
-              <a:latin typeface="+mn-ea"/>
-            </a:endParaRPr>
-          </a:p>
-          <a:p>
-            <a:pPr>
-              <a:lnSpc>
-                <a:spcPct val="130000"/>
-              </a:lnSpc>
-              <a:spcAft>
-                <a:spcPts val="600"/>
-              </a:spcAft>
-            </a:pPr>
-            <a:endParaRPr kumimoji="1" lang="en-US" altLang="ja-JP" sz="1600" b="1" dirty="0">
-              <a:solidFill>
-                <a:srgbClr val="FF0000"/>
-              </a:solidFill>
-              <a:effectLst>
-                <a:outerShdw blurRad="38100" dist="38100" dir="2700000" algn="tl">
-                  <a:srgbClr val="000000">
-                    <a:alpha val="43137"/>
-                  </a:srgbClr>
-                </a:outerShdw>
-              </a:effectLst>
-              <a:latin typeface="+mn-ea"/>
-            </a:endParaRPr>
-          </a:p>
-          <a:p>
-            <a:pPr>
-              <a:lnSpc>
-                <a:spcPct val="130000"/>
-              </a:lnSpc>
-              <a:spcAft>
-                <a:spcPts val="600"/>
-              </a:spcAft>
-            </a:pPr>
-            <a:endParaRPr kumimoji="1" lang="en-US" altLang="ja-JP" sz="1600" b="1" dirty="0">
-              <a:solidFill>
-                <a:srgbClr val="FF0000"/>
-              </a:solidFill>
-              <a:effectLst>
-                <a:outerShdw blurRad="38100" dist="38100" dir="2700000" algn="tl">
-                  <a:srgbClr val="000000">
-                    <a:alpha val="43137"/>
-                  </a:srgbClr>
-                </a:outerShdw>
-              </a:effectLst>
-              <a:latin typeface="+mn-ea"/>
-            </a:endParaRPr>
-          </a:p>
-          <a:p>
-            <a:pPr>
-              <a:lnSpc>
-                <a:spcPct val="130000"/>
-              </a:lnSpc>
-              <a:spcAft>
-                <a:spcPts val="600"/>
-              </a:spcAft>
-            </a:pPr>
-            <a:r>
-              <a:rPr kumimoji="1" lang="ja-JP" altLang="en-US" sz="1600" b="1" dirty="0">
-                <a:solidFill>
-                  <a:srgbClr val="FF0000"/>
-                </a:solidFill>
-                <a:effectLst>
-                  <a:outerShdw blurRad="38100" dist="38100" dir="2700000" algn="tl">
-                    <a:srgbClr val="000000">
-                      <a:alpha val="43137"/>
-                    </a:srgbClr>
-                  </a:outerShdw>
-                </a:effectLst>
-                <a:latin typeface="+mn-ea"/>
-              </a:rPr>
-              <a:t>バックエンド</a:t>
-            </a:r>
-          </a:p>
-        </p:txBody>
-      </p:sp>
-      <p:pic>
-        <p:nvPicPr>
-          <p:cNvPr id="29" name="Picture 8" descr="QGISの画像"/>
-          <p:cNvPicPr>
-            <a:picLocks noChangeAspect="1" noChangeArrowheads="1"/>
-          </p:cNvPicPr>
-          <p:nvPr/>
-        </p:nvPicPr>
-        <p:blipFill>
-          <a:blip r:embed="rId3">
-            <a:extLst>
-              <a:ext uri="{28A0092B-C50C-407E-A947-70E740481C1C}">
-                <a14:useLocalDpi xmlns:a14="http://schemas.microsoft.com/office/drawing/2010/main" val="0"/>
-              </a:ext>
-            </a:extLst>
-          </a:blip>
-          <a:srcRect/>
-          <a:stretch>
-            <a:fillRect/>
-          </a:stretch>
-        </p:blipFill>
-        <p:spPr bwMode="auto">
-          <a:xfrm>
-            <a:off x="878303" y="817750"/>
-            <a:ext cx="3808510" cy="1809042"/>
-          </a:xfrm>
-          <a:prstGeom prst="rect">
-            <a:avLst/>
-          </a:prstGeom>
-          <a:noFill/>
-          <a:extLst>
-            <a:ext uri="{909E8E84-426E-40DD-AFC4-6F175D3DCCD1}">
-              <a14:hiddenFill xmlns:a14="http://schemas.microsoft.com/office/drawing/2010/main">
-                <a:solidFill>
-                  <a:srgbClr val="FFFFFF"/>
-                </a:solidFill>
-              </a14:hiddenFill>
-            </a:ext>
-          </a:extLst>
-        </p:spPr>
-      </p:pic>
-      <p:sp>
-        <p:nvSpPr>
-          <p:cNvPr id="3" name="四角形: 角を丸くする 2"/>
-          <p:cNvSpPr/>
-          <p:nvPr/>
-        </p:nvSpPr>
-        <p:spPr>
-          <a:xfrm>
-            <a:off x="983432" y="429873"/>
-            <a:ext cx="3666257" cy="415732"/>
-          </a:xfrm>
-          <a:prstGeom prst="roundRect">
-            <a:avLst>
-              <a:gd name="adj" fmla="val 50000"/>
-            </a:avLst>
-          </a:prstGeom>
-          <a:solidFill>
-            <a:schemeClr val="bg1"/>
-          </a:solidFill>
-          <a:ln>
-            <a:solidFill>
-              <a:schemeClr val="accent3"/>
-            </a:solidFill>
-          </a:ln>
-          <a:effectLst>
-            <a:outerShdw blurRad="50800" dist="38100" dir="2700000" algn="tl" rotWithShape="0">
-              <a:prstClr val="black">
-                <a:alpha val="40000"/>
-              </a:prstClr>
-            </a:outerShdw>
-          </a:effectLst>
-        </p:spPr>
-        <p:style>
-          <a:lnRef idx="2">
-            <a:schemeClr val="accent1">
-              <a:shade val="50000"/>
-            </a:schemeClr>
-          </a:lnRef>
-          <a:fillRef idx="1">
-            <a:schemeClr val="accent1"/>
-          </a:fillRef>
-          <a:effectRef idx="0">
-            <a:schemeClr val="accent1"/>
-          </a:effectRef>
-          <a:fontRef idx="minor">
-            <a:schemeClr val="lt1"/>
-          </a:fontRef>
-        </p:style>
-        <p:txBody>
-          <a:bodyPr rtlCol="0" anchor="ctr"/>
-          <a:lstStyle/>
-          <a:p>
-            <a:pPr algn="ctr">
-              <a:lnSpc>
-                <a:spcPct val="130000"/>
-              </a:lnSpc>
-              <a:spcAft>
-                <a:spcPts val="600"/>
-              </a:spcAft>
-            </a:pPr>
-            <a:r>
-              <a:rPr kumimoji="1" lang="ja-JP" altLang="en-US" sz="1400" dirty="0">
-                <a:solidFill>
-                  <a:srgbClr val="FF0000"/>
-                </a:solidFill>
-                <a:latin typeface="+mn-ea"/>
-              </a:rPr>
-              <a:t>情報プラットフォーム　</a:t>
-            </a:r>
-            <a:r>
-              <a:rPr kumimoji="1" lang="en-US" altLang="ja-JP" sz="1400" dirty="0">
-                <a:solidFill>
-                  <a:srgbClr val="FF0000"/>
-                </a:solidFill>
-                <a:latin typeface="+mn-ea"/>
-              </a:rPr>
-              <a:t>GIS</a:t>
-            </a:r>
-            <a:endParaRPr kumimoji="1" lang="ja-JP" altLang="en-US" sz="1400" dirty="0">
-              <a:solidFill>
-                <a:srgbClr val="FF0000"/>
-              </a:solidFill>
-              <a:latin typeface="+mn-ea"/>
-            </a:endParaRPr>
-          </a:p>
-        </p:txBody>
-      </p:sp>
-      <p:sp>
-        <p:nvSpPr>
-          <p:cNvPr id="23" name="四角形: 角を丸くする 22"/>
-          <p:cNvSpPr/>
-          <p:nvPr/>
-        </p:nvSpPr>
-        <p:spPr>
-          <a:xfrm>
-            <a:off x="7666162" y="431827"/>
-            <a:ext cx="3647535" cy="872607"/>
-          </a:xfrm>
-          <a:prstGeom prst="roundRect">
-            <a:avLst>
-              <a:gd name="adj" fmla="val 50000"/>
-            </a:avLst>
-          </a:prstGeom>
-          <a:solidFill>
-            <a:schemeClr val="bg1"/>
-          </a:solidFill>
-          <a:ln>
-            <a:solidFill>
-              <a:schemeClr val="accent3"/>
-            </a:solidFill>
-          </a:ln>
-          <a:effectLst>
-            <a:outerShdw blurRad="50800" dist="38100" dir="2700000" algn="tl" rotWithShape="0">
-              <a:prstClr val="black">
-                <a:alpha val="40000"/>
-              </a:prstClr>
-            </a:outerShdw>
-          </a:effectLst>
-        </p:spPr>
-        <p:style>
-          <a:lnRef idx="2">
-            <a:schemeClr val="accent1">
-              <a:shade val="50000"/>
-            </a:schemeClr>
-          </a:lnRef>
-          <a:fillRef idx="1">
-            <a:schemeClr val="accent1"/>
-          </a:fillRef>
-          <a:effectRef idx="0">
-            <a:schemeClr val="accent1"/>
-          </a:effectRef>
-          <a:fontRef idx="minor">
-            <a:schemeClr val="lt1"/>
-          </a:fontRef>
-        </p:style>
-        <p:txBody>
-          <a:bodyPr rtlCol="0" anchor="ctr"/>
-          <a:lstStyle/>
-          <a:p>
-            <a:pPr algn="ctr">
-              <a:lnSpc>
-                <a:spcPct val="130000"/>
-              </a:lnSpc>
-              <a:spcAft>
-                <a:spcPts val="600"/>
-              </a:spcAft>
-            </a:pPr>
-            <a:r>
-              <a:rPr kumimoji="1" lang="ja-JP" altLang="en-US" sz="1400" dirty="0">
-                <a:solidFill>
-                  <a:srgbClr val="FF0000"/>
-                </a:solidFill>
-                <a:latin typeface="+mn-ea"/>
-              </a:rPr>
-              <a:t>情報の一元管理</a:t>
-            </a:r>
-            <a:endParaRPr kumimoji="1" lang="en-US" altLang="ja-JP" sz="1400" dirty="0">
-              <a:solidFill>
-                <a:srgbClr val="FF0000"/>
-              </a:solidFill>
-              <a:latin typeface="+mn-ea"/>
-            </a:endParaRPr>
-          </a:p>
-          <a:p>
-            <a:pPr algn="ctr">
-              <a:lnSpc>
-                <a:spcPct val="130000"/>
-              </a:lnSpc>
-              <a:spcAft>
-                <a:spcPts val="600"/>
-              </a:spcAft>
-            </a:pPr>
-            <a:r>
-              <a:rPr kumimoji="1" lang="ja-JP" altLang="en-US" sz="1400" dirty="0">
-                <a:solidFill>
-                  <a:srgbClr val="FF0000"/>
-                </a:solidFill>
-                <a:latin typeface="+mn-ea"/>
-              </a:rPr>
-              <a:t>正確な情報の発信</a:t>
-            </a:r>
-          </a:p>
-        </p:txBody>
-      </p:sp>
-      <p:pic>
-        <p:nvPicPr>
-          <p:cNvPr id="27" name="Picture 2" descr="Logo"/>
-          <p:cNvPicPr>
-            <a:picLocks noChangeAspect="1" noChangeArrowheads="1"/>
-          </p:cNvPicPr>
-          <p:nvPr/>
-        </p:nvPicPr>
-        <p:blipFill>
-          <a:blip r:embed="rId4">
-            <a:extLst>
-              <a:ext uri="{28A0092B-C50C-407E-A947-70E740481C1C}">
-                <a14:useLocalDpi xmlns:a14="http://schemas.microsoft.com/office/drawing/2010/main" val="0"/>
-              </a:ext>
-            </a:extLst>
-          </a:blip>
-          <a:srcRect/>
-          <a:stretch>
-            <a:fillRect/>
-          </a:stretch>
-        </p:blipFill>
-        <p:spPr bwMode="auto">
-          <a:xfrm>
-            <a:off x="8279069" y="1537634"/>
-            <a:ext cx="888529" cy="981084"/>
-          </a:xfrm>
-          <a:prstGeom prst="rect">
-            <a:avLst/>
-          </a:prstGeom>
-          <a:noFill/>
-          <a:extLst>
-            <a:ext uri="{909E8E84-426E-40DD-AFC4-6F175D3DCCD1}">
-              <a14:hiddenFill xmlns:a14="http://schemas.microsoft.com/office/drawing/2010/main">
-                <a:solidFill>
-                  <a:srgbClr val="FFFFFF"/>
-                </a:solidFill>
-              </a14:hiddenFill>
-            </a:ext>
-          </a:extLst>
-        </p:spPr>
-      </p:pic>
-      <p:pic>
-        <p:nvPicPr>
-          <p:cNvPr id="28" name="Picture 4" descr="Open Geospatial Consortiumの画像"/>
-          <p:cNvPicPr>
-            <a:picLocks noChangeAspect="1" noChangeArrowheads="1"/>
-          </p:cNvPicPr>
-          <p:nvPr/>
-        </p:nvPicPr>
-        <p:blipFill>
-          <a:blip r:embed="rId5" cstate="print">
-            <a:extLst>
-              <a:ext uri="{28A0092B-C50C-407E-A947-70E740481C1C}">
-                <a14:useLocalDpi xmlns:a14="http://schemas.microsoft.com/office/drawing/2010/main" val="0"/>
-              </a:ext>
-            </a:extLst>
-          </a:blip>
-          <a:srcRect/>
-          <a:stretch>
-            <a:fillRect/>
-          </a:stretch>
-        </p:blipFill>
-        <p:spPr bwMode="auto">
-          <a:xfrm>
-            <a:off x="9960029" y="1639318"/>
-            <a:ext cx="777715" cy="777715"/>
-          </a:xfrm>
-          <a:prstGeom prst="rect">
-            <a:avLst/>
-          </a:prstGeom>
-          <a:noFill/>
-          <a:extLst>
-            <a:ext uri="{909E8E84-426E-40DD-AFC4-6F175D3DCCD1}">
-              <a14:hiddenFill xmlns:a14="http://schemas.microsoft.com/office/drawing/2010/main">
-                <a:solidFill>
-                  <a:srgbClr val="FFFFFF"/>
-                </a:solidFill>
-              </a14:hiddenFill>
-            </a:ext>
-          </a:extLst>
-        </p:spPr>
-      </p:pic>
-      <p:sp>
-        <p:nvSpPr>
-          <p:cNvPr id="31" name="四角形: 対角を丸める 30"/>
-          <p:cNvSpPr/>
-          <p:nvPr/>
-        </p:nvSpPr>
-        <p:spPr>
-          <a:xfrm>
-            <a:off x="749612" y="315127"/>
-            <a:ext cx="4032367" cy="2771409"/>
-          </a:xfrm>
-          <a:prstGeom prst="round2DiagRect">
-            <a:avLst/>
-          </a:prstGeom>
-          <a:noFill/>
-          <a:ln>
-            <a:solidFill>
-              <a:schemeClr val="tx1"/>
-            </a:solidFill>
-          </a:ln>
-          <a:effectLst/>
-        </p:spPr>
-        <p:style>
-          <a:lnRef idx="2">
-            <a:schemeClr val="accent1">
-              <a:shade val="50000"/>
-            </a:schemeClr>
-          </a:lnRef>
-          <a:fillRef idx="1">
-            <a:schemeClr val="accent1"/>
-          </a:fillRef>
-          <a:effectRef idx="0">
-            <a:schemeClr val="accent1"/>
-          </a:effectRef>
-          <a:fontRef idx="minor">
-            <a:schemeClr val="lt1"/>
-          </a:fontRef>
-        </p:style>
-        <p:txBody>
-          <a:bodyPr rtlCol="0" anchor="t"/>
-          <a:lstStyle/>
-          <a:p>
-            <a:pPr>
-              <a:lnSpc>
-                <a:spcPct val="130000"/>
-              </a:lnSpc>
-              <a:spcAft>
-                <a:spcPts val="600"/>
-              </a:spcAft>
-            </a:pPr>
-            <a:r>
-              <a:rPr kumimoji="1" lang="ja-JP" altLang="en-US" sz="1600" b="1" dirty="0">
-                <a:solidFill>
-                  <a:srgbClr val="FF0000"/>
-                </a:solidFill>
-                <a:effectLst>
-                  <a:outerShdw blurRad="38100" dist="38100" dir="2700000" algn="tl">
-                    <a:srgbClr val="000000">
-                      <a:alpha val="43137"/>
-                    </a:srgbClr>
-                  </a:outerShdw>
-                </a:effectLst>
-                <a:latin typeface="+mn-ea"/>
-              </a:rPr>
-              <a:t>　</a:t>
-            </a:r>
-            <a:endParaRPr kumimoji="1" lang="en-US" altLang="ja-JP" sz="1600" b="1" dirty="0">
-              <a:solidFill>
-                <a:srgbClr val="FF0000"/>
-              </a:solidFill>
-              <a:effectLst>
-                <a:outerShdw blurRad="38100" dist="38100" dir="2700000" algn="tl">
-                  <a:srgbClr val="000000">
-                    <a:alpha val="43137"/>
-                  </a:srgbClr>
-                </a:outerShdw>
-              </a:effectLst>
-              <a:latin typeface="+mn-ea"/>
-            </a:endParaRPr>
-          </a:p>
-          <a:p>
-            <a:pPr>
-              <a:lnSpc>
-                <a:spcPct val="130000"/>
-              </a:lnSpc>
-              <a:spcAft>
-                <a:spcPts val="600"/>
-              </a:spcAft>
-            </a:pPr>
-            <a:endParaRPr kumimoji="1" lang="en-US" altLang="ja-JP" sz="1600" b="1" dirty="0">
-              <a:solidFill>
-                <a:srgbClr val="FF0000"/>
-              </a:solidFill>
-              <a:effectLst>
-                <a:outerShdw blurRad="38100" dist="38100" dir="2700000" algn="tl">
-                  <a:srgbClr val="000000">
-                    <a:alpha val="43137"/>
-                  </a:srgbClr>
-                </a:outerShdw>
-              </a:effectLst>
-              <a:latin typeface="+mn-ea"/>
-            </a:endParaRPr>
-          </a:p>
-          <a:p>
-            <a:pPr>
-              <a:lnSpc>
-                <a:spcPct val="130000"/>
-              </a:lnSpc>
-              <a:spcAft>
-                <a:spcPts val="600"/>
-              </a:spcAft>
-            </a:pPr>
-            <a:endParaRPr kumimoji="1" lang="en-US" altLang="ja-JP" sz="1600" b="1" dirty="0">
-              <a:solidFill>
-                <a:srgbClr val="FF0000"/>
-              </a:solidFill>
-              <a:effectLst>
-                <a:outerShdw blurRad="38100" dist="38100" dir="2700000" algn="tl">
-                  <a:srgbClr val="000000">
-                    <a:alpha val="43137"/>
-                  </a:srgbClr>
-                </a:outerShdw>
-              </a:effectLst>
-              <a:latin typeface="+mn-ea"/>
-            </a:endParaRPr>
-          </a:p>
-          <a:p>
-            <a:pPr>
-              <a:lnSpc>
-                <a:spcPct val="130000"/>
-              </a:lnSpc>
-              <a:spcAft>
-                <a:spcPts val="600"/>
-              </a:spcAft>
-            </a:pPr>
-            <a:endParaRPr kumimoji="1" lang="en-US" altLang="ja-JP" sz="1600" b="1" dirty="0">
-              <a:solidFill>
-                <a:srgbClr val="FF0000"/>
-              </a:solidFill>
-              <a:effectLst>
-                <a:outerShdw blurRad="38100" dist="38100" dir="2700000" algn="tl">
-                  <a:srgbClr val="000000">
-                    <a:alpha val="43137"/>
-                  </a:srgbClr>
-                </a:outerShdw>
-              </a:effectLst>
-              <a:latin typeface="+mn-ea"/>
-            </a:endParaRPr>
-          </a:p>
-          <a:p>
-            <a:pPr>
-              <a:lnSpc>
-                <a:spcPct val="130000"/>
-              </a:lnSpc>
-              <a:spcAft>
-                <a:spcPts val="600"/>
-              </a:spcAft>
-            </a:pPr>
-            <a:r>
-              <a:rPr kumimoji="1" lang="ja-JP" altLang="en-US" sz="2400" b="1" dirty="0">
-                <a:solidFill>
-                  <a:srgbClr val="FF0000"/>
-                </a:solidFill>
-                <a:effectLst>
-                  <a:outerShdw blurRad="38100" dist="38100" dir="2700000" algn="tl">
-                    <a:srgbClr val="000000">
-                      <a:alpha val="43137"/>
-                    </a:srgbClr>
-                  </a:outerShdw>
-                </a:effectLst>
-                <a:latin typeface="+mn-ea"/>
-              </a:rPr>
-              <a:t>　　　</a:t>
-            </a:r>
-            <a:endParaRPr kumimoji="1" lang="en-US" altLang="ja-JP" sz="2400" b="1" dirty="0">
-              <a:solidFill>
-                <a:srgbClr val="FF0000"/>
-              </a:solidFill>
-              <a:effectLst>
-                <a:outerShdw blurRad="38100" dist="38100" dir="2700000" algn="tl">
-                  <a:srgbClr val="000000">
-                    <a:alpha val="43137"/>
-                  </a:srgbClr>
-                </a:outerShdw>
-              </a:effectLst>
-              <a:latin typeface="+mn-ea"/>
-            </a:endParaRPr>
-          </a:p>
-          <a:p>
-            <a:pPr>
-              <a:lnSpc>
-                <a:spcPct val="130000"/>
-              </a:lnSpc>
-              <a:spcAft>
-                <a:spcPts val="600"/>
-              </a:spcAft>
-            </a:pPr>
-            <a:r>
-              <a:rPr kumimoji="1" lang="ja-JP" altLang="en-US" sz="1600" b="1" dirty="0">
-                <a:solidFill>
-                  <a:srgbClr val="FF0000"/>
-                </a:solidFill>
-                <a:effectLst>
-                  <a:outerShdw blurRad="38100" dist="38100" dir="2700000" algn="tl">
-                    <a:srgbClr val="000000">
-                      <a:alpha val="43137"/>
-                    </a:srgbClr>
-                  </a:outerShdw>
-                </a:effectLst>
-                <a:latin typeface="+mn-ea"/>
-              </a:rPr>
-              <a:t>フロントエンド</a:t>
-            </a:r>
-          </a:p>
-        </p:txBody>
-      </p:sp>
-      <p:sp>
-        <p:nvSpPr>
-          <p:cNvPr id="36" name="四角形: 角を丸くする 35"/>
-          <p:cNvSpPr/>
-          <p:nvPr/>
-        </p:nvSpPr>
-        <p:spPr>
-          <a:xfrm>
-            <a:off x="4910670" y="1177028"/>
-            <a:ext cx="2370660" cy="1037101"/>
-          </a:xfrm>
-          <a:prstGeom prst="roundRect">
-            <a:avLst>
-              <a:gd name="adj" fmla="val 50000"/>
-            </a:avLst>
-          </a:prstGeom>
-          <a:solidFill>
-            <a:schemeClr val="bg1"/>
-          </a:solidFill>
-          <a:ln>
-            <a:solidFill>
-              <a:schemeClr val="accent3"/>
-            </a:solidFill>
-          </a:ln>
-          <a:effectLst>
-            <a:outerShdw blurRad="50800" dist="38100" dir="2700000" algn="tl" rotWithShape="0">
-              <a:prstClr val="black">
-                <a:alpha val="40000"/>
-              </a:prstClr>
-            </a:outerShdw>
-          </a:effectLst>
-        </p:spPr>
-        <p:style>
-          <a:lnRef idx="2">
-            <a:schemeClr val="accent1">
-              <a:shade val="50000"/>
-            </a:schemeClr>
-          </a:lnRef>
-          <a:fillRef idx="1">
-            <a:schemeClr val="accent1"/>
-          </a:fillRef>
-          <a:effectRef idx="0">
-            <a:schemeClr val="accent1"/>
-          </a:effectRef>
-          <a:fontRef idx="minor">
-            <a:schemeClr val="lt1"/>
-          </a:fontRef>
-        </p:style>
-        <p:txBody>
-          <a:bodyPr rtlCol="0" anchor="ctr"/>
-          <a:lstStyle/>
-          <a:p>
-            <a:pPr algn="ctr">
-              <a:lnSpc>
-                <a:spcPct val="130000"/>
-              </a:lnSpc>
-              <a:spcAft>
-                <a:spcPts val="600"/>
-              </a:spcAft>
-            </a:pPr>
-            <a:r>
-              <a:rPr kumimoji="1" lang="ja-JP" altLang="en-US" sz="1400" dirty="0">
-                <a:solidFill>
-                  <a:srgbClr val="FF0000"/>
-                </a:solidFill>
-                <a:latin typeface="+mn-ea"/>
-              </a:rPr>
-              <a:t>ベンダーロック解除</a:t>
-            </a:r>
-            <a:endParaRPr kumimoji="1" lang="en-US" altLang="ja-JP" sz="1400" dirty="0">
-              <a:solidFill>
-                <a:srgbClr val="FF0000"/>
-              </a:solidFill>
-              <a:latin typeface="+mn-ea"/>
-            </a:endParaRPr>
-          </a:p>
-          <a:p>
-            <a:pPr algn="ctr">
-              <a:lnSpc>
-                <a:spcPct val="130000"/>
-              </a:lnSpc>
-              <a:spcAft>
-                <a:spcPts val="600"/>
-              </a:spcAft>
-            </a:pPr>
-            <a:r>
-              <a:rPr kumimoji="1" lang="ja-JP" altLang="en-US" sz="1400" dirty="0">
-                <a:solidFill>
-                  <a:srgbClr val="FF0000"/>
-                </a:solidFill>
-                <a:latin typeface="+mn-ea"/>
-              </a:rPr>
-              <a:t>オープンデータ</a:t>
-            </a:r>
-          </a:p>
-        </p:txBody>
-      </p:sp>
-      <p:sp>
-        <p:nvSpPr>
-          <p:cNvPr id="35" name="四角形: 角を丸くする 34">
-            <a:extLst>
-              <a:ext uri="{FF2B5EF4-FFF2-40B4-BE49-F238E27FC236}">
-                <a16:creationId xmlns:a16="http://schemas.microsoft.com/office/drawing/2014/main" id="{87CECB41-3288-BB30-703C-24728FF8ABD6}"/>
-              </a:ext>
-            </a:extLst>
-          </p:cNvPr>
-          <p:cNvSpPr/>
-          <p:nvPr/>
-        </p:nvSpPr>
-        <p:spPr>
-          <a:xfrm>
-            <a:off x="638957" y="5700170"/>
-            <a:ext cx="6676220" cy="746716"/>
-          </a:xfrm>
-          <a:prstGeom prst="roundRect">
-            <a:avLst>
-              <a:gd name="adj" fmla="val 50000"/>
-            </a:avLst>
-          </a:prstGeom>
-          <a:effectLst>
-            <a:outerShdw blurRad="50800" dist="38100" dir="2700000" algn="tl" rotWithShape="0">
-              <a:prstClr val="black">
-                <a:alpha val="40000"/>
-              </a:prstClr>
-            </a:outerShdw>
-          </a:effectLst>
-        </p:spPr>
-        <p:style>
-          <a:lnRef idx="2">
-            <a:schemeClr val="accent3"/>
-          </a:lnRef>
-          <a:fillRef idx="1">
-            <a:schemeClr val="lt1"/>
-          </a:fillRef>
-          <a:effectRef idx="0">
-            <a:schemeClr val="accent3"/>
-          </a:effectRef>
-          <a:fontRef idx="minor">
-            <a:schemeClr val="dk1"/>
-          </a:fontRef>
-        </p:style>
-        <p:txBody>
-          <a:bodyPr rtlCol="0" anchor="ctr"/>
-          <a:lstStyle/>
-          <a:p>
-            <a:pPr algn="ctr">
-              <a:lnSpc>
-                <a:spcPct val="130000"/>
-              </a:lnSpc>
-              <a:spcAft>
-                <a:spcPts val="600"/>
-              </a:spcAft>
-            </a:pPr>
-            <a:r>
-              <a:rPr kumimoji="1" lang="ja-JP" altLang="en-US" sz="1600" dirty="0">
-                <a:solidFill>
-                  <a:schemeClr val="accent3"/>
-                </a:solidFill>
-                <a:latin typeface="+mn-ea"/>
-              </a:rPr>
-              <a:t>　　　　　　　</a:t>
-            </a:r>
-            <a:r>
-              <a:rPr kumimoji="1" lang="ja-JP" altLang="en-US" sz="1600" dirty="0">
-                <a:solidFill>
-                  <a:schemeClr val="tx1"/>
-                </a:solidFill>
-                <a:latin typeface="+mn-ea"/>
-              </a:rPr>
-              <a:t>エクセルシートへのフレキシブルなデータ出力</a:t>
-            </a:r>
-            <a:endParaRPr kumimoji="1" lang="en-US" altLang="ja-JP" sz="1600" dirty="0">
-              <a:solidFill>
-                <a:schemeClr val="tx1"/>
-              </a:solidFill>
-              <a:latin typeface="+mn-ea"/>
-            </a:endParaRPr>
-          </a:p>
-          <a:p>
-            <a:pPr algn="ctr">
-              <a:lnSpc>
-                <a:spcPct val="130000"/>
-              </a:lnSpc>
-              <a:spcAft>
-                <a:spcPts val="600"/>
-              </a:spcAft>
-            </a:pPr>
-            <a:r>
-              <a:rPr kumimoji="1" lang="ja-JP" altLang="en-US" sz="1600" dirty="0">
-                <a:solidFill>
-                  <a:schemeClr val="tx1"/>
-                </a:solidFill>
-                <a:latin typeface="+mn-ea"/>
-              </a:rPr>
-              <a:t>業務の</a:t>
-            </a:r>
-            <a:r>
-              <a:rPr kumimoji="1" lang="en-US" altLang="ja-JP" sz="1600" dirty="0">
-                <a:solidFill>
-                  <a:schemeClr val="tx1"/>
-                </a:solidFill>
-                <a:latin typeface="+mn-ea"/>
-              </a:rPr>
-              <a:t>DX</a:t>
-            </a:r>
-            <a:r>
-              <a:rPr kumimoji="1" lang="ja-JP" altLang="en-US" sz="1600" dirty="0">
-                <a:solidFill>
-                  <a:schemeClr val="tx1"/>
-                </a:solidFill>
-                <a:latin typeface="+mn-ea"/>
-              </a:rPr>
-              <a:t>推進</a:t>
-            </a:r>
-          </a:p>
-        </p:txBody>
-      </p:sp>
-      <p:pic>
-        <p:nvPicPr>
-          <p:cNvPr id="38" name="Picture 6" descr="Microsoft Excelの画像">
-            <a:extLst>
-              <a:ext uri="{FF2B5EF4-FFF2-40B4-BE49-F238E27FC236}">
-                <a16:creationId xmlns:a16="http://schemas.microsoft.com/office/drawing/2014/main" id="{A5076C46-11EA-0569-CE93-95EEB5C09583}"/>
-              </a:ext>
-            </a:extLst>
-          </p:cNvPr>
-          <p:cNvPicPr>
-            <a:picLocks noChangeAspect="1" noChangeArrowheads="1"/>
-          </p:cNvPicPr>
-          <p:nvPr/>
-        </p:nvPicPr>
-        <p:blipFill>
-          <a:blip r:embed="rId6">
-            <a:extLst>
-              <a:ext uri="{28A0092B-C50C-407E-A947-70E740481C1C}">
-                <a14:useLocalDpi xmlns:a14="http://schemas.microsoft.com/office/drawing/2010/main" val="0"/>
-              </a:ext>
-            </a:extLst>
-          </a:blip>
-          <a:srcRect/>
-          <a:stretch>
-            <a:fillRect/>
-          </a:stretch>
-        </p:blipFill>
-        <p:spPr bwMode="auto">
-          <a:xfrm>
-            <a:off x="922811" y="5766341"/>
-            <a:ext cx="1428774" cy="614373"/>
-          </a:xfrm>
-          <a:prstGeom prst="rect">
-            <a:avLst/>
-          </a:prstGeom>
-          <a:noFill/>
-          <a:extLst>
-            <a:ext uri="{909E8E84-426E-40DD-AFC4-6F175D3DCCD1}">
-              <a14:hiddenFill xmlns:a14="http://schemas.microsoft.com/office/drawing/2010/main">
-                <a:solidFill>
-                  <a:srgbClr val="FFFFFF"/>
-                </a:solidFill>
-              </a14:hiddenFill>
-            </a:ext>
-          </a:extLst>
-        </p:spPr>
-      </p:pic>
-      <p:pic>
-        <p:nvPicPr>
-          <p:cNvPr id="39" name="Picture 8" descr="QGISの画像">
-            <a:extLst>
-              <a:ext uri="{FF2B5EF4-FFF2-40B4-BE49-F238E27FC236}">
-                <a16:creationId xmlns:a16="http://schemas.microsoft.com/office/drawing/2014/main" id="{5621B041-31E1-348D-D300-975BB1ACDEE3}"/>
-              </a:ext>
-            </a:extLst>
-          </p:cNvPr>
-          <p:cNvPicPr>
-            <a:picLocks noChangeAspect="1" noChangeArrowheads="1"/>
-          </p:cNvPicPr>
-          <p:nvPr/>
-        </p:nvPicPr>
-        <p:blipFill>
-          <a:blip r:embed="rId3">
-            <a:extLst>
-              <a:ext uri="{28A0092B-C50C-407E-A947-70E740481C1C}">
-                <a14:useLocalDpi xmlns:a14="http://schemas.microsoft.com/office/drawing/2010/main" val="0"/>
-              </a:ext>
-            </a:extLst>
-          </a:blip>
-          <a:srcRect/>
-          <a:stretch>
-            <a:fillRect/>
-          </a:stretch>
-        </p:blipFill>
-        <p:spPr bwMode="auto">
-          <a:xfrm>
-            <a:off x="3038873" y="4071649"/>
-            <a:ext cx="1905000" cy="904875"/>
-          </a:xfrm>
-          <a:prstGeom prst="rect">
-            <a:avLst/>
-          </a:prstGeom>
-          <a:noFill/>
-          <a:extLst>
-            <a:ext uri="{909E8E84-426E-40DD-AFC4-6F175D3DCCD1}">
-              <a14:hiddenFill xmlns:a14="http://schemas.microsoft.com/office/drawing/2010/main">
-                <a:solidFill>
-                  <a:srgbClr val="FFFFFF"/>
-                </a:solidFill>
-              </a14:hiddenFill>
-            </a:ext>
-          </a:extLst>
-        </p:spPr>
-      </p:pic>
-      <p:sp>
-        <p:nvSpPr>
-          <p:cNvPr id="40" name="四角形: 角を丸くする 39">
-            <a:extLst>
-              <a:ext uri="{FF2B5EF4-FFF2-40B4-BE49-F238E27FC236}">
-                <a16:creationId xmlns:a16="http://schemas.microsoft.com/office/drawing/2014/main" id="{C08B9CE0-700F-5CDA-552A-83937B34087E}"/>
-              </a:ext>
-            </a:extLst>
-          </p:cNvPr>
-          <p:cNvSpPr/>
-          <p:nvPr/>
-        </p:nvSpPr>
-        <p:spPr>
-          <a:xfrm>
-            <a:off x="638957" y="3558484"/>
-            <a:ext cx="4088893" cy="587213"/>
-          </a:xfrm>
-          <a:prstGeom prst="roundRect">
-            <a:avLst>
-              <a:gd name="adj" fmla="val 50000"/>
-            </a:avLst>
-          </a:prstGeom>
-          <a:effectLst>
-            <a:outerShdw blurRad="50800" dist="38100" dir="2700000" algn="tl" rotWithShape="0">
-              <a:prstClr val="black">
-                <a:alpha val="40000"/>
-              </a:prstClr>
-            </a:outerShdw>
-          </a:effectLst>
-        </p:spPr>
-        <p:style>
-          <a:lnRef idx="2">
-            <a:schemeClr val="accent3"/>
-          </a:lnRef>
-          <a:fillRef idx="1">
-            <a:schemeClr val="lt1"/>
-          </a:fillRef>
-          <a:effectRef idx="0">
-            <a:schemeClr val="accent3"/>
-          </a:effectRef>
-          <a:fontRef idx="minor">
-            <a:schemeClr val="dk1"/>
-          </a:fontRef>
-        </p:style>
-        <p:txBody>
-          <a:bodyPr rtlCol="0" anchor="ctr"/>
-          <a:lstStyle/>
-          <a:p>
-            <a:pPr algn="ctr">
-              <a:lnSpc>
-                <a:spcPct val="130000"/>
-              </a:lnSpc>
-              <a:spcAft>
-                <a:spcPts val="600"/>
-              </a:spcAft>
-            </a:pPr>
-            <a:r>
-              <a:rPr kumimoji="1" lang="ja-JP" altLang="en-US" sz="1600" dirty="0">
-                <a:solidFill>
-                  <a:schemeClr val="accent3"/>
-                </a:solidFill>
-                <a:latin typeface="+mn-ea"/>
-              </a:rPr>
-              <a:t>オープンソース地図情報システム　</a:t>
-            </a:r>
-            <a:r>
-              <a:rPr kumimoji="1" lang="en-US" altLang="ja-JP" sz="1600" dirty="0">
-                <a:solidFill>
-                  <a:schemeClr val="accent3"/>
-                </a:solidFill>
-                <a:latin typeface="+mn-ea"/>
-              </a:rPr>
-              <a:t>QGIS</a:t>
-            </a:r>
-            <a:endParaRPr kumimoji="1" lang="ja-JP" altLang="en-US" sz="1600" dirty="0">
-              <a:solidFill>
-                <a:schemeClr val="accent3"/>
-              </a:solidFill>
-              <a:latin typeface="+mn-ea"/>
-            </a:endParaRPr>
-          </a:p>
-        </p:txBody>
-      </p:sp>
-      <p:sp>
-        <p:nvSpPr>
-          <p:cNvPr id="42" name="四角形: 角を丸くする 41">
-            <a:extLst>
-              <a:ext uri="{FF2B5EF4-FFF2-40B4-BE49-F238E27FC236}">
-                <a16:creationId xmlns:a16="http://schemas.microsoft.com/office/drawing/2014/main" id="{645E276E-3848-AB88-B291-495DE928604B}"/>
-              </a:ext>
-            </a:extLst>
-          </p:cNvPr>
-          <p:cNvSpPr/>
-          <p:nvPr/>
-        </p:nvSpPr>
-        <p:spPr>
-          <a:xfrm>
-            <a:off x="1667680" y="4760500"/>
-            <a:ext cx="4170823" cy="229947"/>
-          </a:xfrm>
-          <a:prstGeom prst="roundRect">
-            <a:avLst>
-              <a:gd name="adj" fmla="val 50000"/>
-            </a:avLst>
-          </a:prstGeom>
-          <a:solidFill>
-            <a:schemeClr val="accent4">
-              <a:lumMod val="20000"/>
-              <a:lumOff val="80000"/>
-            </a:schemeClr>
-          </a:solidFill>
-          <a:ln>
-            <a:noFill/>
-          </a:ln>
-          <a:effectLst/>
-        </p:spPr>
-        <p:style>
-          <a:lnRef idx="2">
-            <a:schemeClr val="accent1">
-              <a:shade val="50000"/>
-            </a:schemeClr>
-          </a:lnRef>
-          <a:fillRef idx="1">
-            <a:schemeClr val="accent1"/>
-          </a:fillRef>
-          <a:effectRef idx="0">
-            <a:schemeClr val="accent1"/>
-          </a:effectRef>
-          <a:fontRef idx="minor">
-            <a:schemeClr val="lt1"/>
-          </a:fontRef>
-        </p:style>
-        <p:txBody>
-          <a:bodyPr rtlCol="0" anchor="ctr"/>
-          <a:lstStyle/>
-          <a:p>
-            <a:pPr algn="ctr">
-              <a:lnSpc>
-                <a:spcPct val="130000"/>
-              </a:lnSpc>
-              <a:spcAft>
-                <a:spcPts val="600"/>
-              </a:spcAft>
-            </a:pPr>
-            <a:r>
-              <a:rPr kumimoji="1" lang="en-US" altLang="ja-JP" sz="1100" dirty="0" err="1">
-                <a:solidFill>
-                  <a:schemeClr val="tx1"/>
-                </a:solidFill>
-                <a:latin typeface="+mn-ea"/>
-              </a:rPr>
-              <a:t>PostGIS:PosgreSQL</a:t>
-            </a:r>
-            <a:r>
-              <a:rPr kumimoji="1" lang="ja-JP" altLang="en-US" sz="1100" dirty="0">
-                <a:solidFill>
-                  <a:schemeClr val="tx1"/>
-                </a:solidFill>
-                <a:latin typeface="+mn-ea"/>
-              </a:rPr>
-              <a:t>をベースとした高速な情報管理</a:t>
-            </a:r>
-          </a:p>
-        </p:txBody>
-      </p:sp>
-      <p:sp>
-        <p:nvSpPr>
-          <p:cNvPr id="43" name="四角形: 角を丸くする 42">
-            <a:extLst>
-              <a:ext uri="{FF2B5EF4-FFF2-40B4-BE49-F238E27FC236}">
-                <a16:creationId xmlns:a16="http://schemas.microsoft.com/office/drawing/2014/main" id="{3FF398D3-BD2F-B018-BD0F-8191ADBF920C}"/>
-              </a:ext>
-            </a:extLst>
-          </p:cNvPr>
-          <p:cNvSpPr/>
-          <p:nvPr/>
-        </p:nvSpPr>
-        <p:spPr>
-          <a:xfrm>
-            <a:off x="1667681" y="5028646"/>
-            <a:ext cx="4170823" cy="229947"/>
-          </a:xfrm>
-          <a:prstGeom prst="roundRect">
-            <a:avLst>
-              <a:gd name="adj" fmla="val 50000"/>
-            </a:avLst>
-          </a:prstGeom>
-          <a:solidFill>
-            <a:schemeClr val="accent4">
-              <a:lumMod val="20000"/>
-              <a:lumOff val="80000"/>
-            </a:schemeClr>
-          </a:solidFill>
-          <a:ln>
-            <a:noFill/>
-          </a:ln>
-          <a:effectLst/>
-        </p:spPr>
-        <p:style>
-          <a:lnRef idx="2">
-            <a:schemeClr val="accent1">
-              <a:shade val="50000"/>
-            </a:schemeClr>
-          </a:lnRef>
-          <a:fillRef idx="1">
-            <a:schemeClr val="accent1"/>
-          </a:fillRef>
-          <a:effectRef idx="0">
-            <a:schemeClr val="accent1"/>
-          </a:effectRef>
-          <a:fontRef idx="minor">
-            <a:schemeClr val="lt1"/>
-          </a:fontRef>
-        </p:style>
-        <p:txBody>
-          <a:bodyPr rtlCol="0" anchor="ctr"/>
-          <a:lstStyle/>
-          <a:p>
-            <a:pPr algn="ctr">
-              <a:lnSpc>
-                <a:spcPct val="130000"/>
-              </a:lnSpc>
-              <a:spcAft>
-                <a:spcPts val="600"/>
-              </a:spcAft>
-            </a:pPr>
-            <a:r>
-              <a:rPr kumimoji="1" lang="ja-JP" altLang="en-US" sz="1100" dirty="0">
-                <a:solidFill>
-                  <a:schemeClr val="tx1"/>
-                </a:solidFill>
-                <a:latin typeface="+mn-ea"/>
-              </a:rPr>
-              <a:t>ファイルサーバ：ファイル形式の管理しやすい情報管理</a:t>
-            </a:r>
-          </a:p>
-        </p:txBody>
-      </p:sp>
-      <p:sp>
-        <p:nvSpPr>
-          <p:cNvPr id="44" name="雲 43">
-            <a:extLst>
-              <a:ext uri="{FF2B5EF4-FFF2-40B4-BE49-F238E27FC236}">
-                <a16:creationId xmlns:a16="http://schemas.microsoft.com/office/drawing/2014/main" id="{993504F7-A014-CF52-69D8-E5D0047D651C}"/>
-              </a:ext>
-            </a:extLst>
-          </p:cNvPr>
-          <p:cNvSpPr/>
-          <p:nvPr/>
-        </p:nvSpPr>
-        <p:spPr>
-          <a:xfrm>
-            <a:off x="695401" y="4184436"/>
-            <a:ext cx="6408712" cy="1370236"/>
-          </a:xfrm>
-          <a:prstGeom prst="cloud">
-            <a:avLst/>
-          </a:prstGeom>
-          <a:noFill/>
-          <a:ln>
-            <a:solidFill>
-              <a:srgbClr val="F7797D"/>
-            </a:solidFill>
-          </a:ln>
-          <a:effectLst/>
-        </p:spPr>
-        <p:style>
-          <a:lnRef idx="2">
-            <a:schemeClr val="accent1">
-              <a:shade val="50000"/>
-            </a:schemeClr>
-          </a:lnRef>
-          <a:fillRef idx="1">
-            <a:schemeClr val="accent1"/>
-          </a:fillRef>
-          <a:effectRef idx="0">
-            <a:schemeClr val="accent1"/>
-          </a:effectRef>
-          <a:fontRef idx="minor">
-            <a:schemeClr val="lt1"/>
-          </a:fontRef>
-        </p:style>
-        <p:txBody>
-          <a:bodyPr rtlCol="0" anchor="t"/>
-          <a:lstStyle/>
-          <a:p>
-            <a:pPr>
-              <a:lnSpc>
-                <a:spcPct val="130000"/>
-              </a:lnSpc>
-              <a:spcAft>
-                <a:spcPts val="600"/>
-              </a:spcAft>
-            </a:pPr>
-            <a:r>
-              <a:rPr kumimoji="1" lang="ja-JP" altLang="en-US" sz="1100" b="1" dirty="0">
-                <a:solidFill>
-                  <a:schemeClr val="tx1"/>
-                </a:solidFill>
-                <a:latin typeface="+mn-ea"/>
-              </a:rPr>
-              <a:t>情報の一括管理</a:t>
-            </a:r>
-          </a:p>
-        </p:txBody>
-      </p:sp>
-      <p:sp>
-        <p:nvSpPr>
-          <p:cNvPr id="45" name="矢印: 右 44">
-            <a:extLst>
-              <a:ext uri="{FF2B5EF4-FFF2-40B4-BE49-F238E27FC236}">
-                <a16:creationId xmlns:a16="http://schemas.microsoft.com/office/drawing/2014/main" id="{92C37A39-7311-C1D3-91A9-8D2C21C396C5}"/>
-              </a:ext>
-            </a:extLst>
-          </p:cNvPr>
-          <p:cNvSpPr/>
-          <p:nvPr/>
-        </p:nvSpPr>
-        <p:spPr>
-          <a:xfrm>
-            <a:off x="4799857" y="3645024"/>
-            <a:ext cx="2376264" cy="415732"/>
-          </a:xfrm>
-          <a:prstGeom prst="rightArrow">
-            <a:avLst/>
-          </a:prstGeom>
-          <a:solidFill>
-            <a:schemeClr val="accent2">
-              <a:lumMod val="40000"/>
-              <a:lumOff val="60000"/>
-            </a:schemeClr>
-          </a:solidFill>
-        </p:spPr>
-        <p:style>
-          <a:lnRef idx="2">
-            <a:schemeClr val="accent3"/>
-          </a:lnRef>
-          <a:fillRef idx="1">
-            <a:schemeClr val="lt1"/>
-          </a:fillRef>
-          <a:effectRef idx="0">
-            <a:schemeClr val="accent3"/>
-          </a:effectRef>
-          <a:fontRef idx="minor">
-            <a:schemeClr val="dk1"/>
-          </a:fontRef>
-        </p:style>
-        <p:txBody>
-          <a:bodyPr rtlCol="0" anchor="ctr"/>
-          <a:lstStyle/>
-          <a:p>
-            <a:pPr algn="ctr">
-              <a:lnSpc>
-                <a:spcPct val="130000"/>
-              </a:lnSpc>
-              <a:spcAft>
-                <a:spcPts val="600"/>
-              </a:spcAft>
-            </a:pPr>
-            <a:r>
-              <a:rPr kumimoji="1" lang="en-US" altLang="ja-JP" sz="1100" dirty="0">
-                <a:solidFill>
-                  <a:schemeClr val="tx1"/>
-                </a:solidFill>
-                <a:latin typeface="+mn-ea"/>
-              </a:rPr>
-              <a:t>QGIS</a:t>
-            </a:r>
-            <a:r>
-              <a:rPr kumimoji="1" lang="ja-JP" altLang="en-US" sz="1100" dirty="0">
-                <a:solidFill>
-                  <a:schemeClr val="tx1"/>
-                </a:solidFill>
-                <a:latin typeface="+mn-ea"/>
-              </a:rPr>
-              <a:t>をそのまま配信したい！</a:t>
-            </a:r>
-          </a:p>
-        </p:txBody>
-      </p:sp>
-      <p:sp>
-        <p:nvSpPr>
-          <p:cNvPr id="46" name="矢印: 下 45">
-            <a:extLst>
-              <a:ext uri="{FF2B5EF4-FFF2-40B4-BE49-F238E27FC236}">
-                <a16:creationId xmlns:a16="http://schemas.microsoft.com/office/drawing/2014/main" id="{7663DFE1-A96D-EDE2-DCFB-7D468073509E}"/>
-              </a:ext>
-            </a:extLst>
-          </p:cNvPr>
-          <p:cNvSpPr/>
-          <p:nvPr/>
-        </p:nvSpPr>
-        <p:spPr>
-          <a:xfrm>
-            <a:off x="1343473" y="4184436"/>
-            <a:ext cx="252199" cy="1473932"/>
-          </a:xfrm>
-          <a:prstGeom prst="downArrow">
-            <a:avLst/>
-          </a:prstGeom>
-          <a:solidFill>
-            <a:schemeClr val="accent2">
-              <a:lumMod val="40000"/>
-              <a:lumOff val="60000"/>
-            </a:schemeClr>
-          </a:solidFill>
-        </p:spPr>
-        <p:style>
-          <a:lnRef idx="2">
-            <a:schemeClr val="accent3"/>
-          </a:lnRef>
-          <a:fillRef idx="1">
-            <a:schemeClr val="lt1"/>
-          </a:fillRef>
-          <a:effectRef idx="0">
-            <a:schemeClr val="accent3"/>
-          </a:effectRef>
-          <a:fontRef idx="minor">
-            <a:schemeClr val="dk1"/>
-          </a:fontRef>
-        </p:style>
-        <p:txBody>
-          <a:bodyPr rtlCol="0" anchor="ctr"/>
-          <a:lstStyle/>
-          <a:p>
-            <a:pPr algn="ctr">
-              <a:lnSpc>
-                <a:spcPct val="130000"/>
-              </a:lnSpc>
-              <a:spcAft>
-                <a:spcPts val="600"/>
-              </a:spcAft>
-            </a:pPr>
-            <a:endParaRPr kumimoji="1" lang="ja-JP" altLang="en-US" sz="1600" dirty="0">
-              <a:solidFill>
-                <a:schemeClr val="tx1"/>
-              </a:solidFill>
-              <a:latin typeface="+mn-ea"/>
-            </a:endParaRPr>
-          </a:p>
-        </p:txBody>
-      </p:sp>
-      <p:sp>
-        <p:nvSpPr>
-          <p:cNvPr id="48" name="四角形: 対角を丸める 47">
-            <a:extLst>
-              <a:ext uri="{FF2B5EF4-FFF2-40B4-BE49-F238E27FC236}">
-                <a16:creationId xmlns:a16="http://schemas.microsoft.com/office/drawing/2014/main" id="{B1E985E5-0B60-5E9A-B388-89444DCACFC8}"/>
-              </a:ext>
-            </a:extLst>
-          </p:cNvPr>
-          <p:cNvSpPr/>
-          <p:nvPr/>
-        </p:nvSpPr>
-        <p:spPr>
-          <a:xfrm>
-            <a:off x="335361" y="3376143"/>
-            <a:ext cx="11521280" cy="3221209"/>
-          </a:xfrm>
-          <a:prstGeom prst="round2DiagRect">
-            <a:avLst/>
-          </a:prstGeom>
-          <a:noFill/>
-          <a:ln>
-            <a:solidFill>
-              <a:schemeClr val="tx1"/>
-            </a:solidFill>
-          </a:ln>
-          <a:effectLst/>
-        </p:spPr>
-        <p:style>
-          <a:lnRef idx="2">
-            <a:schemeClr val="accent1">
-              <a:shade val="50000"/>
-            </a:schemeClr>
-          </a:lnRef>
-          <a:fillRef idx="1">
-            <a:schemeClr val="accent1"/>
-          </a:fillRef>
-          <a:effectRef idx="0">
-            <a:schemeClr val="accent1"/>
-          </a:effectRef>
-          <a:fontRef idx="minor">
-            <a:schemeClr val="lt1"/>
-          </a:fontRef>
-        </p:style>
-        <p:txBody>
-          <a:bodyPr rtlCol="0" anchor="t"/>
-          <a:lstStyle/>
-          <a:p>
-            <a:pPr algn="ctr">
-              <a:lnSpc>
-                <a:spcPct val="130000"/>
-              </a:lnSpc>
-              <a:spcAft>
-                <a:spcPts val="600"/>
-              </a:spcAft>
-            </a:pPr>
-            <a:endParaRPr kumimoji="1" lang="ja-JP" altLang="en-US" sz="1600" dirty="0">
-              <a:solidFill>
-                <a:schemeClr val="tx1"/>
-              </a:solidFill>
-              <a:latin typeface="+mn-ea"/>
-            </a:endParaRPr>
-          </a:p>
-        </p:txBody>
-      </p:sp>
-    </p:spTree>
+    <p:extLst>
+      <p:ext uri="{BB962C8B-B14F-4D97-AF65-F5344CB8AC3E}">
+        <p14:creationId xmlns:p14="http://schemas.microsoft.com/office/powerpoint/2010/main" val="3209229091"/>
+      </p:ext>
+    </p:extLst>
   </p:cSld>
   <p:clrMapOvr>
     <a:masterClrMapping/>

--- a/パワーポイント/都知事杯オープンデータ・ハッカソン.pptx
+++ b/パワーポイント/都知事杯オープンデータ・ハッカソン.pptx
@@ -4081,7 +4081,7 @@
         </p:nvSpPr>
         <p:spPr>
           <a:xfrm>
-            <a:off x="192991" y="188640"/>
+            <a:off x="95672" y="230675"/>
             <a:ext cx="12000656" cy="584775"/>
           </a:xfrm>
           <a:prstGeom prst="rect">
@@ -4108,7 +4108,7 @@
                 <a:latin typeface="-apple-system"/>
                 <a:hlinkClick r:id="rId3"/>
               </a:rPr>
-              <a:t>東京都オープンデータカタログサイトビジュアライゼーション</a:t>
+              <a:t>東京都オープンデータカタログサイト・ビジュアライゼーション</a:t>
             </a:r>
             <a:endParaRPr lang="ja-JP" altLang="en-US" sz="3200" b="1" i="0" dirty="0">
               <a:solidFill>
@@ -7620,8 +7620,8 @@
         </p:nvSpPr>
         <p:spPr>
           <a:xfrm>
-            <a:off x="159049" y="6002849"/>
-            <a:ext cx="9204218" cy="711224"/>
+            <a:off x="3251071" y="6002631"/>
+            <a:ext cx="6075579" cy="711224"/>
           </a:xfrm>
           <a:prstGeom prst="roundRect">
             <a:avLst>
@@ -7664,40 +7664,13 @@
               </a:spcAft>
             </a:pPr>
             <a:r>
-              <a:rPr kumimoji="1" lang="en-US" altLang="ja-JP" sz="2000" dirty="0">
+              <a:rPr kumimoji="1" lang="ja-JP" altLang="en-US" sz="2000" dirty="0">
                 <a:solidFill>
                   <a:srgbClr val="FF0000"/>
                 </a:solidFill>
                 <a:latin typeface="+mn-ea"/>
               </a:rPr>
-              <a:t>WEB</a:t>
-            </a:r>
-            <a:r>
-              <a:rPr kumimoji="1" lang="ja-JP" altLang="en-US" sz="2000" dirty="0">
-                <a:solidFill>
-                  <a:srgbClr val="FF0000"/>
-                </a:solidFill>
-                <a:latin typeface="+mn-ea"/>
-              </a:rPr>
-              <a:t>ブラウザによる閲覧、組み込み、他のアプリ・</a:t>
-            </a:r>
-            <a:r>
-              <a:rPr kumimoji="1" lang="en-US" altLang="ja-JP" sz="2000" dirty="0">
-                <a:solidFill>
-                  <a:srgbClr val="FF0000"/>
-                </a:solidFill>
-                <a:latin typeface="+mn-ea"/>
-              </a:rPr>
-              <a:t>GIS</a:t>
-            </a:r>
-            <a:r>
-              <a:rPr kumimoji="1" lang="ja-JP" altLang="en-US" sz="2000" dirty="0">
-                <a:solidFill>
-                  <a:srgbClr val="FF0000"/>
-                </a:solidFill>
-                <a:latin typeface="+mn-ea"/>
-              </a:rPr>
-              <a:t>から自由に接続　　</a:t>
+              <a:t>信頼性の高い情報発信・問い合わせの削減</a:t>
             </a:r>
             <a:endParaRPr kumimoji="1" lang="en-US" altLang="ja-JP" sz="1600" dirty="0">
               <a:solidFill>
@@ -7726,12 +7699,12 @@
         </p:nvCxnSpPr>
         <p:spPr>
           <a:xfrm rot="16200000" flipH="1">
-            <a:off x="4479020" y="5720710"/>
-            <a:ext cx="557625" cy="6652"/>
+            <a:off x="5242980" y="4956749"/>
+            <a:ext cx="557407" cy="1534355"/>
           </a:xfrm>
           <a:prstGeom prst="bentConnector3">
             <a:avLst>
-              <a:gd name="adj1" fmla="val 50000"/>
+              <a:gd name="adj1" fmla="val 67167"/>
             </a:avLst>
           </a:prstGeom>
           <a:ln w="38100">
@@ -7771,8 +7744,8 @@
         </p:nvCxnSpPr>
         <p:spPr>
           <a:xfrm rot="5400000">
-            <a:off x="6455078" y="3937373"/>
-            <a:ext cx="371556" cy="3759396"/>
+            <a:off x="7219039" y="4701116"/>
+            <a:ext cx="371338" cy="2231693"/>
           </a:xfrm>
           <a:prstGeom prst="bentConnector3">
             <a:avLst>
@@ -7826,9 +7799,8 @@
           </a:prstGeom>
           <a:ln w="63500">
             <a:solidFill>
-              <a:srgbClr val="FF0000"/>
+              <a:schemeClr val="accent4"/>
             </a:solidFill>
-            <a:headEnd type="triangle"/>
             <a:tailEnd type="triangle"/>
           </a:ln>
         </p:spPr>
